--- a/Lab_PhatTrien_5315/Nhom01_Tuan03_ThuatToanFrequentPatternGrowth_LuuThanhTung.pptx
+++ b/Lab_PhatTrien_5315/Nhom01_Tuan03_ThuatToanFrequentPatternGrowth_LuuThanhTung.pptx
@@ -6,19 +6,37 @@
     <p:sldMasterId id="2147483691" r:id="rId5"/>
   </p:sldMasterIdLst>
   <p:notesMasterIdLst>
-    <p:notesMasterId r:id="rId16"/>
+    <p:notesMasterId r:id="rId34"/>
   </p:notesMasterIdLst>
   <p:sldIdLst>
     <p:sldId id="357" r:id="rId6"/>
     <p:sldId id="381" r:id="rId7"/>
-    <p:sldId id="446" r:id="rId8"/>
-    <p:sldId id="447" r:id="rId9"/>
-    <p:sldId id="448" r:id="rId10"/>
-    <p:sldId id="449" r:id="rId11"/>
-    <p:sldId id="450" r:id="rId12"/>
-    <p:sldId id="451" r:id="rId13"/>
-    <p:sldId id="452" r:id="rId14"/>
-    <p:sldId id="453" r:id="rId15"/>
+    <p:sldId id="462" r:id="rId8"/>
+    <p:sldId id="463" r:id="rId9"/>
+    <p:sldId id="464" r:id="rId10"/>
+    <p:sldId id="465" r:id="rId11"/>
+    <p:sldId id="466" r:id="rId12"/>
+    <p:sldId id="467" r:id="rId13"/>
+    <p:sldId id="468" r:id="rId14"/>
+    <p:sldId id="469" r:id="rId15"/>
+    <p:sldId id="470" r:id="rId16"/>
+    <p:sldId id="471" r:id="rId17"/>
+    <p:sldId id="454" r:id="rId18"/>
+    <p:sldId id="455" r:id="rId19"/>
+    <p:sldId id="456" r:id="rId20"/>
+    <p:sldId id="457" r:id="rId21"/>
+    <p:sldId id="458" r:id="rId22"/>
+    <p:sldId id="459" r:id="rId23"/>
+    <p:sldId id="460" r:id="rId24"/>
+    <p:sldId id="461" r:id="rId25"/>
+    <p:sldId id="447" r:id="rId26"/>
+    <p:sldId id="448" r:id="rId27"/>
+    <p:sldId id="449" r:id="rId28"/>
+    <p:sldId id="450" r:id="rId29"/>
+    <p:sldId id="451" r:id="rId30"/>
+    <p:sldId id="452" r:id="rId31"/>
+    <p:sldId id="472" r:id="rId32"/>
+    <p:sldId id="453" r:id="rId33"/>
   </p:sldIdLst>
   <p:sldSz cx="12192000" cy="6858000"/>
   <p:notesSz cx="6858000" cy="9144000"/>
@@ -128,11 +146,28 @@
         <p14:section name="Lab 5313" id="{26F611B3-928F-4D8D-AD17-0395BBB4C700}">
           <p14:sldIdLst>
             <p14:sldId id="381"/>
+            <p14:sldId id="462"/>
+            <p14:sldId id="463"/>
+            <p14:sldId id="464"/>
+            <p14:sldId id="465"/>
+            <p14:sldId id="466"/>
+            <p14:sldId id="467"/>
+            <p14:sldId id="468"/>
+            <p14:sldId id="469"/>
+            <p14:sldId id="470"/>
+            <p14:sldId id="471"/>
           </p14:sldIdLst>
         </p14:section>
-        <p14:section name="Lab 5314" id="{E09787AD-C7BC-4890-98B9-AEA0F792FD44}">
+        <p14:section name="Lab 5314" id="{F0A2AC04-66D1-4534-BDEC-4DAAAA5E7F1F}">
           <p14:sldIdLst>
-            <p14:sldId id="446"/>
+            <p14:sldId id="454"/>
+            <p14:sldId id="455"/>
+            <p14:sldId id="456"/>
+            <p14:sldId id="457"/>
+            <p14:sldId id="458"/>
+            <p14:sldId id="459"/>
+            <p14:sldId id="460"/>
+            <p14:sldId id="461"/>
           </p14:sldIdLst>
         </p14:section>
         <p14:section name="Lab 5315" id="{C6D5C101-E94A-44CB-9881-E97C9F67D0C7}">
@@ -143,6 +178,7 @@
             <p14:sldId id="450"/>
             <p14:sldId id="451"/>
             <p14:sldId id="452"/>
+            <p14:sldId id="472"/>
             <p14:sldId id="453"/>
           </p14:sldIdLst>
         </p14:section>
@@ -237,7 +273,7 @@
           <a:p>
             <a:fld id="{AF8E4E55-6F81-4EC2-B2E8-47BFE95077A1}" type="datetimeFigureOut">
               <a:rPr lang="en-US" smtClean="0"/>
-              <a:t>20/12/2025</a:t>
+              <a:t>23/12/2025</a:t>
             </a:fld>
             <a:endParaRPr lang="en-US"/>
           </a:p>
@@ -633,7 +669,7 @@
           <a:p>
             <a:fld id="{92E07F35-F116-489E-AEDC-4196FAD46921}" type="datetimeFigureOut">
               <a:rPr lang="en-US" smtClean="0"/>
-              <a:t>20/12/2025</a:t>
+              <a:t>23/12/2025</a:t>
             </a:fld>
             <a:endParaRPr lang="en-US"/>
           </a:p>
@@ -801,7 +837,7 @@
           <a:p>
             <a:fld id="{92E07F35-F116-489E-AEDC-4196FAD46921}" type="datetimeFigureOut">
               <a:rPr lang="en-US" smtClean="0"/>
-              <a:t>20/12/2025</a:t>
+              <a:t>23/12/2025</a:t>
             </a:fld>
             <a:endParaRPr lang="en-US"/>
           </a:p>
@@ -979,7 +1015,7 @@
           <a:p>
             <a:fld id="{92E07F35-F116-489E-AEDC-4196FAD46921}" type="datetimeFigureOut">
               <a:rPr lang="en-US" smtClean="0"/>
-              <a:t>20/12/2025</a:t>
+              <a:t>23/12/2025</a:t>
             </a:fld>
             <a:endParaRPr lang="en-US"/>
           </a:p>
@@ -9670,7 +9706,7 @@
           <a:p>
             <a:fld id="{92E07F35-F116-489E-AEDC-4196FAD46921}" type="datetimeFigureOut">
               <a:rPr lang="en-US" smtClean="0"/>
-              <a:t>20/12/2025</a:t>
+              <a:t>23/12/2025</a:t>
             </a:fld>
             <a:endParaRPr lang="en-US"/>
           </a:p>
@@ -13121,7 +13157,7 @@
           <a:p>
             <a:fld id="{D619976B-D4AB-1E4C-B38E-D0AADA5FCB3C}" type="datetimeFigureOut">
               <a:rPr lang="en-US" smtClean="0"/>
-              <a:t>20/12/2025</a:t>
+              <a:t>23/12/2025</a:t>
             </a:fld>
             <a:endParaRPr lang="en-US"/>
           </a:p>
@@ -13366,7 +13402,7 @@
           <a:p>
             <a:fld id="{92E07F35-F116-489E-AEDC-4196FAD46921}" type="datetimeFigureOut">
               <a:rPr lang="en-US" smtClean="0"/>
-              <a:t>20/12/2025</a:t>
+              <a:t>23/12/2025</a:t>
             </a:fld>
             <a:endParaRPr lang="en-US"/>
           </a:p>
@@ -13595,7 +13631,7 @@
           <a:p>
             <a:fld id="{92E07F35-F116-489E-AEDC-4196FAD46921}" type="datetimeFigureOut">
               <a:rPr lang="en-US" smtClean="0"/>
-              <a:t>20/12/2025</a:t>
+              <a:t>23/12/2025</a:t>
             </a:fld>
             <a:endParaRPr lang="en-US"/>
           </a:p>
@@ -13959,7 +13995,7 @@
           <a:p>
             <a:fld id="{92E07F35-F116-489E-AEDC-4196FAD46921}" type="datetimeFigureOut">
               <a:rPr lang="en-US" smtClean="0"/>
-              <a:t>20/12/2025</a:t>
+              <a:t>23/12/2025</a:t>
             </a:fld>
             <a:endParaRPr lang="en-US"/>
           </a:p>
@@ -14076,7 +14112,7 @@
           <a:p>
             <a:fld id="{92E07F35-F116-489E-AEDC-4196FAD46921}" type="datetimeFigureOut">
               <a:rPr lang="en-US" smtClean="0"/>
-              <a:t>20/12/2025</a:t>
+              <a:t>23/12/2025</a:t>
             </a:fld>
             <a:endParaRPr lang="en-US"/>
           </a:p>
@@ -14171,7 +14207,7 @@
           <a:p>
             <a:fld id="{92E07F35-F116-489E-AEDC-4196FAD46921}" type="datetimeFigureOut">
               <a:rPr lang="en-US" smtClean="0"/>
-              <a:t>20/12/2025</a:t>
+              <a:t>23/12/2025</a:t>
             </a:fld>
             <a:endParaRPr lang="en-US"/>
           </a:p>
@@ -14446,7 +14482,7 @@
           <a:p>
             <a:fld id="{92E07F35-F116-489E-AEDC-4196FAD46921}" type="datetimeFigureOut">
               <a:rPr lang="en-US" smtClean="0"/>
-              <a:t>20/12/2025</a:t>
+              <a:t>23/12/2025</a:t>
             </a:fld>
             <a:endParaRPr lang="en-US"/>
           </a:p>
@@ -14698,7 +14734,7 @@
           <a:p>
             <a:fld id="{92E07F35-F116-489E-AEDC-4196FAD46921}" type="datetimeFigureOut">
               <a:rPr lang="en-US" smtClean="0"/>
-              <a:t>20/12/2025</a:t>
+              <a:t>23/12/2025</a:t>
             </a:fld>
             <a:endParaRPr lang="en-US"/>
           </a:p>
@@ -14918,7 +14954,7 @@
           <a:p>
             <a:fld id="{92E07F35-F116-489E-AEDC-4196FAD46921}" type="datetimeFigureOut">
               <a:rPr lang="en-US" smtClean="0"/>
-              <a:t>20/12/2025</a:t>
+              <a:t>23/12/2025</a:t>
             </a:fld>
             <a:endParaRPr lang="en-US"/>
           </a:p>
@@ -16980,6 +17016,5589 @@
 </file>
 
 <file path=ppt/slides/slide10.xml><?xml version="1.0" encoding="utf-8"?>
+<p:sld xmlns:a="http://schemas.openxmlformats.org/drawingml/2006/main" xmlns:r="http://schemas.openxmlformats.org/officeDocument/2006/relationships" xmlns:p="http://schemas.openxmlformats.org/presentationml/2006/main">
+  <p:cSld>
+    <p:spTree>
+      <p:nvGrpSpPr>
+        <p:cNvPr id="1" name="">
+          <a:extLst>
+            <a:ext uri="{FF2B5EF4-FFF2-40B4-BE49-F238E27FC236}">
+              <a16:creationId xmlns:a16="http://schemas.microsoft.com/office/drawing/2014/main" id="{2F1CF451-F3AD-C8B4-64BC-2D0AC0DCB6DE}"/>
+            </a:ext>
+          </a:extLst>
+        </p:cNvPr>
+        <p:cNvGrpSpPr/>
+        <p:nvPr/>
+      </p:nvGrpSpPr>
+      <p:grpSpPr>
+        <a:xfrm>
+          <a:off x="0" y="0"/>
+          <a:ext cx="0" cy="0"/>
+          <a:chOff x="0" y="0"/>
+          <a:chExt cx="0" cy="0"/>
+        </a:xfrm>
+      </p:grpSpPr>
+      <p:pic>
+        <p:nvPicPr>
+          <p:cNvPr id="10" name="Picture 9" descr="Dai Nam [PPT] Template 11.png">
+            <a:extLst>
+              <a:ext uri="{FF2B5EF4-FFF2-40B4-BE49-F238E27FC236}">
+                <a16:creationId xmlns:a16="http://schemas.microsoft.com/office/drawing/2014/main" id="{8B8B33C5-85DF-524C-6FC4-E53E7DA4F3DB}"/>
+              </a:ext>
+            </a:extLst>
+          </p:cNvPr>
+          <p:cNvPicPr>
+            <a:picLocks noChangeAspect="1"/>
+          </p:cNvPicPr>
+          <p:nvPr/>
+        </p:nvPicPr>
+        <p:blipFill>
+          <a:blip r:embed="rId2" cstate="print">
+            <a:extLst>
+              <a:ext uri="{28A0092B-C50C-407E-A947-70E740481C1C}">
+                <a14:useLocalDpi xmlns:a14="http://schemas.microsoft.com/office/drawing/2010/main" val="0"/>
+              </a:ext>
+            </a:extLst>
+          </a:blip>
+          <a:stretch>
+            <a:fillRect/>
+          </a:stretch>
+        </p:blipFill>
+        <p:spPr>
+          <a:xfrm>
+            <a:off x="0" y="6347341"/>
+            <a:ext cx="12192000" cy="520416"/>
+          </a:xfrm>
+          <a:prstGeom prst="rect">
+            <a:avLst/>
+          </a:prstGeom>
+        </p:spPr>
+      </p:pic>
+      <p:sp>
+        <p:nvSpPr>
+          <p:cNvPr id="20" name="TextBox 19">
+            <a:extLst>
+              <a:ext uri="{FF2B5EF4-FFF2-40B4-BE49-F238E27FC236}">
+                <a16:creationId xmlns:a16="http://schemas.microsoft.com/office/drawing/2014/main" id="{C0A652AE-D585-A8D6-CF07-15698B906DFC}"/>
+              </a:ext>
+            </a:extLst>
+          </p:cNvPr>
+          <p:cNvSpPr txBox="1"/>
+          <p:nvPr/>
+        </p:nvSpPr>
+        <p:spPr>
+          <a:xfrm>
+            <a:off x="2104966" y="6459180"/>
+            <a:ext cx="3727476" cy="298223"/>
+          </a:xfrm>
+          <a:prstGeom prst="rect">
+            <a:avLst/>
+          </a:prstGeom>
+          <a:noFill/>
+        </p:spPr>
+        <p:txBody>
+          <a:bodyPr wrap="square" rtlCol="0">
+            <a:spAutoFit/>
+          </a:bodyPr>
+          <a:lstStyle/>
+          <a:p>
+            <a:r>
+              <a:rPr lang="en-US" sz="1338" dirty="0">
+                <a:solidFill>
+                  <a:schemeClr val="bg1"/>
+                </a:solidFill>
+                <a:latin typeface="Arial"/>
+                <a:cs typeface="Arial"/>
+              </a:rPr>
+              <a:t>TÊN NGƯỜI TRÌNH BÀY</a:t>
+            </a:r>
+          </a:p>
+        </p:txBody>
+      </p:sp>
+      <p:sp>
+        <p:nvSpPr>
+          <p:cNvPr id="21" name="TextBox 20">
+            <a:extLst>
+              <a:ext uri="{FF2B5EF4-FFF2-40B4-BE49-F238E27FC236}">
+                <a16:creationId xmlns:a16="http://schemas.microsoft.com/office/drawing/2014/main" id="{2654FF5E-74C8-4C6B-5426-CACC682CF072}"/>
+              </a:ext>
+            </a:extLst>
+          </p:cNvPr>
+          <p:cNvSpPr txBox="1"/>
+          <p:nvPr/>
+        </p:nvSpPr>
+        <p:spPr>
+          <a:xfrm>
+            <a:off x="9005970" y="6459180"/>
+            <a:ext cx="1824707" cy="270523"/>
+          </a:xfrm>
+          <a:prstGeom prst="rect">
+            <a:avLst/>
+          </a:prstGeom>
+          <a:noFill/>
+        </p:spPr>
+        <p:txBody>
+          <a:bodyPr wrap="square" rtlCol="0">
+            <a:spAutoFit/>
+          </a:bodyPr>
+          <a:lstStyle/>
+          <a:p>
+            <a:pPr algn="r"/>
+            <a:r>
+              <a:rPr lang="en-US" sz="1158" dirty="0">
+                <a:solidFill>
+                  <a:schemeClr val="bg1"/>
+                </a:solidFill>
+                <a:latin typeface="Arial"/>
+                <a:cs typeface="Arial"/>
+              </a:rPr>
+              <a:t>Slide: </a:t>
+            </a:r>
+            <a:r>
+              <a:rPr lang="en-US" sz="1158" dirty="0" err="1">
+                <a:solidFill>
+                  <a:schemeClr val="bg1"/>
+                </a:solidFill>
+                <a:latin typeface="Arial"/>
+                <a:cs typeface="Arial"/>
+              </a:rPr>
+              <a:t>số</a:t>
+            </a:r>
+            <a:r>
+              <a:rPr lang="en-US" sz="1158" dirty="0">
+                <a:solidFill>
+                  <a:schemeClr val="bg1"/>
+                </a:solidFill>
+                <a:latin typeface="Arial"/>
+                <a:cs typeface="Arial"/>
+              </a:rPr>
+              <a:t>….</a:t>
+            </a:r>
+          </a:p>
+        </p:txBody>
+      </p:sp>
+      <p:sp>
+        <p:nvSpPr>
+          <p:cNvPr id="22" name="TextBox 21">
+            <a:extLst>
+              <a:ext uri="{FF2B5EF4-FFF2-40B4-BE49-F238E27FC236}">
+                <a16:creationId xmlns:a16="http://schemas.microsoft.com/office/drawing/2014/main" id="{C0EA5074-C76B-81AA-A83A-13890CCE3C8F}"/>
+              </a:ext>
+            </a:extLst>
+          </p:cNvPr>
+          <p:cNvSpPr txBox="1"/>
+          <p:nvPr/>
+        </p:nvSpPr>
+        <p:spPr>
+          <a:xfrm>
+            <a:off x="1864487" y="52421"/>
+            <a:ext cx="8463025" cy="584775"/>
+          </a:xfrm>
+          <a:prstGeom prst="rect">
+            <a:avLst/>
+          </a:prstGeom>
+          <a:noFill/>
+        </p:spPr>
+        <p:txBody>
+          <a:bodyPr wrap="square" rtlCol="0">
+            <a:spAutoFit/>
+          </a:bodyPr>
+          <a:lstStyle/>
+          <a:p>
+            <a:pPr algn="ctr"/>
+            <a:r>
+              <a:rPr lang="en-US" sz="3200" b="1" dirty="0">
+                <a:solidFill>
+                  <a:srgbClr val="FF6600"/>
+                </a:solidFill>
+                <a:latin typeface="Arial"/>
+                <a:cs typeface="Arial"/>
+              </a:rPr>
+              <a:t>LAB 5313</a:t>
+            </a:r>
+          </a:p>
+        </p:txBody>
+      </p:sp>
+      <p:pic>
+        <p:nvPicPr>
+          <p:cNvPr id="25" name="Picture 24" descr="Dai Nam [PPT] Template 15.png">
+            <a:extLst>
+              <a:ext uri="{FF2B5EF4-FFF2-40B4-BE49-F238E27FC236}">
+                <a16:creationId xmlns:a16="http://schemas.microsoft.com/office/drawing/2014/main" id="{95D99C10-D1A5-D7B4-0945-B3184ADD49AE}"/>
+              </a:ext>
+            </a:extLst>
+          </p:cNvPr>
+          <p:cNvPicPr>
+            <a:picLocks noChangeAspect="1"/>
+          </p:cNvPicPr>
+          <p:nvPr/>
+        </p:nvPicPr>
+        <p:blipFill>
+          <a:blip r:embed="rId3" cstate="print">
+            <a:extLst>
+              <a:ext uri="{28A0092B-C50C-407E-A947-70E740481C1C}">
+                <a14:useLocalDpi xmlns:a14="http://schemas.microsoft.com/office/drawing/2010/main" val="0"/>
+              </a:ext>
+            </a:extLst>
+          </a:blip>
+          <a:stretch>
+            <a:fillRect/>
+          </a:stretch>
+        </p:blipFill>
+        <p:spPr>
+          <a:xfrm>
+            <a:off x="3199556" y="637196"/>
+            <a:ext cx="5792885" cy="17259"/>
+          </a:xfrm>
+          <a:prstGeom prst="rect">
+            <a:avLst/>
+          </a:prstGeom>
+        </p:spPr>
+      </p:pic>
+      <p:pic>
+        <p:nvPicPr>
+          <p:cNvPr id="5" name="Picture 4">
+            <a:extLst>
+              <a:ext uri="{FF2B5EF4-FFF2-40B4-BE49-F238E27FC236}">
+                <a16:creationId xmlns:a16="http://schemas.microsoft.com/office/drawing/2014/main" id="{93950881-8ED5-9FB3-8465-AC652AC3819B}"/>
+              </a:ext>
+            </a:extLst>
+          </p:cNvPr>
+          <p:cNvPicPr>
+            <a:picLocks noChangeAspect="1"/>
+          </p:cNvPicPr>
+          <p:nvPr/>
+        </p:nvPicPr>
+        <p:blipFill>
+          <a:blip r:embed="rId4"/>
+          <a:stretch>
+            <a:fillRect/>
+          </a:stretch>
+        </p:blipFill>
+        <p:spPr>
+          <a:xfrm>
+            <a:off x="3156586" y="4208706"/>
+            <a:ext cx="5878824" cy="2012098"/>
+          </a:xfrm>
+          <a:prstGeom prst="rect">
+            <a:avLst/>
+          </a:prstGeom>
+        </p:spPr>
+      </p:pic>
+      <p:pic>
+        <p:nvPicPr>
+          <p:cNvPr id="2" name="Picture 1">
+            <a:extLst>
+              <a:ext uri="{FF2B5EF4-FFF2-40B4-BE49-F238E27FC236}">
+                <a16:creationId xmlns:a16="http://schemas.microsoft.com/office/drawing/2014/main" id="{76714AA9-7766-4AC3-DA1D-FC8A0BFD5612}"/>
+              </a:ext>
+            </a:extLst>
+          </p:cNvPr>
+          <p:cNvPicPr>
+            <a:picLocks noChangeAspect="1"/>
+          </p:cNvPicPr>
+          <p:nvPr/>
+        </p:nvPicPr>
+        <p:blipFill>
+          <a:blip r:embed="rId5"/>
+          <a:stretch>
+            <a:fillRect/>
+          </a:stretch>
+        </p:blipFill>
+        <p:spPr>
+          <a:xfrm>
+            <a:off x="3011548" y="654455"/>
+            <a:ext cx="6737711" cy="3403666"/>
+          </a:xfrm>
+          <a:prstGeom prst="rect">
+            <a:avLst/>
+          </a:prstGeom>
+        </p:spPr>
+      </p:pic>
+    </p:spTree>
+    <p:extLst>
+      <p:ext uri="{BB962C8B-B14F-4D97-AF65-F5344CB8AC3E}">
+        <p14:creationId xmlns:p14="http://schemas.microsoft.com/office/powerpoint/2010/main" val="1033328464"/>
+      </p:ext>
+    </p:extLst>
+  </p:cSld>
+  <p:clrMapOvr>
+    <a:masterClrMapping/>
+  </p:clrMapOvr>
+</p:sld>
+</file>
+
+<file path=ppt/slides/slide11.xml><?xml version="1.0" encoding="utf-8"?>
+<p:sld xmlns:a="http://schemas.openxmlformats.org/drawingml/2006/main" xmlns:r="http://schemas.openxmlformats.org/officeDocument/2006/relationships" xmlns:p="http://schemas.openxmlformats.org/presentationml/2006/main">
+  <p:cSld>
+    <p:spTree>
+      <p:nvGrpSpPr>
+        <p:cNvPr id="1" name="">
+          <a:extLst>
+            <a:ext uri="{FF2B5EF4-FFF2-40B4-BE49-F238E27FC236}">
+              <a16:creationId xmlns:a16="http://schemas.microsoft.com/office/drawing/2014/main" id="{E6CA79BC-8584-3780-FA19-4FEC8DFDF955}"/>
+            </a:ext>
+          </a:extLst>
+        </p:cNvPr>
+        <p:cNvGrpSpPr/>
+        <p:nvPr/>
+      </p:nvGrpSpPr>
+      <p:grpSpPr>
+        <a:xfrm>
+          <a:off x="0" y="0"/>
+          <a:ext cx="0" cy="0"/>
+          <a:chOff x="0" y="0"/>
+          <a:chExt cx="0" cy="0"/>
+        </a:xfrm>
+      </p:grpSpPr>
+      <p:pic>
+        <p:nvPicPr>
+          <p:cNvPr id="10" name="Picture 9" descr="Dai Nam [PPT] Template 11.png">
+            <a:extLst>
+              <a:ext uri="{FF2B5EF4-FFF2-40B4-BE49-F238E27FC236}">
+                <a16:creationId xmlns:a16="http://schemas.microsoft.com/office/drawing/2014/main" id="{5A398FA9-7E0D-F4AF-8037-7640CDD944EB}"/>
+              </a:ext>
+            </a:extLst>
+          </p:cNvPr>
+          <p:cNvPicPr>
+            <a:picLocks noChangeAspect="1"/>
+          </p:cNvPicPr>
+          <p:nvPr/>
+        </p:nvPicPr>
+        <p:blipFill>
+          <a:blip r:embed="rId2" cstate="print">
+            <a:extLst>
+              <a:ext uri="{28A0092B-C50C-407E-A947-70E740481C1C}">
+                <a14:useLocalDpi xmlns:a14="http://schemas.microsoft.com/office/drawing/2010/main" val="0"/>
+              </a:ext>
+            </a:extLst>
+          </a:blip>
+          <a:stretch>
+            <a:fillRect/>
+          </a:stretch>
+        </p:blipFill>
+        <p:spPr>
+          <a:xfrm>
+            <a:off x="0" y="6347341"/>
+            <a:ext cx="12192000" cy="520416"/>
+          </a:xfrm>
+          <a:prstGeom prst="rect">
+            <a:avLst/>
+          </a:prstGeom>
+        </p:spPr>
+      </p:pic>
+      <p:sp>
+        <p:nvSpPr>
+          <p:cNvPr id="20" name="TextBox 19">
+            <a:extLst>
+              <a:ext uri="{FF2B5EF4-FFF2-40B4-BE49-F238E27FC236}">
+                <a16:creationId xmlns:a16="http://schemas.microsoft.com/office/drawing/2014/main" id="{0E74D823-49F6-4F0B-F87F-3C590B130681}"/>
+              </a:ext>
+            </a:extLst>
+          </p:cNvPr>
+          <p:cNvSpPr txBox="1"/>
+          <p:nvPr/>
+        </p:nvSpPr>
+        <p:spPr>
+          <a:xfrm>
+            <a:off x="2104966" y="6459180"/>
+            <a:ext cx="3727476" cy="298223"/>
+          </a:xfrm>
+          <a:prstGeom prst="rect">
+            <a:avLst/>
+          </a:prstGeom>
+          <a:noFill/>
+        </p:spPr>
+        <p:txBody>
+          <a:bodyPr wrap="square" rtlCol="0">
+            <a:spAutoFit/>
+          </a:bodyPr>
+          <a:lstStyle/>
+          <a:p>
+            <a:r>
+              <a:rPr lang="en-US" sz="1338" dirty="0">
+                <a:solidFill>
+                  <a:schemeClr val="bg1"/>
+                </a:solidFill>
+                <a:latin typeface="Arial"/>
+                <a:cs typeface="Arial"/>
+              </a:rPr>
+              <a:t>TÊN NGƯỜI TRÌNH BÀY</a:t>
+            </a:r>
+          </a:p>
+        </p:txBody>
+      </p:sp>
+      <p:sp>
+        <p:nvSpPr>
+          <p:cNvPr id="21" name="TextBox 20">
+            <a:extLst>
+              <a:ext uri="{FF2B5EF4-FFF2-40B4-BE49-F238E27FC236}">
+                <a16:creationId xmlns:a16="http://schemas.microsoft.com/office/drawing/2014/main" id="{8B2FBE0A-0BE4-55D9-B1A2-FE156C11EE21}"/>
+              </a:ext>
+            </a:extLst>
+          </p:cNvPr>
+          <p:cNvSpPr txBox="1"/>
+          <p:nvPr/>
+        </p:nvSpPr>
+        <p:spPr>
+          <a:xfrm>
+            <a:off x="9005970" y="6459180"/>
+            <a:ext cx="1824707" cy="270523"/>
+          </a:xfrm>
+          <a:prstGeom prst="rect">
+            <a:avLst/>
+          </a:prstGeom>
+          <a:noFill/>
+        </p:spPr>
+        <p:txBody>
+          <a:bodyPr wrap="square" rtlCol="0">
+            <a:spAutoFit/>
+          </a:bodyPr>
+          <a:lstStyle/>
+          <a:p>
+            <a:pPr algn="r"/>
+            <a:r>
+              <a:rPr lang="en-US" sz="1158" dirty="0">
+                <a:solidFill>
+                  <a:schemeClr val="bg1"/>
+                </a:solidFill>
+                <a:latin typeface="Arial"/>
+                <a:cs typeface="Arial"/>
+              </a:rPr>
+              <a:t>Slide: </a:t>
+            </a:r>
+            <a:r>
+              <a:rPr lang="en-US" sz="1158" dirty="0" err="1">
+                <a:solidFill>
+                  <a:schemeClr val="bg1"/>
+                </a:solidFill>
+                <a:latin typeface="Arial"/>
+                <a:cs typeface="Arial"/>
+              </a:rPr>
+              <a:t>số</a:t>
+            </a:r>
+            <a:r>
+              <a:rPr lang="en-US" sz="1158" dirty="0">
+                <a:solidFill>
+                  <a:schemeClr val="bg1"/>
+                </a:solidFill>
+                <a:latin typeface="Arial"/>
+                <a:cs typeface="Arial"/>
+              </a:rPr>
+              <a:t>….</a:t>
+            </a:r>
+          </a:p>
+        </p:txBody>
+      </p:sp>
+      <p:sp>
+        <p:nvSpPr>
+          <p:cNvPr id="22" name="TextBox 21">
+            <a:extLst>
+              <a:ext uri="{FF2B5EF4-FFF2-40B4-BE49-F238E27FC236}">
+                <a16:creationId xmlns:a16="http://schemas.microsoft.com/office/drawing/2014/main" id="{6B276F67-3BDB-9E90-EA68-75472ACCEB4F}"/>
+              </a:ext>
+            </a:extLst>
+          </p:cNvPr>
+          <p:cNvSpPr txBox="1"/>
+          <p:nvPr/>
+        </p:nvSpPr>
+        <p:spPr>
+          <a:xfrm>
+            <a:off x="1864487" y="52421"/>
+            <a:ext cx="8463025" cy="584775"/>
+          </a:xfrm>
+          <a:prstGeom prst="rect">
+            <a:avLst/>
+          </a:prstGeom>
+          <a:noFill/>
+        </p:spPr>
+        <p:txBody>
+          <a:bodyPr wrap="square" rtlCol="0">
+            <a:spAutoFit/>
+          </a:bodyPr>
+          <a:lstStyle/>
+          <a:p>
+            <a:pPr algn="ctr"/>
+            <a:r>
+              <a:rPr lang="en-US" sz="3200" b="1" dirty="0">
+                <a:solidFill>
+                  <a:srgbClr val="FF6600"/>
+                </a:solidFill>
+                <a:latin typeface="Arial"/>
+                <a:cs typeface="Arial"/>
+              </a:rPr>
+              <a:t>LAB 5313</a:t>
+            </a:r>
+          </a:p>
+        </p:txBody>
+      </p:sp>
+      <p:pic>
+        <p:nvPicPr>
+          <p:cNvPr id="25" name="Picture 24" descr="Dai Nam [PPT] Template 15.png">
+            <a:extLst>
+              <a:ext uri="{FF2B5EF4-FFF2-40B4-BE49-F238E27FC236}">
+                <a16:creationId xmlns:a16="http://schemas.microsoft.com/office/drawing/2014/main" id="{6F83F2C5-CC39-4D53-606A-A8BB0C6B2FB2}"/>
+              </a:ext>
+            </a:extLst>
+          </p:cNvPr>
+          <p:cNvPicPr>
+            <a:picLocks noChangeAspect="1"/>
+          </p:cNvPicPr>
+          <p:nvPr/>
+        </p:nvPicPr>
+        <p:blipFill>
+          <a:blip r:embed="rId3" cstate="print">
+            <a:extLst>
+              <a:ext uri="{28A0092B-C50C-407E-A947-70E740481C1C}">
+                <a14:useLocalDpi xmlns:a14="http://schemas.microsoft.com/office/drawing/2010/main" val="0"/>
+              </a:ext>
+            </a:extLst>
+          </a:blip>
+          <a:stretch>
+            <a:fillRect/>
+          </a:stretch>
+        </p:blipFill>
+        <p:spPr>
+          <a:xfrm>
+            <a:off x="3199556" y="637196"/>
+            <a:ext cx="5792885" cy="17259"/>
+          </a:xfrm>
+          <a:prstGeom prst="rect">
+            <a:avLst/>
+          </a:prstGeom>
+        </p:spPr>
+      </p:pic>
+      <p:pic>
+        <p:nvPicPr>
+          <p:cNvPr id="3" name="Picture 2">
+            <a:extLst>
+              <a:ext uri="{FF2B5EF4-FFF2-40B4-BE49-F238E27FC236}">
+                <a16:creationId xmlns:a16="http://schemas.microsoft.com/office/drawing/2014/main" id="{F5BAE802-C864-F965-67D0-0DE77E8E2084}"/>
+              </a:ext>
+            </a:extLst>
+          </p:cNvPr>
+          <p:cNvPicPr>
+            <a:picLocks noChangeAspect="1"/>
+          </p:cNvPicPr>
+          <p:nvPr/>
+        </p:nvPicPr>
+        <p:blipFill>
+          <a:blip r:embed="rId4"/>
+          <a:stretch>
+            <a:fillRect/>
+          </a:stretch>
+        </p:blipFill>
+        <p:spPr>
+          <a:xfrm>
+            <a:off x="696673" y="1359049"/>
+            <a:ext cx="10798649" cy="4861755"/>
+          </a:xfrm>
+          <a:prstGeom prst="rect">
+            <a:avLst/>
+          </a:prstGeom>
+        </p:spPr>
+      </p:pic>
+    </p:spTree>
+    <p:extLst>
+      <p:ext uri="{BB962C8B-B14F-4D97-AF65-F5344CB8AC3E}">
+        <p14:creationId xmlns:p14="http://schemas.microsoft.com/office/powerpoint/2010/main" val="880943957"/>
+      </p:ext>
+    </p:extLst>
+  </p:cSld>
+  <p:clrMapOvr>
+    <a:masterClrMapping/>
+  </p:clrMapOvr>
+</p:sld>
+</file>
+
+<file path=ppt/slides/slide12.xml><?xml version="1.0" encoding="utf-8"?>
+<p:sld xmlns:a="http://schemas.openxmlformats.org/drawingml/2006/main" xmlns:r="http://schemas.openxmlformats.org/officeDocument/2006/relationships" xmlns:p="http://schemas.openxmlformats.org/presentationml/2006/main">
+  <p:cSld>
+    <p:spTree>
+      <p:nvGrpSpPr>
+        <p:cNvPr id="1" name="">
+          <a:extLst>
+            <a:ext uri="{FF2B5EF4-FFF2-40B4-BE49-F238E27FC236}">
+              <a16:creationId xmlns:a16="http://schemas.microsoft.com/office/drawing/2014/main" id="{DECA5FA6-151F-0130-4197-5B33CECFE11E}"/>
+            </a:ext>
+          </a:extLst>
+        </p:cNvPr>
+        <p:cNvGrpSpPr/>
+        <p:nvPr/>
+      </p:nvGrpSpPr>
+      <p:grpSpPr>
+        <a:xfrm>
+          <a:off x="0" y="0"/>
+          <a:ext cx="0" cy="0"/>
+          <a:chOff x="0" y="0"/>
+          <a:chExt cx="0" cy="0"/>
+        </a:xfrm>
+      </p:grpSpPr>
+      <p:pic>
+        <p:nvPicPr>
+          <p:cNvPr id="10" name="Picture 9" descr="Dai Nam [PPT] Template 11.png">
+            <a:extLst>
+              <a:ext uri="{FF2B5EF4-FFF2-40B4-BE49-F238E27FC236}">
+                <a16:creationId xmlns:a16="http://schemas.microsoft.com/office/drawing/2014/main" id="{6CBC7C72-20DF-0415-92C4-6E024A2AD670}"/>
+              </a:ext>
+            </a:extLst>
+          </p:cNvPr>
+          <p:cNvPicPr>
+            <a:picLocks noChangeAspect="1"/>
+          </p:cNvPicPr>
+          <p:nvPr/>
+        </p:nvPicPr>
+        <p:blipFill>
+          <a:blip r:embed="rId2" cstate="print">
+            <a:extLst>
+              <a:ext uri="{28A0092B-C50C-407E-A947-70E740481C1C}">
+                <a14:useLocalDpi xmlns:a14="http://schemas.microsoft.com/office/drawing/2010/main" val="0"/>
+              </a:ext>
+            </a:extLst>
+          </a:blip>
+          <a:stretch>
+            <a:fillRect/>
+          </a:stretch>
+        </p:blipFill>
+        <p:spPr>
+          <a:xfrm>
+            <a:off x="0" y="6347341"/>
+            <a:ext cx="12192000" cy="520416"/>
+          </a:xfrm>
+          <a:prstGeom prst="rect">
+            <a:avLst/>
+          </a:prstGeom>
+        </p:spPr>
+      </p:pic>
+      <p:sp>
+        <p:nvSpPr>
+          <p:cNvPr id="20" name="TextBox 19">
+            <a:extLst>
+              <a:ext uri="{FF2B5EF4-FFF2-40B4-BE49-F238E27FC236}">
+                <a16:creationId xmlns:a16="http://schemas.microsoft.com/office/drawing/2014/main" id="{E452C110-28AA-DD4D-B474-EDE3D99F9716}"/>
+              </a:ext>
+            </a:extLst>
+          </p:cNvPr>
+          <p:cNvSpPr txBox="1"/>
+          <p:nvPr/>
+        </p:nvSpPr>
+        <p:spPr>
+          <a:xfrm>
+            <a:off x="2104966" y="6459180"/>
+            <a:ext cx="3727476" cy="298223"/>
+          </a:xfrm>
+          <a:prstGeom prst="rect">
+            <a:avLst/>
+          </a:prstGeom>
+          <a:noFill/>
+        </p:spPr>
+        <p:txBody>
+          <a:bodyPr wrap="square" rtlCol="0">
+            <a:spAutoFit/>
+          </a:bodyPr>
+          <a:lstStyle/>
+          <a:p>
+            <a:r>
+              <a:rPr lang="en-US" sz="1338" dirty="0">
+                <a:solidFill>
+                  <a:schemeClr val="bg1"/>
+                </a:solidFill>
+                <a:latin typeface="Arial"/>
+                <a:cs typeface="Arial"/>
+              </a:rPr>
+              <a:t>TÊN NGƯỜI TRÌNH BÀY</a:t>
+            </a:r>
+          </a:p>
+        </p:txBody>
+      </p:sp>
+      <p:sp>
+        <p:nvSpPr>
+          <p:cNvPr id="21" name="TextBox 20">
+            <a:extLst>
+              <a:ext uri="{FF2B5EF4-FFF2-40B4-BE49-F238E27FC236}">
+                <a16:creationId xmlns:a16="http://schemas.microsoft.com/office/drawing/2014/main" id="{10994B77-705B-309E-E537-97214C7536E6}"/>
+              </a:ext>
+            </a:extLst>
+          </p:cNvPr>
+          <p:cNvSpPr txBox="1"/>
+          <p:nvPr/>
+        </p:nvSpPr>
+        <p:spPr>
+          <a:xfrm>
+            <a:off x="9005970" y="6459180"/>
+            <a:ext cx="1824707" cy="270523"/>
+          </a:xfrm>
+          <a:prstGeom prst="rect">
+            <a:avLst/>
+          </a:prstGeom>
+          <a:noFill/>
+        </p:spPr>
+        <p:txBody>
+          <a:bodyPr wrap="square" rtlCol="0">
+            <a:spAutoFit/>
+          </a:bodyPr>
+          <a:lstStyle/>
+          <a:p>
+            <a:pPr algn="r"/>
+            <a:r>
+              <a:rPr lang="en-US" sz="1158" dirty="0">
+                <a:solidFill>
+                  <a:schemeClr val="bg1"/>
+                </a:solidFill>
+                <a:latin typeface="Arial"/>
+                <a:cs typeface="Arial"/>
+              </a:rPr>
+              <a:t>Slide: </a:t>
+            </a:r>
+            <a:r>
+              <a:rPr lang="en-US" sz="1158" dirty="0" err="1">
+                <a:solidFill>
+                  <a:schemeClr val="bg1"/>
+                </a:solidFill>
+                <a:latin typeface="Arial"/>
+                <a:cs typeface="Arial"/>
+              </a:rPr>
+              <a:t>số</a:t>
+            </a:r>
+            <a:r>
+              <a:rPr lang="en-US" sz="1158" dirty="0">
+                <a:solidFill>
+                  <a:schemeClr val="bg1"/>
+                </a:solidFill>
+                <a:latin typeface="Arial"/>
+                <a:cs typeface="Arial"/>
+              </a:rPr>
+              <a:t>….</a:t>
+            </a:r>
+          </a:p>
+        </p:txBody>
+      </p:sp>
+      <p:sp>
+        <p:nvSpPr>
+          <p:cNvPr id="22" name="TextBox 21">
+            <a:extLst>
+              <a:ext uri="{FF2B5EF4-FFF2-40B4-BE49-F238E27FC236}">
+                <a16:creationId xmlns:a16="http://schemas.microsoft.com/office/drawing/2014/main" id="{44DF909B-F48E-B7C8-1948-F6B075AE41F8}"/>
+              </a:ext>
+            </a:extLst>
+          </p:cNvPr>
+          <p:cNvSpPr txBox="1"/>
+          <p:nvPr/>
+        </p:nvSpPr>
+        <p:spPr>
+          <a:xfrm>
+            <a:off x="1864487" y="52421"/>
+            <a:ext cx="8463025" cy="584775"/>
+          </a:xfrm>
+          <a:prstGeom prst="rect">
+            <a:avLst/>
+          </a:prstGeom>
+          <a:noFill/>
+        </p:spPr>
+        <p:txBody>
+          <a:bodyPr wrap="square" rtlCol="0">
+            <a:spAutoFit/>
+          </a:bodyPr>
+          <a:lstStyle/>
+          <a:p>
+            <a:pPr algn="ctr"/>
+            <a:r>
+              <a:rPr lang="en-US" sz="3200" b="1" dirty="0">
+                <a:solidFill>
+                  <a:srgbClr val="FF6600"/>
+                </a:solidFill>
+                <a:latin typeface="Arial"/>
+                <a:cs typeface="Arial"/>
+              </a:rPr>
+              <a:t>LAB 5313</a:t>
+            </a:r>
+          </a:p>
+        </p:txBody>
+      </p:sp>
+      <p:pic>
+        <p:nvPicPr>
+          <p:cNvPr id="25" name="Picture 24" descr="Dai Nam [PPT] Template 15.png">
+            <a:extLst>
+              <a:ext uri="{FF2B5EF4-FFF2-40B4-BE49-F238E27FC236}">
+                <a16:creationId xmlns:a16="http://schemas.microsoft.com/office/drawing/2014/main" id="{0E693D88-DABD-268B-CA8B-B6AFC32FC029}"/>
+              </a:ext>
+            </a:extLst>
+          </p:cNvPr>
+          <p:cNvPicPr>
+            <a:picLocks noChangeAspect="1"/>
+          </p:cNvPicPr>
+          <p:nvPr/>
+        </p:nvPicPr>
+        <p:blipFill>
+          <a:blip r:embed="rId3" cstate="print">
+            <a:extLst>
+              <a:ext uri="{28A0092B-C50C-407E-A947-70E740481C1C}">
+                <a14:useLocalDpi xmlns:a14="http://schemas.microsoft.com/office/drawing/2010/main" val="0"/>
+              </a:ext>
+            </a:extLst>
+          </a:blip>
+          <a:stretch>
+            <a:fillRect/>
+          </a:stretch>
+        </p:blipFill>
+        <p:spPr>
+          <a:xfrm>
+            <a:off x="3199556" y="637196"/>
+            <a:ext cx="5792885" cy="17259"/>
+          </a:xfrm>
+          <a:prstGeom prst="rect">
+            <a:avLst/>
+          </a:prstGeom>
+        </p:spPr>
+      </p:pic>
+      <p:pic>
+        <p:nvPicPr>
+          <p:cNvPr id="3" name="Picture 2">
+            <a:extLst>
+              <a:ext uri="{FF2B5EF4-FFF2-40B4-BE49-F238E27FC236}">
+                <a16:creationId xmlns:a16="http://schemas.microsoft.com/office/drawing/2014/main" id="{08415D8F-9F75-5151-0FDA-EA6A9BF5189A}"/>
+              </a:ext>
+            </a:extLst>
+          </p:cNvPr>
+          <p:cNvPicPr>
+            <a:picLocks noChangeAspect="1"/>
+          </p:cNvPicPr>
+          <p:nvPr/>
+        </p:nvPicPr>
+        <p:blipFill>
+          <a:blip r:embed="rId4"/>
+          <a:stretch>
+            <a:fillRect/>
+          </a:stretch>
+        </p:blipFill>
+        <p:spPr>
+          <a:xfrm>
+            <a:off x="779213" y="1400560"/>
+            <a:ext cx="10633574" cy="4820244"/>
+          </a:xfrm>
+          <a:prstGeom prst="rect">
+            <a:avLst/>
+          </a:prstGeom>
+        </p:spPr>
+      </p:pic>
+    </p:spTree>
+    <p:extLst>
+      <p:ext uri="{BB962C8B-B14F-4D97-AF65-F5344CB8AC3E}">
+        <p14:creationId xmlns:p14="http://schemas.microsoft.com/office/powerpoint/2010/main" val="1589371612"/>
+      </p:ext>
+    </p:extLst>
+  </p:cSld>
+  <p:clrMapOvr>
+    <a:masterClrMapping/>
+  </p:clrMapOvr>
+</p:sld>
+</file>
+
+<file path=ppt/slides/slide13.xml><?xml version="1.0" encoding="utf-8"?>
+<p:sld xmlns:a="http://schemas.openxmlformats.org/drawingml/2006/main" xmlns:r="http://schemas.openxmlformats.org/officeDocument/2006/relationships" xmlns:p="http://schemas.openxmlformats.org/presentationml/2006/main">
+  <p:cSld>
+    <p:spTree>
+      <p:nvGrpSpPr>
+        <p:cNvPr id="1" name="">
+          <a:extLst>
+            <a:ext uri="{FF2B5EF4-FFF2-40B4-BE49-F238E27FC236}">
+              <a16:creationId xmlns:a16="http://schemas.microsoft.com/office/drawing/2014/main" id="{C72EBFBF-22C7-CB85-C00C-9B46430F244B}"/>
+            </a:ext>
+          </a:extLst>
+        </p:cNvPr>
+        <p:cNvGrpSpPr/>
+        <p:nvPr/>
+      </p:nvGrpSpPr>
+      <p:grpSpPr>
+        <a:xfrm>
+          <a:off x="0" y="0"/>
+          <a:ext cx="0" cy="0"/>
+          <a:chOff x="0" y="0"/>
+          <a:chExt cx="0" cy="0"/>
+        </a:xfrm>
+      </p:grpSpPr>
+      <p:pic>
+        <p:nvPicPr>
+          <p:cNvPr id="10" name="Picture 9" descr="Dai Nam [PPT] Template 11.png">
+            <a:extLst>
+              <a:ext uri="{FF2B5EF4-FFF2-40B4-BE49-F238E27FC236}">
+                <a16:creationId xmlns:a16="http://schemas.microsoft.com/office/drawing/2014/main" id="{CE8AB001-508B-47E0-6162-0CC1F215D3C6}"/>
+              </a:ext>
+            </a:extLst>
+          </p:cNvPr>
+          <p:cNvPicPr>
+            <a:picLocks noChangeAspect="1"/>
+          </p:cNvPicPr>
+          <p:nvPr/>
+        </p:nvPicPr>
+        <p:blipFill>
+          <a:blip r:embed="rId2" cstate="print">
+            <a:extLst>
+              <a:ext uri="{28A0092B-C50C-407E-A947-70E740481C1C}">
+                <a14:useLocalDpi xmlns:a14="http://schemas.microsoft.com/office/drawing/2010/main" val="0"/>
+              </a:ext>
+            </a:extLst>
+          </a:blip>
+          <a:stretch>
+            <a:fillRect/>
+          </a:stretch>
+        </p:blipFill>
+        <p:spPr>
+          <a:xfrm>
+            <a:off x="0" y="6347341"/>
+            <a:ext cx="12192000" cy="520416"/>
+          </a:xfrm>
+          <a:prstGeom prst="rect">
+            <a:avLst/>
+          </a:prstGeom>
+        </p:spPr>
+      </p:pic>
+      <p:sp>
+        <p:nvSpPr>
+          <p:cNvPr id="20" name="TextBox 19">
+            <a:extLst>
+              <a:ext uri="{FF2B5EF4-FFF2-40B4-BE49-F238E27FC236}">
+                <a16:creationId xmlns:a16="http://schemas.microsoft.com/office/drawing/2014/main" id="{DD214410-660D-1F6B-747B-65257B17F061}"/>
+              </a:ext>
+            </a:extLst>
+          </p:cNvPr>
+          <p:cNvSpPr txBox="1"/>
+          <p:nvPr/>
+        </p:nvSpPr>
+        <p:spPr>
+          <a:xfrm>
+            <a:off x="2104966" y="6459180"/>
+            <a:ext cx="3727476" cy="298223"/>
+          </a:xfrm>
+          <a:prstGeom prst="rect">
+            <a:avLst/>
+          </a:prstGeom>
+          <a:noFill/>
+        </p:spPr>
+        <p:txBody>
+          <a:bodyPr wrap="square" rtlCol="0">
+            <a:spAutoFit/>
+          </a:bodyPr>
+          <a:lstStyle/>
+          <a:p>
+            <a:r>
+              <a:rPr lang="en-US" sz="1338" dirty="0">
+                <a:solidFill>
+                  <a:schemeClr val="bg1"/>
+                </a:solidFill>
+                <a:latin typeface="Arial"/>
+                <a:cs typeface="Arial"/>
+              </a:rPr>
+              <a:t>TÊN NGƯỜI TRÌNH BÀY</a:t>
+            </a:r>
+          </a:p>
+        </p:txBody>
+      </p:sp>
+      <p:sp>
+        <p:nvSpPr>
+          <p:cNvPr id="21" name="TextBox 20">
+            <a:extLst>
+              <a:ext uri="{FF2B5EF4-FFF2-40B4-BE49-F238E27FC236}">
+                <a16:creationId xmlns:a16="http://schemas.microsoft.com/office/drawing/2014/main" id="{06809C88-F32B-A92F-1ADD-D8947FBC2437}"/>
+              </a:ext>
+            </a:extLst>
+          </p:cNvPr>
+          <p:cNvSpPr txBox="1"/>
+          <p:nvPr/>
+        </p:nvSpPr>
+        <p:spPr>
+          <a:xfrm>
+            <a:off x="9005970" y="6459180"/>
+            <a:ext cx="1824707" cy="270523"/>
+          </a:xfrm>
+          <a:prstGeom prst="rect">
+            <a:avLst/>
+          </a:prstGeom>
+          <a:noFill/>
+        </p:spPr>
+        <p:txBody>
+          <a:bodyPr wrap="square" rtlCol="0">
+            <a:spAutoFit/>
+          </a:bodyPr>
+          <a:lstStyle/>
+          <a:p>
+            <a:pPr algn="r"/>
+            <a:r>
+              <a:rPr lang="en-US" sz="1158" dirty="0">
+                <a:solidFill>
+                  <a:schemeClr val="bg1"/>
+                </a:solidFill>
+                <a:latin typeface="Arial"/>
+                <a:cs typeface="Arial"/>
+              </a:rPr>
+              <a:t>Slide: </a:t>
+            </a:r>
+            <a:r>
+              <a:rPr lang="en-US" sz="1158" dirty="0" err="1">
+                <a:solidFill>
+                  <a:schemeClr val="bg1"/>
+                </a:solidFill>
+                <a:latin typeface="Arial"/>
+                <a:cs typeface="Arial"/>
+              </a:rPr>
+              <a:t>số</a:t>
+            </a:r>
+            <a:r>
+              <a:rPr lang="en-US" sz="1158" dirty="0">
+                <a:solidFill>
+                  <a:schemeClr val="bg1"/>
+                </a:solidFill>
+                <a:latin typeface="Arial"/>
+                <a:cs typeface="Arial"/>
+              </a:rPr>
+              <a:t>….</a:t>
+            </a:r>
+          </a:p>
+        </p:txBody>
+      </p:sp>
+      <p:sp>
+        <p:nvSpPr>
+          <p:cNvPr id="22" name="TextBox 21">
+            <a:extLst>
+              <a:ext uri="{FF2B5EF4-FFF2-40B4-BE49-F238E27FC236}">
+                <a16:creationId xmlns:a16="http://schemas.microsoft.com/office/drawing/2014/main" id="{776B24C1-CEE5-7D6A-01D3-0911D14A72C1}"/>
+              </a:ext>
+            </a:extLst>
+          </p:cNvPr>
+          <p:cNvSpPr txBox="1"/>
+          <p:nvPr/>
+        </p:nvSpPr>
+        <p:spPr>
+          <a:xfrm>
+            <a:off x="1864487" y="52421"/>
+            <a:ext cx="8463025" cy="584775"/>
+          </a:xfrm>
+          <a:prstGeom prst="rect">
+            <a:avLst/>
+          </a:prstGeom>
+          <a:noFill/>
+        </p:spPr>
+        <p:txBody>
+          <a:bodyPr wrap="square" rtlCol="0">
+            <a:spAutoFit/>
+          </a:bodyPr>
+          <a:lstStyle/>
+          <a:p>
+            <a:pPr algn="ctr"/>
+            <a:r>
+              <a:rPr lang="en-US" sz="3200" b="1">
+                <a:solidFill>
+                  <a:srgbClr val="FF6600"/>
+                </a:solidFill>
+                <a:latin typeface="Arial"/>
+                <a:cs typeface="Arial"/>
+              </a:rPr>
+              <a:t>LAB 5314</a:t>
+            </a:r>
+            <a:endParaRPr lang="en-US" sz="3200" b="1" dirty="0">
+              <a:solidFill>
+                <a:srgbClr val="FF6600"/>
+              </a:solidFill>
+              <a:latin typeface="Arial"/>
+              <a:cs typeface="Arial"/>
+            </a:endParaRPr>
+          </a:p>
+        </p:txBody>
+      </p:sp>
+      <p:pic>
+        <p:nvPicPr>
+          <p:cNvPr id="25" name="Picture 24" descr="Dai Nam [PPT] Template 15.png">
+            <a:extLst>
+              <a:ext uri="{FF2B5EF4-FFF2-40B4-BE49-F238E27FC236}">
+                <a16:creationId xmlns:a16="http://schemas.microsoft.com/office/drawing/2014/main" id="{1B3FC9BB-D448-CF57-3AB6-4177FD47A2EC}"/>
+              </a:ext>
+            </a:extLst>
+          </p:cNvPr>
+          <p:cNvPicPr>
+            <a:picLocks noChangeAspect="1"/>
+          </p:cNvPicPr>
+          <p:nvPr/>
+        </p:nvPicPr>
+        <p:blipFill>
+          <a:blip r:embed="rId3" cstate="print">
+            <a:extLst>
+              <a:ext uri="{28A0092B-C50C-407E-A947-70E740481C1C}">
+                <a14:useLocalDpi xmlns:a14="http://schemas.microsoft.com/office/drawing/2010/main" val="0"/>
+              </a:ext>
+            </a:extLst>
+          </a:blip>
+          <a:stretch>
+            <a:fillRect/>
+          </a:stretch>
+        </p:blipFill>
+        <p:spPr>
+          <a:xfrm>
+            <a:off x="3199556" y="637196"/>
+            <a:ext cx="5792885" cy="17259"/>
+          </a:xfrm>
+          <a:prstGeom prst="rect">
+            <a:avLst/>
+          </a:prstGeom>
+        </p:spPr>
+      </p:pic>
+      <p:pic>
+        <p:nvPicPr>
+          <p:cNvPr id="3" name="Picture 2">
+            <a:extLst>
+              <a:ext uri="{FF2B5EF4-FFF2-40B4-BE49-F238E27FC236}">
+                <a16:creationId xmlns:a16="http://schemas.microsoft.com/office/drawing/2014/main" id="{229A8990-653F-476F-8FCD-4E8A7B9BAF48}"/>
+              </a:ext>
+            </a:extLst>
+          </p:cNvPr>
+          <p:cNvPicPr>
+            <a:picLocks noChangeAspect="1"/>
+          </p:cNvPicPr>
+          <p:nvPr/>
+        </p:nvPicPr>
+        <p:blipFill>
+          <a:blip r:embed="rId4"/>
+          <a:stretch>
+            <a:fillRect/>
+          </a:stretch>
+        </p:blipFill>
+        <p:spPr>
+          <a:xfrm>
+            <a:off x="2085415" y="1256997"/>
+            <a:ext cx="8021169" cy="4344006"/>
+          </a:xfrm>
+          <a:prstGeom prst="rect">
+            <a:avLst/>
+          </a:prstGeom>
+        </p:spPr>
+      </p:pic>
+    </p:spTree>
+    <p:extLst>
+      <p:ext uri="{BB962C8B-B14F-4D97-AF65-F5344CB8AC3E}">
+        <p14:creationId xmlns:p14="http://schemas.microsoft.com/office/powerpoint/2010/main" val="3446753837"/>
+      </p:ext>
+    </p:extLst>
+  </p:cSld>
+  <p:clrMapOvr>
+    <a:masterClrMapping/>
+  </p:clrMapOvr>
+</p:sld>
+</file>
+
+<file path=ppt/slides/slide14.xml><?xml version="1.0" encoding="utf-8"?>
+<p:sld xmlns:a="http://schemas.openxmlformats.org/drawingml/2006/main" xmlns:r="http://schemas.openxmlformats.org/officeDocument/2006/relationships" xmlns:p="http://schemas.openxmlformats.org/presentationml/2006/main">
+  <p:cSld>
+    <p:spTree>
+      <p:nvGrpSpPr>
+        <p:cNvPr id="1" name="">
+          <a:extLst>
+            <a:ext uri="{FF2B5EF4-FFF2-40B4-BE49-F238E27FC236}">
+              <a16:creationId xmlns:a16="http://schemas.microsoft.com/office/drawing/2014/main" id="{C72EBFBF-22C7-CB85-C00C-9B46430F244B}"/>
+            </a:ext>
+          </a:extLst>
+        </p:cNvPr>
+        <p:cNvGrpSpPr/>
+        <p:nvPr/>
+      </p:nvGrpSpPr>
+      <p:grpSpPr>
+        <a:xfrm>
+          <a:off x="0" y="0"/>
+          <a:ext cx="0" cy="0"/>
+          <a:chOff x="0" y="0"/>
+          <a:chExt cx="0" cy="0"/>
+        </a:xfrm>
+      </p:grpSpPr>
+      <p:pic>
+        <p:nvPicPr>
+          <p:cNvPr id="10" name="Picture 9" descr="Dai Nam [PPT] Template 11.png">
+            <a:extLst>
+              <a:ext uri="{FF2B5EF4-FFF2-40B4-BE49-F238E27FC236}">
+                <a16:creationId xmlns:a16="http://schemas.microsoft.com/office/drawing/2014/main" id="{CE8AB001-508B-47E0-6162-0CC1F215D3C6}"/>
+              </a:ext>
+            </a:extLst>
+          </p:cNvPr>
+          <p:cNvPicPr>
+            <a:picLocks noChangeAspect="1"/>
+          </p:cNvPicPr>
+          <p:nvPr/>
+        </p:nvPicPr>
+        <p:blipFill>
+          <a:blip r:embed="rId2" cstate="print">
+            <a:extLst>
+              <a:ext uri="{28A0092B-C50C-407E-A947-70E740481C1C}">
+                <a14:useLocalDpi xmlns:a14="http://schemas.microsoft.com/office/drawing/2010/main" val="0"/>
+              </a:ext>
+            </a:extLst>
+          </a:blip>
+          <a:stretch>
+            <a:fillRect/>
+          </a:stretch>
+        </p:blipFill>
+        <p:spPr>
+          <a:xfrm>
+            <a:off x="0" y="6347341"/>
+            <a:ext cx="12192000" cy="520416"/>
+          </a:xfrm>
+          <a:prstGeom prst="rect">
+            <a:avLst/>
+          </a:prstGeom>
+        </p:spPr>
+      </p:pic>
+      <p:sp>
+        <p:nvSpPr>
+          <p:cNvPr id="20" name="TextBox 19">
+            <a:extLst>
+              <a:ext uri="{FF2B5EF4-FFF2-40B4-BE49-F238E27FC236}">
+                <a16:creationId xmlns:a16="http://schemas.microsoft.com/office/drawing/2014/main" id="{DD214410-660D-1F6B-747B-65257B17F061}"/>
+              </a:ext>
+            </a:extLst>
+          </p:cNvPr>
+          <p:cNvSpPr txBox="1"/>
+          <p:nvPr/>
+        </p:nvSpPr>
+        <p:spPr>
+          <a:xfrm>
+            <a:off x="2104966" y="6459180"/>
+            <a:ext cx="3727476" cy="298223"/>
+          </a:xfrm>
+          <a:prstGeom prst="rect">
+            <a:avLst/>
+          </a:prstGeom>
+          <a:noFill/>
+        </p:spPr>
+        <p:txBody>
+          <a:bodyPr wrap="square" rtlCol="0">
+            <a:spAutoFit/>
+          </a:bodyPr>
+          <a:lstStyle/>
+          <a:p>
+            <a:r>
+              <a:rPr lang="en-US" sz="1338" dirty="0">
+                <a:solidFill>
+                  <a:schemeClr val="bg1"/>
+                </a:solidFill>
+                <a:latin typeface="Arial"/>
+                <a:cs typeface="Arial"/>
+              </a:rPr>
+              <a:t>TÊN NGƯỜI TRÌNH BÀY</a:t>
+            </a:r>
+          </a:p>
+        </p:txBody>
+      </p:sp>
+      <p:sp>
+        <p:nvSpPr>
+          <p:cNvPr id="21" name="TextBox 20">
+            <a:extLst>
+              <a:ext uri="{FF2B5EF4-FFF2-40B4-BE49-F238E27FC236}">
+                <a16:creationId xmlns:a16="http://schemas.microsoft.com/office/drawing/2014/main" id="{06809C88-F32B-A92F-1ADD-D8947FBC2437}"/>
+              </a:ext>
+            </a:extLst>
+          </p:cNvPr>
+          <p:cNvSpPr txBox="1"/>
+          <p:nvPr/>
+        </p:nvSpPr>
+        <p:spPr>
+          <a:xfrm>
+            <a:off x="9005970" y="6459180"/>
+            <a:ext cx="1824707" cy="270523"/>
+          </a:xfrm>
+          <a:prstGeom prst="rect">
+            <a:avLst/>
+          </a:prstGeom>
+          <a:noFill/>
+        </p:spPr>
+        <p:txBody>
+          <a:bodyPr wrap="square" rtlCol="0">
+            <a:spAutoFit/>
+          </a:bodyPr>
+          <a:lstStyle/>
+          <a:p>
+            <a:pPr algn="r"/>
+            <a:r>
+              <a:rPr lang="en-US" sz="1158" dirty="0">
+                <a:solidFill>
+                  <a:schemeClr val="bg1"/>
+                </a:solidFill>
+                <a:latin typeface="Arial"/>
+                <a:cs typeface="Arial"/>
+              </a:rPr>
+              <a:t>Slide: </a:t>
+            </a:r>
+            <a:r>
+              <a:rPr lang="en-US" sz="1158" dirty="0" err="1">
+                <a:solidFill>
+                  <a:schemeClr val="bg1"/>
+                </a:solidFill>
+                <a:latin typeface="Arial"/>
+                <a:cs typeface="Arial"/>
+              </a:rPr>
+              <a:t>số</a:t>
+            </a:r>
+            <a:r>
+              <a:rPr lang="en-US" sz="1158" dirty="0">
+                <a:solidFill>
+                  <a:schemeClr val="bg1"/>
+                </a:solidFill>
+                <a:latin typeface="Arial"/>
+                <a:cs typeface="Arial"/>
+              </a:rPr>
+              <a:t>….</a:t>
+            </a:r>
+          </a:p>
+        </p:txBody>
+      </p:sp>
+      <p:sp>
+        <p:nvSpPr>
+          <p:cNvPr id="22" name="TextBox 21">
+            <a:extLst>
+              <a:ext uri="{FF2B5EF4-FFF2-40B4-BE49-F238E27FC236}">
+                <a16:creationId xmlns:a16="http://schemas.microsoft.com/office/drawing/2014/main" id="{776B24C1-CEE5-7D6A-01D3-0911D14A72C1}"/>
+              </a:ext>
+            </a:extLst>
+          </p:cNvPr>
+          <p:cNvSpPr txBox="1"/>
+          <p:nvPr/>
+        </p:nvSpPr>
+        <p:spPr>
+          <a:xfrm>
+            <a:off x="1864487" y="52421"/>
+            <a:ext cx="8463025" cy="584775"/>
+          </a:xfrm>
+          <a:prstGeom prst="rect">
+            <a:avLst/>
+          </a:prstGeom>
+          <a:noFill/>
+        </p:spPr>
+        <p:txBody>
+          <a:bodyPr wrap="square" rtlCol="0">
+            <a:spAutoFit/>
+          </a:bodyPr>
+          <a:lstStyle/>
+          <a:p>
+            <a:pPr algn="ctr"/>
+            <a:r>
+              <a:rPr lang="en-US" sz="3200" b="1">
+                <a:solidFill>
+                  <a:srgbClr val="FF6600"/>
+                </a:solidFill>
+                <a:latin typeface="Arial"/>
+                <a:cs typeface="Arial"/>
+              </a:rPr>
+              <a:t>LAB 5314</a:t>
+            </a:r>
+            <a:endParaRPr lang="en-US" sz="3200" b="1" dirty="0">
+              <a:solidFill>
+                <a:srgbClr val="FF6600"/>
+              </a:solidFill>
+              <a:latin typeface="Arial"/>
+              <a:cs typeface="Arial"/>
+            </a:endParaRPr>
+          </a:p>
+        </p:txBody>
+      </p:sp>
+      <p:pic>
+        <p:nvPicPr>
+          <p:cNvPr id="25" name="Picture 24" descr="Dai Nam [PPT] Template 15.png">
+            <a:extLst>
+              <a:ext uri="{FF2B5EF4-FFF2-40B4-BE49-F238E27FC236}">
+                <a16:creationId xmlns:a16="http://schemas.microsoft.com/office/drawing/2014/main" id="{1B3FC9BB-D448-CF57-3AB6-4177FD47A2EC}"/>
+              </a:ext>
+            </a:extLst>
+          </p:cNvPr>
+          <p:cNvPicPr>
+            <a:picLocks noChangeAspect="1"/>
+          </p:cNvPicPr>
+          <p:nvPr/>
+        </p:nvPicPr>
+        <p:blipFill>
+          <a:blip r:embed="rId3" cstate="print">
+            <a:extLst>
+              <a:ext uri="{28A0092B-C50C-407E-A947-70E740481C1C}">
+                <a14:useLocalDpi xmlns:a14="http://schemas.microsoft.com/office/drawing/2010/main" val="0"/>
+              </a:ext>
+            </a:extLst>
+          </a:blip>
+          <a:stretch>
+            <a:fillRect/>
+          </a:stretch>
+        </p:blipFill>
+        <p:spPr>
+          <a:xfrm>
+            <a:off x="3199556" y="637196"/>
+            <a:ext cx="5792885" cy="17259"/>
+          </a:xfrm>
+          <a:prstGeom prst="rect">
+            <a:avLst/>
+          </a:prstGeom>
+        </p:spPr>
+      </p:pic>
+      <p:pic>
+        <p:nvPicPr>
+          <p:cNvPr id="4" name="Picture 3">
+            <a:extLst>
+              <a:ext uri="{FF2B5EF4-FFF2-40B4-BE49-F238E27FC236}">
+                <a16:creationId xmlns:a16="http://schemas.microsoft.com/office/drawing/2014/main" id="{4FB063CB-2AC9-4C13-B032-4A3D7841E7B5}"/>
+              </a:ext>
+            </a:extLst>
+          </p:cNvPr>
+          <p:cNvPicPr>
+            <a:picLocks noChangeAspect="1"/>
+          </p:cNvPicPr>
+          <p:nvPr/>
+        </p:nvPicPr>
+        <p:blipFill>
+          <a:blip r:embed="rId4"/>
+          <a:stretch>
+            <a:fillRect/>
+          </a:stretch>
+        </p:blipFill>
+        <p:spPr>
+          <a:xfrm>
+            <a:off x="1518323" y="1324131"/>
+            <a:ext cx="9402487" cy="4353533"/>
+          </a:xfrm>
+          <a:prstGeom prst="rect">
+            <a:avLst/>
+          </a:prstGeom>
+        </p:spPr>
+      </p:pic>
+    </p:spTree>
+    <p:extLst>
+      <p:ext uri="{BB962C8B-B14F-4D97-AF65-F5344CB8AC3E}">
+        <p14:creationId xmlns:p14="http://schemas.microsoft.com/office/powerpoint/2010/main" val="3067091136"/>
+      </p:ext>
+    </p:extLst>
+  </p:cSld>
+  <p:clrMapOvr>
+    <a:masterClrMapping/>
+  </p:clrMapOvr>
+</p:sld>
+</file>
+
+<file path=ppt/slides/slide15.xml><?xml version="1.0" encoding="utf-8"?>
+<p:sld xmlns:a="http://schemas.openxmlformats.org/drawingml/2006/main" xmlns:r="http://schemas.openxmlformats.org/officeDocument/2006/relationships" xmlns:p="http://schemas.openxmlformats.org/presentationml/2006/main">
+  <p:cSld>
+    <p:spTree>
+      <p:nvGrpSpPr>
+        <p:cNvPr id="1" name="">
+          <a:extLst>
+            <a:ext uri="{FF2B5EF4-FFF2-40B4-BE49-F238E27FC236}">
+              <a16:creationId xmlns:a16="http://schemas.microsoft.com/office/drawing/2014/main" id="{C72EBFBF-22C7-CB85-C00C-9B46430F244B}"/>
+            </a:ext>
+          </a:extLst>
+        </p:cNvPr>
+        <p:cNvGrpSpPr/>
+        <p:nvPr/>
+      </p:nvGrpSpPr>
+      <p:grpSpPr>
+        <a:xfrm>
+          <a:off x="0" y="0"/>
+          <a:ext cx="0" cy="0"/>
+          <a:chOff x="0" y="0"/>
+          <a:chExt cx="0" cy="0"/>
+        </a:xfrm>
+      </p:grpSpPr>
+      <p:pic>
+        <p:nvPicPr>
+          <p:cNvPr id="10" name="Picture 9" descr="Dai Nam [PPT] Template 11.png">
+            <a:extLst>
+              <a:ext uri="{FF2B5EF4-FFF2-40B4-BE49-F238E27FC236}">
+                <a16:creationId xmlns:a16="http://schemas.microsoft.com/office/drawing/2014/main" id="{CE8AB001-508B-47E0-6162-0CC1F215D3C6}"/>
+              </a:ext>
+            </a:extLst>
+          </p:cNvPr>
+          <p:cNvPicPr>
+            <a:picLocks noChangeAspect="1"/>
+          </p:cNvPicPr>
+          <p:nvPr/>
+        </p:nvPicPr>
+        <p:blipFill>
+          <a:blip r:embed="rId2" cstate="print">
+            <a:extLst>
+              <a:ext uri="{28A0092B-C50C-407E-A947-70E740481C1C}">
+                <a14:useLocalDpi xmlns:a14="http://schemas.microsoft.com/office/drawing/2010/main" val="0"/>
+              </a:ext>
+            </a:extLst>
+          </a:blip>
+          <a:stretch>
+            <a:fillRect/>
+          </a:stretch>
+        </p:blipFill>
+        <p:spPr>
+          <a:xfrm>
+            <a:off x="0" y="6347341"/>
+            <a:ext cx="12192000" cy="520416"/>
+          </a:xfrm>
+          <a:prstGeom prst="rect">
+            <a:avLst/>
+          </a:prstGeom>
+        </p:spPr>
+      </p:pic>
+      <p:sp>
+        <p:nvSpPr>
+          <p:cNvPr id="20" name="TextBox 19">
+            <a:extLst>
+              <a:ext uri="{FF2B5EF4-FFF2-40B4-BE49-F238E27FC236}">
+                <a16:creationId xmlns:a16="http://schemas.microsoft.com/office/drawing/2014/main" id="{DD214410-660D-1F6B-747B-65257B17F061}"/>
+              </a:ext>
+            </a:extLst>
+          </p:cNvPr>
+          <p:cNvSpPr txBox="1"/>
+          <p:nvPr/>
+        </p:nvSpPr>
+        <p:spPr>
+          <a:xfrm>
+            <a:off x="2104966" y="6459180"/>
+            <a:ext cx="3727476" cy="298223"/>
+          </a:xfrm>
+          <a:prstGeom prst="rect">
+            <a:avLst/>
+          </a:prstGeom>
+          <a:noFill/>
+        </p:spPr>
+        <p:txBody>
+          <a:bodyPr wrap="square" rtlCol="0">
+            <a:spAutoFit/>
+          </a:bodyPr>
+          <a:lstStyle/>
+          <a:p>
+            <a:r>
+              <a:rPr lang="en-US" sz="1338" dirty="0">
+                <a:solidFill>
+                  <a:schemeClr val="bg1"/>
+                </a:solidFill>
+                <a:latin typeface="Arial"/>
+                <a:cs typeface="Arial"/>
+              </a:rPr>
+              <a:t>TÊN NGƯỜI TRÌNH BÀY</a:t>
+            </a:r>
+          </a:p>
+        </p:txBody>
+      </p:sp>
+      <p:sp>
+        <p:nvSpPr>
+          <p:cNvPr id="21" name="TextBox 20">
+            <a:extLst>
+              <a:ext uri="{FF2B5EF4-FFF2-40B4-BE49-F238E27FC236}">
+                <a16:creationId xmlns:a16="http://schemas.microsoft.com/office/drawing/2014/main" id="{06809C88-F32B-A92F-1ADD-D8947FBC2437}"/>
+              </a:ext>
+            </a:extLst>
+          </p:cNvPr>
+          <p:cNvSpPr txBox="1"/>
+          <p:nvPr/>
+        </p:nvSpPr>
+        <p:spPr>
+          <a:xfrm>
+            <a:off x="9005970" y="6459180"/>
+            <a:ext cx="1824707" cy="270523"/>
+          </a:xfrm>
+          <a:prstGeom prst="rect">
+            <a:avLst/>
+          </a:prstGeom>
+          <a:noFill/>
+        </p:spPr>
+        <p:txBody>
+          <a:bodyPr wrap="square" rtlCol="0">
+            <a:spAutoFit/>
+          </a:bodyPr>
+          <a:lstStyle/>
+          <a:p>
+            <a:pPr algn="r"/>
+            <a:r>
+              <a:rPr lang="en-US" sz="1158" dirty="0">
+                <a:solidFill>
+                  <a:schemeClr val="bg1"/>
+                </a:solidFill>
+                <a:latin typeface="Arial"/>
+                <a:cs typeface="Arial"/>
+              </a:rPr>
+              <a:t>Slide: </a:t>
+            </a:r>
+            <a:r>
+              <a:rPr lang="en-US" sz="1158" dirty="0" err="1">
+                <a:solidFill>
+                  <a:schemeClr val="bg1"/>
+                </a:solidFill>
+                <a:latin typeface="Arial"/>
+                <a:cs typeface="Arial"/>
+              </a:rPr>
+              <a:t>số</a:t>
+            </a:r>
+            <a:r>
+              <a:rPr lang="en-US" sz="1158" dirty="0">
+                <a:solidFill>
+                  <a:schemeClr val="bg1"/>
+                </a:solidFill>
+                <a:latin typeface="Arial"/>
+                <a:cs typeface="Arial"/>
+              </a:rPr>
+              <a:t>….</a:t>
+            </a:r>
+          </a:p>
+        </p:txBody>
+      </p:sp>
+      <p:sp>
+        <p:nvSpPr>
+          <p:cNvPr id="22" name="TextBox 21">
+            <a:extLst>
+              <a:ext uri="{FF2B5EF4-FFF2-40B4-BE49-F238E27FC236}">
+                <a16:creationId xmlns:a16="http://schemas.microsoft.com/office/drawing/2014/main" id="{776B24C1-CEE5-7D6A-01D3-0911D14A72C1}"/>
+              </a:ext>
+            </a:extLst>
+          </p:cNvPr>
+          <p:cNvSpPr txBox="1"/>
+          <p:nvPr/>
+        </p:nvSpPr>
+        <p:spPr>
+          <a:xfrm>
+            <a:off x="1864487" y="52421"/>
+            <a:ext cx="8463025" cy="584775"/>
+          </a:xfrm>
+          <a:prstGeom prst="rect">
+            <a:avLst/>
+          </a:prstGeom>
+          <a:noFill/>
+        </p:spPr>
+        <p:txBody>
+          <a:bodyPr wrap="square" rtlCol="0">
+            <a:spAutoFit/>
+          </a:bodyPr>
+          <a:lstStyle/>
+          <a:p>
+            <a:pPr algn="ctr"/>
+            <a:r>
+              <a:rPr lang="en-US" sz="3200" b="1">
+                <a:solidFill>
+                  <a:srgbClr val="FF6600"/>
+                </a:solidFill>
+                <a:latin typeface="Arial"/>
+                <a:cs typeface="Arial"/>
+              </a:rPr>
+              <a:t>LAB 5314</a:t>
+            </a:r>
+            <a:endParaRPr lang="en-US" sz="3200" b="1" dirty="0">
+              <a:solidFill>
+                <a:srgbClr val="FF6600"/>
+              </a:solidFill>
+              <a:latin typeface="Arial"/>
+              <a:cs typeface="Arial"/>
+            </a:endParaRPr>
+          </a:p>
+        </p:txBody>
+      </p:sp>
+      <p:pic>
+        <p:nvPicPr>
+          <p:cNvPr id="25" name="Picture 24" descr="Dai Nam [PPT] Template 15.png">
+            <a:extLst>
+              <a:ext uri="{FF2B5EF4-FFF2-40B4-BE49-F238E27FC236}">
+                <a16:creationId xmlns:a16="http://schemas.microsoft.com/office/drawing/2014/main" id="{1B3FC9BB-D448-CF57-3AB6-4177FD47A2EC}"/>
+              </a:ext>
+            </a:extLst>
+          </p:cNvPr>
+          <p:cNvPicPr>
+            <a:picLocks noChangeAspect="1"/>
+          </p:cNvPicPr>
+          <p:nvPr/>
+        </p:nvPicPr>
+        <p:blipFill>
+          <a:blip r:embed="rId3" cstate="print">
+            <a:extLst>
+              <a:ext uri="{28A0092B-C50C-407E-A947-70E740481C1C}">
+                <a14:useLocalDpi xmlns:a14="http://schemas.microsoft.com/office/drawing/2010/main" val="0"/>
+              </a:ext>
+            </a:extLst>
+          </a:blip>
+          <a:stretch>
+            <a:fillRect/>
+          </a:stretch>
+        </p:blipFill>
+        <p:spPr>
+          <a:xfrm>
+            <a:off x="3199556" y="637196"/>
+            <a:ext cx="5792885" cy="17259"/>
+          </a:xfrm>
+          <a:prstGeom prst="rect">
+            <a:avLst/>
+          </a:prstGeom>
+        </p:spPr>
+      </p:pic>
+      <p:pic>
+        <p:nvPicPr>
+          <p:cNvPr id="4" name="Picture 3">
+            <a:extLst>
+              <a:ext uri="{FF2B5EF4-FFF2-40B4-BE49-F238E27FC236}">
+                <a16:creationId xmlns:a16="http://schemas.microsoft.com/office/drawing/2014/main" id="{71D29481-0EE2-47EF-AF0F-C4E7C974F1F5}"/>
+              </a:ext>
+            </a:extLst>
+          </p:cNvPr>
+          <p:cNvPicPr>
+            <a:picLocks noChangeAspect="1"/>
+          </p:cNvPicPr>
+          <p:nvPr/>
+        </p:nvPicPr>
+        <p:blipFill>
+          <a:blip r:embed="rId4"/>
+          <a:stretch>
+            <a:fillRect/>
+          </a:stretch>
+        </p:blipFill>
+        <p:spPr>
+          <a:xfrm>
+            <a:off x="1298725" y="1256489"/>
+            <a:ext cx="9594549" cy="4997757"/>
+          </a:xfrm>
+          <a:prstGeom prst="rect">
+            <a:avLst/>
+          </a:prstGeom>
+        </p:spPr>
+      </p:pic>
+    </p:spTree>
+    <p:extLst>
+      <p:ext uri="{BB962C8B-B14F-4D97-AF65-F5344CB8AC3E}">
+        <p14:creationId xmlns:p14="http://schemas.microsoft.com/office/powerpoint/2010/main" val="1880697257"/>
+      </p:ext>
+    </p:extLst>
+  </p:cSld>
+  <p:clrMapOvr>
+    <a:masterClrMapping/>
+  </p:clrMapOvr>
+</p:sld>
+</file>
+
+<file path=ppt/slides/slide16.xml><?xml version="1.0" encoding="utf-8"?>
+<p:sld xmlns:a="http://schemas.openxmlformats.org/drawingml/2006/main" xmlns:r="http://schemas.openxmlformats.org/officeDocument/2006/relationships" xmlns:p="http://schemas.openxmlformats.org/presentationml/2006/main">
+  <p:cSld>
+    <p:spTree>
+      <p:nvGrpSpPr>
+        <p:cNvPr id="1" name="">
+          <a:extLst>
+            <a:ext uri="{FF2B5EF4-FFF2-40B4-BE49-F238E27FC236}">
+              <a16:creationId xmlns:a16="http://schemas.microsoft.com/office/drawing/2014/main" id="{C72EBFBF-22C7-CB85-C00C-9B46430F244B}"/>
+            </a:ext>
+          </a:extLst>
+        </p:cNvPr>
+        <p:cNvGrpSpPr/>
+        <p:nvPr/>
+      </p:nvGrpSpPr>
+      <p:grpSpPr>
+        <a:xfrm>
+          <a:off x="0" y="0"/>
+          <a:ext cx="0" cy="0"/>
+          <a:chOff x="0" y="0"/>
+          <a:chExt cx="0" cy="0"/>
+        </a:xfrm>
+      </p:grpSpPr>
+      <p:pic>
+        <p:nvPicPr>
+          <p:cNvPr id="10" name="Picture 9" descr="Dai Nam [PPT] Template 11.png">
+            <a:extLst>
+              <a:ext uri="{FF2B5EF4-FFF2-40B4-BE49-F238E27FC236}">
+                <a16:creationId xmlns:a16="http://schemas.microsoft.com/office/drawing/2014/main" id="{CE8AB001-508B-47E0-6162-0CC1F215D3C6}"/>
+              </a:ext>
+            </a:extLst>
+          </p:cNvPr>
+          <p:cNvPicPr>
+            <a:picLocks noChangeAspect="1"/>
+          </p:cNvPicPr>
+          <p:nvPr/>
+        </p:nvPicPr>
+        <p:blipFill>
+          <a:blip r:embed="rId2" cstate="print">
+            <a:extLst>
+              <a:ext uri="{28A0092B-C50C-407E-A947-70E740481C1C}">
+                <a14:useLocalDpi xmlns:a14="http://schemas.microsoft.com/office/drawing/2010/main" val="0"/>
+              </a:ext>
+            </a:extLst>
+          </a:blip>
+          <a:stretch>
+            <a:fillRect/>
+          </a:stretch>
+        </p:blipFill>
+        <p:spPr>
+          <a:xfrm>
+            <a:off x="0" y="6347341"/>
+            <a:ext cx="12192000" cy="520416"/>
+          </a:xfrm>
+          <a:prstGeom prst="rect">
+            <a:avLst/>
+          </a:prstGeom>
+        </p:spPr>
+      </p:pic>
+      <p:sp>
+        <p:nvSpPr>
+          <p:cNvPr id="20" name="TextBox 19">
+            <a:extLst>
+              <a:ext uri="{FF2B5EF4-FFF2-40B4-BE49-F238E27FC236}">
+                <a16:creationId xmlns:a16="http://schemas.microsoft.com/office/drawing/2014/main" id="{DD214410-660D-1F6B-747B-65257B17F061}"/>
+              </a:ext>
+            </a:extLst>
+          </p:cNvPr>
+          <p:cNvSpPr txBox="1"/>
+          <p:nvPr/>
+        </p:nvSpPr>
+        <p:spPr>
+          <a:xfrm>
+            <a:off x="2104966" y="6459180"/>
+            <a:ext cx="3727476" cy="298223"/>
+          </a:xfrm>
+          <a:prstGeom prst="rect">
+            <a:avLst/>
+          </a:prstGeom>
+          <a:noFill/>
+        </p:spPr>
+        <p:txBody>
+          <a:bodyPr wrap="square" rtlCol="0">
+            <a:spAutoFit/>
+          </a:bodyPr>
+          <a:lstStyle/>
+          <a:p>
+            <a:r>
+              <a:rPr lang="en-US" sz="1338" dirty="0">
+                <a:solidFill>
+                  <a:schemeClr val="bg1"/>
+                </a:solidFill>
+                <a:latin typeface="Arial"/>
+                <a:cs typeface="Arial"/>
+              </a:rPr>
+              <a:t>TÊN NGƯỜI TRÌNH BÀY</a:t>
+            </a:r>
+          </a:p>
+        </p:txBody>
+      </p:sp>
+      <p:sp>
+        <p:nvSpPr>
+          <p:cNvPr id="21" name="TextBox 20">
+            <a:extLst>
+              <a:ext uri="{FF2B5EF4-FFF2-40B4-BE49-F238E27FC236}">
+                <a16:creationId xmlns:a16="http://schemas.microsoft.com/office/drawing/2014/main" id="{06809C88-F32B-A92F-1ADD-D8947FBC2437}"/>
+              </a:ext>
+            </a:extLst>
+          </p:cNvPr>
+          <p:cNvSpPr txBox="1"/>
+          <p:nvPr/>
+        </p:nvSpPr>
+        <p:spPr>
+          <a:xfrm>
+            <a:off x="9005970" y="6459180"/>
+            <a:ext cx="1824707" cy="270523"/>
+          </a:xfrm>
+          <a:prstGeom prst="rect">
+            <a:avLst/>
+          </a:prstGeom>
+          <a:noFill/>
+        </p:spPr>
+        <p:txBody>
+          <a:bodyPr wrap="square" rtlCol="0">
+            <a:spAutoFit/>
+          </a:bodyPr>
+          <a:lstStyle/>
+          <a:p>
+            <a:pPr algn="r"/>
+            <a:r>
+              <a:rPr lang="en-US" sz="1158" dirty="0">
+                <a:solidFill>
+                  <a:schemeClr val="bg1"/>
+                </a:solidFill>
+                <a:latin typeface="Arial"/>
+                <a:cs typeface="Arial"/>
+              </a:rPr>
+              <a:t>Slide: </a:t>
+            </a:r>
+            <a:r>
+              <a:rPr lang="en-US" sz="1158" dirty="0" err="1">
+                <a:solidFill>
+                  <a:schemeClr val="bg1"/>
+                </a:solidFill>
+                <a:latin typeface="Arial"/>
+                <a:cs typeface="Arial"/>
+              </a:rPr>
+              <a:t>số</a:t>
+            </a:r>
+            <a:r>
+              <a:rPr lang="en-US" sz="1158" dirty="0">
+                <a:solidFill>
+                  <a:schemeClr val="bg1"/>
+                </a:solidFill>
+                <a:latin typeface="Arial"/>
+                <a:cs typeface="Arial"/>
+              </a:rPr>
+              <a:t>….</a:t>
+            </a:r>
+          </a:p>
+        </p:txBody>
+      </p:sp>
+      <p:sp>
+        <p:nvSpPr>
+          <p:cNvPr id="22" name="TextBox 21">
+            <a:extLst>
+              <a:ext uri="{FF2B5EF4-FFF2-40B4-BE49-F238E27FC236}">
+                <a16:creationId xmlns:a16="http://schemas.microsoft.com/office/drawing/2014/main" id="{776B24C1-CEE5-7D6A-01D3-0911D14A72C1}"/>
+              </a:ext>
+            </a:extLst>
+          </p:cNvPr>
+          <p:cNvSpPr txBox="1"/>
+          <p:nvPr/>
+        </p:nvSpPr>
+        <p:spPr>
+          <a:xfrm>
+            <a:off x="1864487" y="52421"/>
+            <a:ext cx="8463025" cy="584775"/>
+          </a:xfrm>
+          <a:prstGeom prst="rect">
+            <a:avLst/>
+          </a:prstGeom>
+          <a:noFill/>
+        </p:spPr>
+        <p:txBody>
+          <a:bodyPr wrap="square" rtlCol="0">
+            <a:spAutoFit/>
+          </a:bodyPr>
+          <a:lstStyle/>
+          <a:p>
+            <a:pPr algn="ctr"/>
+            <a:r>
+              <a:rPr lang="en-US" sz="3200" b="1">
+                <a:solidFill>
+                  <a:srgbClr val="FF6600"/>
+                </a:solidFill>
+                <a:latin typeface="Arial"/>
+                <a:cs typeface="Arial"/>
+              </a:rPr>
+              <a:t>LAB 5314</a:t>
+            </a:r>
+            <a:endParaRPr lang="en-US" sz="3200" b="1" dirty="0">
+              <a:solidFill>
+                <a:srgbClr val="FF6600"/>
+              </a:solidFill>
+              <a:latin typeface="Arial"/>
+              <a:cs typeface="Arial"/>
+            </a:endParaRPr>
+          </a:p>
+        </p:txBody>
+      </p:sp>
+      <p:pic>
+        <p:nvPicPr>
+          <p:cNvPr id="25" name="Picture 24" descr="Dai Nam [PPT] Template 15.png">
+            <a:extLst>
+              <a:ext uri="{FF2B5EF4-FFF2-40B4-BE49-F238E27FC236}">
+                <a16:creationId xmlns:a16="http://schemas.microsoft.com/office/drawing/2014/main" id="{1B3FC9BB-D448-CF57-3AB6-4177FD47A2EC}"/>
+              </a:ext>
+            </a:extLst>
+          </p:cNvPr>
+          <p:cNvPicPr>
+            <a:picLocks noChangeAspect="1"/>
+          </p:cNvPicPr>
+          <p:nvPr/>
+        </p:nvPicPr>
+        <p:blipFill>
+          <a:blip r:embed="rId3" cstate="print">
+            <a:extLst>
+              <a:ext uri="{28A0092B-C50C-407E-A947-70E740481C1C}">
+                <a14:useLocalDpi xmlns:a14="http://schemas.microsoft.com/office/drawing/2010/main" val="0"/>
+              </a:ext>
+            </a:extLst>
+          </a:blip>
+          <a:stretch>
+            <a:fillRect/>
+          </a:stretch>
+        </p:blipFill>
+        <p:spPr>
+          <a:xfrm>
+            <a:off x="3199556" y="637196"/>
+            <a:ext cx="5792885" cy="17259"/>
+          </a:xfrm>
+          <a:prstGeom prst="rect">
+            <a:avLst/>
+          </a:prstGeom>
+        </p:spPr>
+      </p:pic>
+      <p:pic>
+        <p:nvPicPr>
+          <p:cNvPr id="6" name="Picture 5">
+            <a:extLst>
+              <a:ext uri="{FF2B5EF4-FFF2-40B4-BE49-F238E27FC236}">
+                <a16:creationId xmlns:a16="http://schemas.microsoft.com/office/drawing/2014/main" id="{1DD4E5CD-1D9E-48A4-A964-90463A21A8AB}"/>
+              </a:ext>
+            </a:extLst>
+          </p:cNvPr>
+          <p:cNvPicPr>
+            <a:picLocks noChangeAspect="1"/>
+          </p:cNvPicPr>
+          <p:nvPr/>
+        </p:nvPicPr>
+        <p:blipFill>
+          <a:blip r:embed="rId4"/>
+          <a:stretch>
+            <a:fillRect/>
+          </a:stretch>
+        </p:blipFill>
+        <p:spPr>
+          <a:xfrm>
+            <a:off x="0" y="1550358"/>
+            <a:ext cx="12192000" cy="3757283"/>
+          </a:xfrm>
+          <a:prstGeom prst="rect">
+            <a:avLst/>
+          </a:prstGeom>
+        </p:spPr>
+      </p:pic>
+    </p:spTree>
+    <p:extLst>
+      <p:ext uri="{BB962C8B-B14F-4D97-AF65-F5344CB8AC3E}">
+        <p14:creationId xmlns:p14="http://schemas.microsoft.com/office/powerpoint/2010/main" val="1854354704"/>
+      </p:ext>
+    </p:extLst>
+  </p:cSld>
+  <p:clrMapOvr>
+    <a:masterClrMapping/>
+  </p:clrMapOvr>
+</p:sld>
+</file>
+
+<file path=ppt/slides/slide17.xml><?xml version="1.0" encoding="utf-8"?>
+<p:sld xmlns:a="http://schemas.openxmlformats.org/drawingml/2006/main" xmlns:r="http://schemas.openxmlformats.org/officeDocument/2006/relationships" xmlns:p="http://schemas.openxmlformats.org/presentationml/2006/main">
+  <p:cSld>
+    <p:spTree>
+      <p:nvGrpSpPr>
+        <p:cNvPr id="1" name="">
+          <a:extLst>
+            <a:ext uri="{FF2B5EF4-FFF2-40B4-BE49-F238E27FC236}">
+              <a16:creationId xmlns:a16="http://schemas.microsoft.com/office/drawing/2014/main" id="{C72EBFBF-22C7-CB85-C00C-9B46430F244B}"/>
+            </a:ext>
+          </a:extLst>
+        </p:cNvPr>
+        <p:cNvGrpSpPr/>
+        <p:nvPr/>
+      </p:nvGrpSpPr>
+      <p:grpSpPr>
+        <a:xfrm>
+          <a:off x="0" y="0"/>
+          <a:ext cx="0" cy="0"/>
+          <a:chOff x="0" y="0"/>
+          <a:chExt cx="0" cy="0"/>
+        </a:xfrm>
+      </p:grpSpPr>
+      <p:pic>
+        <p:nvPicPr>
+          <p:cNvPr id="10" name="Picture 9" descr="Dai Nam [PPT] Template 11.png">
+            <a:extLst>
+              <a:ext uri="{FF2B5EF4-FFF2-40B4-BE49-F238E27FC236}">
+                <a16:creationId xmlns:a16="http://schemas.microsoft.com/office/drawing/2014/main" id="{CE8AB001-508B-47E0-6162-0CC1F215D3C6}"/>
+              </a:ext>
+            </a:extLst>
+          </p:cNvPr>
+          <p:cNvPicPr>
+            <a:picLocks noChangeAspect="1"/>
+          </p:cNvPicPr>
+          <p:nvPr/>
+        </p:nvPicPr>
+        <p:blipFill>
+          <a:blip r:embed="rId2" cstate="print">
+            <a:extLst>
+              <a:ext uri="{28A0092B-C50C-407E-A947-70E740481C1C}">
+                <a14:useLocalDpi xmlns:a14="http://schemas.microsoft.com/office/drawing/2010/main" val="0"/>
+              </a:ext>
+            </a:extLst>
+          </a:blip>
+          <a:stretch>
+            <a:fillRect/>
+          </a:stretch>
+        </p:blipFill>
+        <p:spPr>
+          <a:xfrm>
+            <a:off x="0" y="6347341"/>
+            <a:ext cx="12192000" cy="520416"/>
+          </a:xfrm>
+          <a:prstGeom prst="rect">
+            <a:avLst/>
+          </a:prstGeom>
+        </p:spPr>
+      </p:pic>
+      <p:sp>
+        <p:nvSpPr>
+          <p:cNvPr id="20" name="TextBox 19">
+            <a:extLst>
+              <a:ext uri="{FF2B5EF4-FFF2-40B4-BE49-F238E27FC236}">
+                <a16:creationId xmlns:a16="http://schemas.microsoft.com/office/drawing/2014/main" id="{DD214410-660D-1F6B-747B-65257B17F061}"/>
+              </a:ext>
+            </a:extLst>
+          </p:cNvPr>
+          <p:cNvSpPr txBox="1"/>
+          <p:nvPr/>
+        </p:nvSpPr>
+        <p:spPr>
+          <a:xfrm>
+            <a:off x="2104966" y="6459180"/>
+            <a:ext cx="3727476" cy="298223"/>
+          </a:xfrm>
+          <a:prstGeom prst="rect">
+            <a:avLst/>
+          </a:prstGeom>
+          <a:noFill/>
+        </p:spPr>
+        <p:txBody>
+          <a:bodyPr wrap="square" rtlCol="0">
+            <a:spAutoFit/>
+          </a:bodyPr>
+          <a:lstStyle/>
+          <a:p>
+            <a:r>
+              <a:rPr lang="en-US" sz="1338" dirty="0">
+                <a:solidFill>
+                  <a:schemeClr val="bg1"/>
+                </a:solidFill>
+                <a:latin typeface="Arial"/>
+                <a:cs typeface="Arial"/>
+              </a:rPr>
+              <a:t>TÊN NGƯỜI TRÌNH BÀY</a:t>
+            </a:r>
+          </a:p>
+        </p:txBody>
+      </p:sp>
+      <p:sp>
+        <p:nvSpPr>
+          <p:cNvPr id="21" name="TextBox 20">
+            <a:extLst>
+              <a:ext uri="{FF2B5EF4-FFF2-40B4-BE49-F238E27FC236}">
+                <a16:creationId xmlns:a16="http://schemas.microsoft.com/office/drawing/2014/main" id="{06809C88-F32B-A92F-1ADD-D8947FBC2437}"/>
+              </a:ext>
+            </a:extLst>
+          </p:cNvPr>
+          <p:cNvSpPr txBox="1"/>
+          <p:nvPr/>
+        </p:nvSpPr>
+        <p:spPr>
+          <a:xfrm>
+            <a:off x="9005970" y="6459180"/>
+            <a:ext cx="1824707" cy="270523"/>
+          </a:xfrm>
+          <a:prstGeom prst="rect">
+            <a:avLst/>
+          </a:prstGeom>
+          <a:noFill/>
+        </p:spPr>
+        <p:txBody>
+          <a:bodyPr wrap="square" rtlCol="0">
+            <a:spAutoFit/>
+          </a:bodyPr>
+          <a:lstStyle/>
+          <a:p>
+            <a:pPr algn="r"/>
+            <a:r>
+              <a:rPr lang="en-US" sz="1158" dirty="0">
+                <a:solidFill>
+                  <a:schemeClr val="bg1"/>
+                </a:solidFill>
+                <a:latin typeface="Arial"/>
+                <a:cs typeface="Arial"/>
+              </a:rPr>
+              <a:t>Slide: </a:t>
+            </a:r>
+            <a:r>
+              <a:rPr lang="en-US" sz="1158" dirty="0" err="1">
+                <a:solidFill>
+                  <a:schemeClr val="bg1"/>
+                </a:solidFill>
+                <a:latin typeface="Arial"/>
+                <a:cs typeface="Arial"/>
+              </a:rPr>
+              <a:t>số</a:t>
+            </a:r>
+            <a:r>
+              <a:rPr lang="en-US" sz="1158" dirty="0">
+                <a:solidFill>
+                  <a:schemeClr val="bg1"/>
+                </a:solidFill>
+                <a:latin typeface="Arial"/>
+                <a:cs typeface="Arial"/>
+              </a:rPr>
+              <a:t>….</a:t>
+            </a:r>
+          </a:p>
+        </p:txBody>
+      </p:sp>
+      <p:sp>
+        <p:nvSpPr>
+          <p:cNvPr id="22" name="TextBox 21">
+            <a:extLst>
+              <a:ext uri="{FF2B5EF4-FFF2-40B4-BE49-F238E27FC236}">
+                <a16:creationId xmlns:a16="http://schemas.microsoft.com/office/drawing/2014/main" id="{776B24C1-CEE5-7D6A-01D3-0911D14A72C1}"/>
+              </a:ext>
+            </a:extLst>
+          </p:cNvPr>
+          <p:cNvSpPr txBox="1"/>
+          <p:nvPr/>
+        </p:nvSpPr>
+        <p:spPr>
+          <a:xfrm>
+            <a:off x="1864487" y="52421"/>
+            <a:ext cx="8463025" cy="584775"/>
+          </a:xfrm>
+          <a:prstGeom prst="rect">
+            <a:avLst/>
+          </a:prstGeom>
+          <a:noFill/>
+        </p:spPr>
+        <p:txBody>
+          <a:bodyPr wrap="square" rtlCol="0">
+            <a:spAutoFit/>
+          </a:bodyPr>
+          <a:lstStyle/>
+          <a:p>
+            <a:pPr algn="ctr"/>
+            <a:r>
+              <a:rPr lang="en-US" sz="3200" b="1">
+                <a:solidFill>
+                  <a:srgbClr val="FF6600"/>
+                </a:solidFill>
+                <a:latin typeface="Arial"/>
+                <a:cs typeface="Arial"/>
+              </a:rPr>
+              <a:t>LAB 5314</a:t>
+            </a:r>
+            <a:endParaRPr lang="en-US" sz="3200" b="1" dirty="0">
+              <a:solidFill>
+                <a:srgbClr val="FF6600"/>
+              </a:solidFill>
+              <a:latin typeface="Arial"/>
+              <a:cs typeface="Arial"/>
+            </a:endParaRPr>
+          </a:p>
+        </p:txBody>
+      </p:sp>
+      <p:pic>
+        <p:nvPicPr>
+          <p:cNvPr id="25" name="Picture 24" descr="Dai Nam [PPT] Template 15.png">
+            <a:extLst>
+              <a:ext uri="{FF2B5EF4-FFF2-40B4-BE49-F238E27FC236}">
+                <a16:creationId xmlns:a16="http://schemas.microsoft.com/office/drawing/2014/main" id="{1B3FC9BB-D448-CF57-3AB6-4177FD47A2EC}"/>
+              </a:ext>
+            </a:extLst>
+          </p:cNvPr>
+          <p:cNvPicPr>
+            <a:picLocks noChangeAspect="1"/>
+          </p:cNvPicPr>
+          <p:nvPr/>
+        </p:nvPicPr>
+        <p:blipFill>
+          <a:blip r:embed="rId3" cstate="print">
+            <a:extLst>
+              <a:ext uri="{28A0092B-C50C-407E-A947-70E740481C1C}">
+                <a14:useLocalDpi xmlns:a14="http://schemas.microsoft.com/office/drawing/2010/main" val="0"/>
+              </a:ext>
+            </a:extLst>
+          </a:blip>
+          <a:stretch>
+            <a:fillRect/>
+          </a:stretch>
+        </p:blipFill>
+        <p:spPr>
+          <a:xfrm>
+            <a:off x="3199556" y="637196"/>
+            <a:ext cx="5792885" cy="17259"/>
+          </a:xfrm>
+          <a:prstGeom prst="rect">
+            <a:avLst/>
+          </a:prstGeom>
+        </p:spPr>
+      </p:pic>
+      <p:pic>
+        <p:nvPicPr>
+          <p:cNvPr id="6" name="Picture 5">
+            <a:extLst>
+              <a:ext uri="{FF2B5EF4-FFF2-40B4-BE49-F238E27FC236}">
+                <a16:creationId xmlns:a16="http://schemas.microsoft.com/office/drawing/2014/main" id="{36D90C81-9198-4E91-B575-D770246EC51A}"/>
+              </a:ext>
+            </a:extLst>
+          </p:cNvPr>
+          <p:cNvPicPr>
+            <a:picLocks noChangeAspect="1"/>
+          </p:cNvPicPr>
+          <p:nvPr/>
+        </p:nvPicPr>
+        <p:blipFill>
+          <a:blip r:embed="rId4"/>
+          <a:stretch>
+            <a:fillRect/>
+          </a:stretch>
+        </p:blipFill>
+        <p:spPr>
+          <a:xfrm>
+            <a:off x="675518" y="1495155"/>
+            <a:ext cx="10840963" cy="3867690"/>
+          </a:xfrm>
+          <a:prstGeom prst="rect">
+            <a:avLst/>
+          </a:prstGeom>
+        </p:spPr>
+      </p:pic>
+    </p:spTree>
+    <p:extLst>
+      <p:ext uri="{BB962C8B-B14F-4D97-AF65-F5344CB8AC3E}">
+        <p14:creationId xmlns:p14="http://schemas.microsoft.com/office/powerpoint/2010/main" val="473302489"/>
+      </p:ext>
+    </p:extLst>
+  </p:cSld>
+  <p:clrMapOvr>
+    <a:masterClrMapping/>
+  </p:clrMapOvr>
+</p:sld>
+</file>
+
+<file path=ppt/slides/slide18.xml><?xml version="1.0" encoding="utf-8"?>
+<p:sld xmlns:a="http://schemas.openxmlformats.org/drawingml/2006/main" xmlns:r="http://schemas.openxmlformats.org/officeDocument/2006/relationships" xmlns:p="http://schemas.openxmlformats.org/presentationml/2006/main">
+  <p:cSld>
+    <p:spTree>
+      <p:nvGrpSpPr>
+        <p:cNvPr id="1" name="">
+          <a:extLst>
+            <a:ext uri="{FF2B5EF4-FFF2-40B4-BE49-F238E27FC236}">
+              <a16:creationId xmlns:a16="http://schemas.microsoft.com/office/drawing/2014/main" id="{C72EBFBF-22C7-CB85-C00C-9B46430F244B}"/>
+            </a:ext>
+          </a:extLst>
+        </p:cNvPr>
+        <p:cNvGrpSpPr/>
+        <p:nvPr/>
+      </p:nvGrpSpPr>
+      <p:grpSpPr>
+        <a:xfrm>
+          <a:off x="0" y="0"/>
+          <a:ext cx="0" cy="0"/>
+          <a:chOff x="0" y="0"/>
+          <a:chExt cx="0" cy="0"/>
+        </a:xfrm>
+      </p:grpSpPr>
+      <p:pic>
+        <p:nvPicPr>
+          <p:cNvPr id="10" name="Picture 9" descr="Dai Nam [PPT] Template 11.png">
+            <a:extLst>
+              <a:ext uri="{FF2B5EF4-FFF2-40B4-BE49-F238E27FC236}">
+                <a16:creationId xmlns:a16="http://schemas.microsoft.com/office/drawing/2014/main" id="{CE8AB001-508B-47E0-6162-0CC1F215D3C6}"/>
+              </a:ext>
+            </a:extLst>
+          </p:cNvPr>
+          <p:cNvPicPr>
+            <a:picLocks noChangeAspect="1"/>
+          </p:cNvPicPr>
+          <p:nvPr/>
+        </p:nvPicPr>
+        <p:blipFill>
+          <a:blip r:embed="rId2" cstate="print">
+            <a:extLst>
+              <a:ext uri="{28A0092B-C50C-407E-A947-70E740481C1C}">
+                <a14:useLocalDpi xmlns:a14="http://schemas.microsoft.com/office/drawing/2010/main" val="0"/>
+              </a:ext>
+            </a:extLst>
+          </a:blip>
+          <a:stretch>
+            <a:fillRect/>
+          </a:stretch>
+        </p:blipFill>
+        <p:spPr>
+          <a:xfrm>
+            <a:off x="0" y="6347341"/>
+            <a:ext cx="12192000" cy="520416"/>
+          </a:xfrm>
+          <a:prstGeom prst="rect">
+            <a:avLst/>
+          </a:prstGeom>
+        </p:spPr>
+      </p:pic>
+      <p:sp>
+        <p:nvSpPr>
+          <p:cNvPr id="20" name="TextBox 19">
+            <a:extLst>
+              <a:ext uri="{FF2B5EF4-FFF2-40B4-BE49-F238E27FC236}">
+                <a16:creationId xmlns:a16="http://schemas.microsoft.com/office/drawing/2014/main" id="{DD214410-660D-1F6B-747B-65257B17F061}"/>
+              </a:ext>
+            </a:extLst>
+          </p:cNvPr>
+          <p:cNvSpPr txBox="1"/>
+          <p:nvPr/>
+        </p:nvSpPr>
+        <p:spPr>
+          <a:xfrm>
+            <a:off x="2104966" y="6459180"/>
+            <a:ext cx="3727476" cy="298223"/>
+          </a:xfrm>
+          <a:prstGeom prst="rect">
+            <a:avLst/>
+          </a:prstGeom>
+          <a:noFill/>
+        </p:spPr>
+        <p:txBody>
+          <a:bodyPr wrap="square" rtlCol="0">
+            <a:spAutoFit/>
+          </a:bodyPr>
+          <a:lstStyle/>
+          <a:p>
+            <a:r>
+              <a:rPr lang="en-US" sz="1338" dirty="0">
+                <a:solidFill>
+                  <a:schemeClr val="bg1"/>
+                </a:solidFill>
+                <a:latin typeface="Arial"/>
+                <a:cs typeface="Arial"/>
+              </a:rPr>
+              <a:t>TÊN NGƯỜI TRÌNH BÀY</a:t>
+            </a:r>
+          </a:p>
+        </p:txBody>
+      </p:sp>
+      <p:sp>
+        <p:nvSpPr>
+          <p:cNvPr id="21" name="TextBox 20">
+            <a:extLst>
+              <a:ext uri="{FF2B5EF4-FFF2-40B4-BE49-F238E27FC236}">
+                <a16:creationId xmlns:a16="http://schemas.microsoft.com/office/drawing/2014/main" id="{06809C88-F32B-A92F-1ADD-D8947FBC2437}"/>
+              </a:ext>
+            </a:extLst>
+          </p:cNvPr>
+          <p:cNvSpPr txBox="1"/>
+          <p:nvPr/>
+        </p:nvSpPr>
+        <p:spPr>
+          <a:xfrm>
+            <a:off x="9005970" y="6459180"/>
+            <a:ext cx="1824707" cy="270523"/>
+          </a:xfrm>
+          <a:prstGeom prst="rect">
+            <a:avLst/>
+          </a:prstGeom>
+          <a:noFill/>
+        </p:spPr>
+        <p:txBody>
+          <a:bodyPr wrap="square" rtlCol="0">
+            <a:spAutoFit/>
+          </a:bodyPr>
+          <a:lstStyle/>
+          <a:p>
+            <a:pPr algn="r"/>
+            <a:r>
+              <a:rPr lang="en-US" sz="1158" dirty="0">
+                <a:solidFill>
+                  <a:schemeClr val="bg1"/>
+                </a:solidFill>
+                <a:latin typeface="Arial"/>
+                <a:cs typeface="Arial"/>
+              </a:rPr>
+              <a:t>Slide: </a:t>
+            </a:r>
+            <a:r>
+              <a:rPr lang="en-US" sz="1158" dirty="0" err="1">
+                <a:solidFill>
+                  <a:schemeClr val="bg1"/>
+                </a:solidFill>
+                <a:latin typeface="Arial"/>
+                <a:cs typeface="Arial"/>
+              </a:rPr>
+              <a:t>số</a:t>
+            </a:r>
+            <a:r>
+              <a:rPr lang="en-US" sz="1158" dirty="0">
+                <a:solidFill>
+                  <a:schemeClr val="bg1"/>
+                </a:solidFill>
+                <a:latin typeface="Arial"/>
+                <a:cs typeface="Arial"/>
+              </a:rPr>
+              <a:t>….</a:t>
+            </a:r>
+          </a:p>
+        </p:txBody>
+      </p:sp>
+      <p:sp>
+        <p:nvSpPr>
+          <p:cNvPr id="22" name="TextBox 21">
+            <a:extLst>
+              <a:ext uri="{FF2B5EF4-FFF2-40B4-BE49-F238E27FC236}">
+                <a16:creationId xmlns:a16="http://schemas.microsoft.com/office/drawing/2014/main" id="{776B24C1-CEE5-7D6A-01D3-0911D14A72C1}"/>
+              </a:ext>
+            </a:extLst>
+          </p:cNvPr>
+          <p:cNvSpPr txBox="1"/>
+          <p:nvPr/>
+        </p:nvSpPr>
+        <p:spPr>
+          <a:xfrm>
+            <a:off x="1864487" y="52421"/>
+            <a:ext cx="8463025" cy="584775"/>
+          </a:xfrm>
+          <a:prstGeom prst="rect">
+            <a:avLst/>
+          </a:prstGeom>
+          <a:noFill/>
+        </p:spPr>
+        <p:txBody>
+          <a:bodyPr wrap="square" rtlCol="0">
+            <a:spAutoFit/>
+          </a:bodyPr>
+          <a:lstStyle/>
+          <a:p>
+            <a:pPr algn="ctr"/>
+            <a:r>
+              <a:rPr lang="en-US" sz="3200" b="1">
+                <a:solidFill>
+                  <a:srgbClr val="FF6600"/>
+                </a:solidFill>
+                <a:latin typeface="Arial"/>
+                <a:cs typeface="Arial"/>
+              </a:rPr>
+              <a:t>LAB 5314</a:t>
+            </a:r>
+            <a:endParaRPr lang="en-US" sz="3200" b="1" dirty="0">
+              <a:solidFill>
+                <a:srgbClr val="FF6600"/>
+              </a:solidFill>
+              <a:latin typeface="Arial"/>
+              <a:cs typeface="Arial"/>
+            </a:endParaRPr>
+          </a:p>
+        </p:txBody>
+      </p:sp>
+      <p:pic>
+        <p:nvPicPr>
+          <p:cNvPr id="25" name="Picture 24" descr="Dai Nam [PPT] Template 15.png">
+            <a:extLst>
+              <a:ext uri="{FF2B5EF4-FFF2-40B4-BE49-F238E27FC236}">
+                <a16:creationId xmlns:a16="http://schemas.microsoft.com/office/drawing/2014/main" id="{1B3FC9BB-D448-CF57-3AB6-4177FD47A2EC}"/>
+              </a:ext>
+            </a:extLst>
+          </p:cNvPr>
+          <p:cNvPicPr>
+            <a:picLocks noChangeAspect="1"/>
+          </p:cNvPicPr>
+          <p:nvPr/>
+        </p:nvPicPr>
+        <p:blipFill>
+          <a:blip r:embed="rId3" cstate="print">
+            <a:extLst>
+              <a:ext uri="{28A0092B-C50C-407E-A947-70E740481C1C}">
+                <a14:useLocalDpi xmlns:a14="http://schemas.microsoft.com/office/drawing/2010/main" val="0"/>
+              </a:ext>
+            </a:extLst>
+          </a:blip>
+          <a:stretch>
+            <a:fillRect/>
+          </a:stretch>
+        </p:blipFill>
+        <p:spPr>
+          <a:xfrm>
+            <a:off x="3199556" y="637196"/>
+            <a:ext cx="5792885" cy="17259"/>
+          </a:xfrm>
+          <a:prstGeom prst="rect">
+            <a:avLst/>
+          </a:prstGeom>
+        </p:spPr>
+      </p:pic>
+      <p:pic>
+        <p:nvPicPr>
+          <p:cNvPr id="4" name="Picture 3">
+            <a:extLst>
+              <a:ext uri="{FF2B5EF4-FFF2-40B4-BE49-F238E27FC236}">
+                <a16:creationId xmlns:a16="http://schemas.microsoft.com/office/drawing/2014/main" id="{8871A432-583E-4AB9-A7DF-89446605CB9E}"/>
+              </a:ext>
+            </a:extLst>
+          </p:cNvPr>
+          <p:cNvPicPr>
+            <a:picLocks noChangeAspect="1"/>
+          </p:cNvPicPr>
+          <p:nvPr/>
+        </p:nvPicPr>
+        <p:blipFill>
+          <a:blip r:embed="rId4"/>
+          <a:stretch>
+            <a:fillRect/>
+          </a:stretch>
+        </p:blipFill>
+        <p:spPr>
+          <a:xfrm>
+            <a:off x="646939" y="1480865"/>
+            <a:ext cx="10898121" cy="3896269"/>
+          </a:xfrm>
+          <a:prstGeom prst="rect">
+            <a:avLst/>
+          </a:prstGeom>
+        </p:spPr>
+      </p:pic>
+    </p:spTree>
+    <p:extLst>
+      <p:ext uri="{BB962C8B-B14F-4D97-AF65-F5344CB8AC3E}">
+        <p14:creationId xmlns:p14="http://schemas.microsoft.com/office/powerpoint/2010/main" val="2151255940"/>
+      </p:ext>
+    </p:extLst>
+  </p:cSld>
+  <p:clrMapOvr>
+    <a:masterClrMapping/>
+  </p:clrMapOvr>
+</p:sld>
+</file>
+
+<file path=ppt/slides/slide19.xml><?xml version="1.0" encoding="utf-8"?>
+<p:sld xmlns:a="http://schemas.openxmlformats.org/drawingml/2006/main" xmlns:r="http://schemas.openxmlformats.org/officeDocument/2006/relationships" xmlns:p="http://schemas.openxmlformats.org/presentationml/2006/main">
+  <p:cSld>
+    <p:spTree>
+      <p:nvGrpSpPr>
+        <p:cNvPr id="1" name="">
+          <a:extLst>
+            <a:ext uri="{FF2B5EF4-FFF2-40B4-BE49-F238E27FC236}">
+              <a16:creationId xmlns:a16="http://schemas.microsoft.com/office/drawing/2014/main" id="{C72EBFBF-22C7-CB85-C00C-9B46430F244B}"/>
+            </a:ext>
+          </a:extLst>
+        </p:cNvPr>
+        <p:cNvGrpSpPr/>
+        <p:nvPr/>
+      </p:nvGrpSpPr>
+      <p:grpSpPr>
+        <a:xfrm>
+          <a:off x="0" y="0"/>
+          <a:ext cx="0" cy="0"/>
+          <a:chOff x="0" y="0"/>
+          <a:chExt cx="0" cy="0"/>
+        </a:xfrm>
+      </p:grpSpPr>
+      <p:pic>
+        <p:nvPicPr>
+          <p:cNvPr id="10" name="Picture 9" descr="Dai Nam [PPT] Template 11.png">
+            <a:extLst>
+              <a:ext uri="{FF2B5EF4-FFF2-40B4-BE49-F238E27FC236}">
+                <a16:creationId xmlns:a16="http://schemas.microsoft.com/office/drawing/2014/main" id="{CE8AB001-508B-47E0-6162-0CC1F215D3C6}"/>
+              </a:ext>
+            </a:extLst>
+          </p:cNvPr>
+          <p:cNvPicPr>
+            <a:picLocks noChangeAspect="1"/>
+          </p:cNvPicPr>
+          <p:nvPr/>
+        </p:nvPicPr>
+        <p:blipFill>
+          <a:blip r:embed="rId2" cstate="print">
+            <a:extLst>
+              <a:ext uri="{28A0092B-C50C-407E-A947-70E740481C1C}">
+                <a14:useLocalDpi xmlns:a14="http://schemas.microsoft.com/office/drawing/2010/main" val="0"/>
+              </a:ext>
+            </a:extLst>
+          </a:blip>
+          <a:stretch>
+            <a:fillRect/>
+          </a:stretch>
+        </p:blipFill>
+        <p:spPr>
+          <a:xfrm>
+            <a:off x="0" y="6347341"/>
+            <a:ext cx="12192000" cy="520416"/>
+          </a:xfrm>
+          <a:prstGeom prst="rect">
+            <a:avLst/>
+          </a:prstGeom>
+        </p:spPr>
+      </p:pic>
+      <p:sp>
+        <p:nvSpPr>
+          <p:cNvPr id="20" name="TextBox 19">
+            <a:extLst>
+              <a:ext uri="{FF2B5EF4-FFF2-40B4-BE49-F238E27FC236}">
+                <a16:creationId xmlns:a16="http://schemas.microsoft.com/office/drawing/2014/main" id="{DD214410-660D-1F6B-747B-65257B17F061}"/>
+              </a:ext>
+            </a:extLst>
+          </p:cNvPr>
+          <p:cNvSpPr txBox="1"/>
+          <p:nvPr/>
+        </p:nvSpPr>
+        <p:spPr>
+          <a:xfrm>
+            <a:off x="2104966" y="6459180"/>
+            <a:ext cx="3727476" cy="298223"/>
+          </a:xfrm>
+          <a:prstGeom prst="rect">
+            <a:avLst/>
+          </a:prstGeom>
+          <a:noFill/>
+        </p:spPr>
+        <p:txBody>
+          <a:bodyPr wrap="square" rtlCol="0">
+            <a:spAutoFit/>
+          </a:bodyPr>
+          <a:lstStyle/>
+          <a:p>
+            <a:r>
+              <a:rPr lang="en-US" sz="1338" dirty="0">
+                <a:solidFill>
+                  <a:schemeClr val="bg1"/>
+                </a:solidFill>
+                <a:latin typeface="Arial"/>
+                <a:cs typeface="Arial"/>
+              </a:rPr>
+              <a:t>TÊN NGƯỜI TRÌNH BÀY</a:t>
+            </a:r>
+          </a:p>
+        </p:txBody>
+      </p:sp>
+      <p:sp>
+        <p:nvSpPr>
+          <p:cNvPr id="21" name="TextBox 20">
+            <a:extLst>
+              <a:ext uri="{FF2B5EF4-FFF2-40B4-BE49-F238E27FC236}">
+                <a16:creationId xmlns:a16="http://schemas.microsoft.com/office/drawing/2014/main" id="{06809C88-F32B-A92F-1ADD-D8947FBC2437}"/>
+              </a:ext>
+            </a:extLst>
+          </p:cNvPr>
+          <p:cNvSpPr txBox="1"/>
+          <p:nvPr/>
+        </p:nvSpPr>
+        <p:spPr>
+          <a:xfrm>
+            <a:off x="9005970" y="6459180"/>
+            <a:ext cx="1824707" cy="270523"/>
+          </a:xfrm>
+          <a:prstGeom prst="rect">
+            <a:avLst/>
+          </a:prstGeom>
+          <a:noFill/>
+        </p:spPr>
+        <p:txBody>
+          <a:bodyPr wrap="square" rtlCol="0">
+            <a:spAutoFit/>
+          </a:bodyPr>
+          <a:lstStyle/>
+          <a:p>
+            <a:pPr algn="r"/>
+            <a:r>
+              <a:rPr lang="en-US" sz="1158" dirty="0">
+                <a:solidFill>
+                  <a:schemeClr val="bg1"/>
+                </a:solidFill>
+                <a:latin typeface="Arial"/>
+                <a:cs typeface="Arial"/>
+              </a:rPr>
+              <a:t>Slide: </a:t>
+            </a:r>
+            <a:r>
+              <a:rPr lang="en-US" sz="1158" dirty="0" err="1">
+                <a:solidFill>
+                  <a:schemeClr val="bg1"/>
+                </a:solidFill>
+                <a:latin typeface="Arial"/>
+                <a:cs typeface="Arial"/>
+              </a:rPr>
+              <a:t>số</a:t>
+            </a:r>
+            <a:r>
+              <a:rPr lang="en-US" sz="1158" dirty="0">
+                <a:solidFill>
+                  <a:schemeClr val="bg1"/>
+                </a:solidFill>
+                <a:latin typeface="Arial"/>
+                <a:cs typeface="Arial"/>
+              </a:rPr>
+              <a:t>….</a:t>
+            </a:r>
+          </a:p>
+        </p:txBody>
+      </p:sp>
+      <p:sp>
+        <p:nvSpPr>
+          <p:cNvPr id="22" name="TextBox 21">
+            <a:extLst>
+              <a:ext uri="{FF2B5EF4-FFF2-40B4-BE49-F238E27FC236}">
+                <a16:creationId xmlns:a16="http://schemas.microsoft.com/office/drawing/2014/main" id="{776B24C1-CEE5-7D6A-01D3-0911D14A72C1}"/>
+              </a:ext>
+            </a:extLst>
+          </p:cNvPr>
+          <p:cNvSpPr txBox="1"/>
+          <p:nvPr/>
+        </p:nvSpPr>
+        <p:spPr>
+          <a:xfrm>
+            <a:off x="1864487" y="52421"/>
+            <a:ext cx="8463025" cy="584775"/>
+          </a:xfrm>
+          <a:prstGeom prst="rect">
+            <a:avLst/>
+          </a:prstGeom>
+          <a:noFill/>
+        </p:spPr>
+        <p:txBody>
+          <a:bodyPr wrap="square" rtlCol="0">
+            <a:spAutoFit/>
+          </a:bodyPr>
+          <a:lstStyle/>
+          <a:p>
+            <a:pPr algn="ctr"/>
+            <a:r>
+              <a:rPr lang="en-US" sz="3200" b="1">
+                <a:solidFill>
+                  <a:srgbClr val="FF6600"/>
+                </a:solidFill>
+                <a:latin typeface="Arial"/>
+                <a:cs typeface="Arial"/>
+              </a:rPr>
+              <a:t>LAB 5314</a:t>
+            </a:r>
+            <a:endParaRPr lang="en-US" sz="3200" b="1" dirty="0">
+              <a:solidFill>
+                <a:srgbClr val="FF6600"/>
+              </a:solidFill>
+              <a:latin typeface="Arial"/>
+              <a:cs typeface="Arial"/>
+            </a:endParaRPr>
+          </a:p>
+        </p:txBody>
+      </p:sp>
+      <p:pic>
+        <p:nvPicPr>
+          <p:cNvPr id="25" name="Picture 24" descr="Dai Nam [PPT] Template 15.png">
+            <a:extLst>
+              <a:ext uri="{FF2B5EF4-FFF2-40B4-BE49-F238E27FC236}">
+                <a16:creationId xmlns:a16="http://schemas.microsoft.com/office/drawing/2014/main" id="{1B3FC9BB-D448-CF57-3AB6-4177FD47A2EC}"/>
+              </a:ext>
+            </a:extLst>
+          </p:cNvPr>
+          <p:cNvPicPr>
+            <a:picLocks noChangeAspect="1"/>
+          </p:cNvPicPr>
+          <p:nvPr/>
+        </p:nvPicPr>
+        <p:blipFill>
+          <a:blip r:embed="rId3" cstate="print">
+            <a:extLst>
+              <a:ext uri="{28A0092B-C50C-407E-A947-70E740481C1C}">
+                <a14:useLocalDpi xmlns:a14="http://schemas.microsoft.com/office/drawing/2010/main" val="0"/>
+              </a:ext>
+            </a:extLst>
+          </a:blip>
+          <a:stretch>
+            <a:fillRect/>
+          </a:stretch>
+        </p:blipFill>
+        <p:spPr>
+          <a:xfrm>
+            <a:off x="3199556" y="637196"/>
+            <a:ext cx="5792885" cy="17259"/>
+          </a:xfrm>
+          <a:prstGeom prst="rect">
+            <a:avLst/>
+          </a:prstGeom>
+        </p:spPr>
+      </p:pic>
+      <p:pic>
+        <p:nvPicPr>
+          <p:cNvPr id="3" name="Picture 2">
+            <a:extLst>
+              <a:ext uri="{FF2B5EF4-FFF2-40B4-BE49-F238E27FC236}">
+                <a16:creationId xmlns:a16="http://schemas.microsoft.com/office/drawing/2014/main" id="{5A7CDF0D-74AE-4378-B212-EFFF5E544EEA}"/>
+              </a:ext>
+            </a:extLst>
+          </p:cNvPr>
+          <p:cNvPicPr>
+            <a:picLocks noChangeAspect="1"/>
+          </p:cNvPicPr>
+          <p:nvPr/>
+        </p:nvPicPr>
+        <p:blipFill>
+          <a:blip r:embed="rId4"/>
+          <a:stretch>
+            <a:fillRect/>
+          </a:stretch>
+        </p:blipFill>
+        <p:spPr>
+          <a:xfrm>
+            <a:off x="1684455" y="766294"/>
+            <a:ext cx="8823085" cy="5547381"/>
+          </a:xfrm>
+          <a:prstGeom prst="rect">
+            <a:avLst/>
+          </a:prstGeom>
+        </p:spPr>
+      </p:pic>
+    </p:spTree>
+    <p:extLst>
+      <p:ext uri="{BB962C8B-B14F-4D97-AF65-F5344CB8AC3E}">
+        <p14:creationId xmlns:p14="http://schemas.microsoft.com/office/powerpoint/2010/main" val="221887787"/>
+      </p:ext>
+    </p:extLst>
+  </p:cSld>
+  <p:clrMapOvr>
+    <a:masterClrMapping/>
+  </p:clrMapOvr>
+</p:sld>
+</file>
+
+<file path=ppt/slides/slide2.xml><?xml version="1.0" encoding="utf-8"?>
+<p:sld xmlns:a="http://schemas.openxmlformats.org/drawingml/2006/main" xmlns:r="http://schemas.openxmlformats.org/officeDocument/2006/relationships" xmlns:p="http://schemas.openxmlformats.org/presentationml/2006/main">
+  <p:cSld>
+    <p:spTree>
+      <p:nvGrpSpPr>
+        <p:cNvPr id="1" name="">
+          <a:extLst>
+            <a:ext uri="{FF2B5EF4-FFF2-40B4-BE49-F238E27FC236}">
+              <a16:creationId xmlns:a16="http://schemas.microsoft.com/office/drawing/2014/main" id="{49DFC66B-F739-9EE4-9FD4-38C29CF1564A}"/>
+            </a:ext>
+          </a:extLst>
+        </p:cNvPr>
+        <p:cNvGrpSpPr/>
+        <p:nvPr/>
+      </p:nvGrpSpPr>
+      <p:grpSpPr>
+        <a:xfrm>
+          <a:off x="0" y="0"/>
+          <a:ext cx="0" cy="0"/>
+          <a:chOff x="0" y="0"/>
+          <a:chExt cx="0" cy="0"/>
+        </a:xfrm>
+      </p:grpSpPr>
+      <p:pic>
+        <p:nvPicPr>
+          <p:cNvPr id="10" name="Picture 9" descr="Dai Nam [PPT] Template 11.png">
+            <a:extLst>
+              <a:ext uri="{FF2B5EF4-FFF2-40B4-BE49-F238E27FC236}">
+                <a16:creationId xmlns:a16="http://schemas.microsoft.com/office/drawing/2014/main" id="{917F255A-6EFC-752E-1086-3C3C02F21856}"/>
+              </a:ext>
+            </a:extLst>
+          </p:cNvPr>
+          <p:cNvPicPr>
+            <a:picLocks noChangeAspect="1"/>
+          </p:cNvPicPr>
+          <p:nvPr/>
+        </p:nvPicPr>
+        <p:blipFill>
+          <a:blip r:embed="rId2" cstate="print">
+            <a:extLst>
+              <a:ext uri="{28A0092B-C50C-407E-A947-70E740481C1C}">
+                <a14:useLocalDpi xmlns:a14="http://schemas.microsoft.com/office/drawing/2010/main" val="0"/>
+              </a:ext>
+            </a:extLst>
+          </a:blip>
+          <a:stretch>
+            <a:fillRect/>
+          </a:stretch>
+        </p:blipFill>
+        <p:spPr>
+          <a:xfrm>
+            <a:off x="0" y="6347341"/>
+            <a:ext cx="12192000" cy="520416"/>
+          </a:xfrm>
+          <a:prstGeom prst="rect">
+            <a:avLst/>
+          </a:prstGeom>
+        </p:spPr>
+      </p:pic>
+      <p:sp>
+        <p:nvSpPr>
+          <p:cNvPr id="20" name="TextBox 19">
+            <a:extLst>
+              <a:ext uri="{FF2B5EF4-FFF2-40B4-BE49-F238E27FC236}">
+                <a16:creationId xmlns:a16="http://schemas.microsoft.com/office/drawing/2014/main" id="{8953BCDE-A8CD-CDBC-F046-AA75CB9F289E}"/>
+              </a:ext>
+            </a:extLst>
+          </p:cNvPr>
+          <p:cNvSpPr txBox="1"/>
+          <p:nvPr/>
+        </p:nvSpPr>
+        <p:spPr>
+          <a:xfrm>
+            <a:off x="2104966" y="6459180"/>
+            <a:ext cx="3727476" cy="298223"/>
+          </a:xfrm>
+          <a:prstGeom prst="rect">
+            <a:avLst/>
+          </a:prstGeom>
+          <a:noFill/>
+        </p:spPr>
+        <p:txBody>
+          <a:bodyPr wrap="square" rtlCol="0">
+            <a:spAutoFit/>
+          </a:bodyPr>
+          <a:lstStyle/>
+          <a:p>
+            <a:r>
+              <a:rPr lang="en-US" sz="1338" dirty="0">
+                <a:solidFill>
+                  <a:schemeClr val="bg1"/>
+                </a:solidFill>
+                <a:latin typeface="Arial"/>
+                <a:cs typeface="Arial"/>
+              </a:rPr>
+              <a:t>TÊN NGƯỜI TRÌNH BÀY</a:t>
+            </a:r>
+          </a:p>
+        </p:txBody>
+      </p:sp>
+      <p:sp>
+        <p:nvSpPr>
+          <p:cNvPr id="21" name="TextBox 20">
+            <a:extLst>
+              <a:ext uri="{FF2B5EF4-FFF2-40B4-BE49-F238E27FC236}">
+                <a16:creationId xmlns:a16="http://schemas.microsoft.com/office/drawing/2014/main" id="{8C76F4FC-5D30-56B4-7022-85D27782ECC2}"/>
+              </a:ext>
+            </a:extLst>
+          </p:cNvPr>
+          <p:cNvSpPr txBox="1"/>
+          <p:nvPr/>
+        </p:nvSpPr>
+        <p:spPr>
+          <a:xfrm>
+            <a:off x="9005970" y="6459180"/>
+            <a:ext cx="1824707" cy="270523"/>
+          </a:xfrm>
+          <a:prstGeom prst="rect">
+            <a:avLst/>
+          </a:prstGeom>
+          <a:noFill/>
+        </p:spPr>
+        <p:txBody>
+          <a:bodyPr wrap="square" rtlCol="0">
+            <a:spAutoFit/>
+          </a:bodyPr>
+          <a:lstStyle/>
+          <a:p>
+            <a:pPr algn="r"/>
+            <a:r>
+              <a:rPr lang="en-US" sz="1158" dirty="0">
+                <a:solidFill>
+                  <a:schemeClr val="bg1"/>
+                </a:solidFill>
+                <a:latin typeface="Arial"/>
+                <a:cs typeface="Arial"/>
+              </a:rPr>
+              <a:t>Slide: </a:t>
+            </a:r>
+            <a:r>
+              <a:rPr lang="en-US" sz="1158" dirty="0" err="1">
+                <a:solidFill>
+                  <a:schemeClr val="bg1"/>
+                </a:solidFill>
+                <a:latin typeface="Arial"/>
+                <a:cs typeface="Arial"/>
+              </a:rPr>
+              <a:t>số</a:t>
+            </a:r>
+            <a:r>
+              <a:rPr lang="en-US" sz="1158" dirty="0">
+                <a:solidFill>
+                  <a:schemeClr val="bg1"/>
+                </a:solidFill>
+                <a:latin typeface="Arial"/>
+                <a:cs typeface="Arial"/>
+              </a:rPr>
+              <a:t>….</a:t>
+            </a:r>
+          </a:p>
+        </p:txBody>
+      </p:sp>
+      <p:sp>
+        <p:nvSpPr>
+          <p:cNvPr id="22" name="TextBox 21">
+            <a:extLst>
+              <a:ext uri="{FF2B5EF4-FFF2-40B4-BE49-F238E27FC236}">
+                <a16:creationId xmlns:a16="http://schemas.microsoft.com/office/drawing/2014/main" id="{1F521B10-4591-1FFA-BCD4-458D7D67C588}"/>
+              </a:ext>
+            </a:extLst>
+          </p:cNvPr>
+          <p:cNvSpPr txBox="1"/>
+          <p:nvPr/>
+        </p:nvSpPr>
+        <p:spPr>
+          <a:xfrm>
+            <a:off x="1864487" y="52421"/>
+            <a:ext cx="8463025" cy="584775"/>
+          </a:xfrm>
+          <a:prstGeom prst="rect">
+            <a:avLst/>
+          </a:prstGeom>
+          <a:noFill/>
+        </p:spPr>
+        <p:txBody>
+          <a:bodyPr wrap="square" rtlCol="0">
+            <a:spAutoFit/>
+          </a:bodyPr>
+          <a:lstStyle/>
+          <a:p>
+            <a:pPr algn="ctr"/>
+            <a:r>
+              <a:rPr lang="en-US" sz="3200" b="1" dirty="0">
+                <a:solidFill>
+                  <a:srgbClr val="FF6600"/>
+                </a:solidFill>
+                <a:latin typeface="Arial"/>
+                <a:cs typeface="Arial"/>
+              </a:rPr>
+              <a:t>LAB 5313</a:t>
+            </a:r>
+          </a:p>
+        </p:txBody>
+      </p:sp>
+      <p:pic>
+        <p:nvPicPr>
+          <p:cNvPr id="25" name="Picture 24" descr="Dai Nam [PPT] Template 15.png">
+            <a:extLst>
+              <a:ext uri="{FF2B5EF4-FFF2-40B4-BE49-F238E27FC236}">
+                <a16:creationId xmlns:a16="http://schemas.microsoft.com/office/drawing/2014/main" id="{E6D727D6-68E1-47CA-DA2C-77508BB5D2EC}"/>
+              </a:ext>
+            </a:extLst>
+          </p:cNvPr>
+          <p:cNvPicPr>
+            <a:picLocks noChangeAspect="1"/>
+          </p:cNvPicPr>
+          <p:nvPr/>
+        </p:nvPicPr>
+        <p:blipFill>
+          <a:blip r:embed="rId3" cstate="print">
+            <a:extLst>
+              <a:ext uri="{28A0092B-C50C-407E-A947-70E740481C1C}">
+                <a14:useLocalDpi xmlns:a14="http://schemas.microsoft.com/office/drawing/2010/main" val="0"/>
+              </a:ext>
+            </a:extLst>
+          </a:blip>
+          <a:stretch>
+            <a:fillRect/>
+          </a:stretch>
+        </p:blipFill>
+        <p:spPr>
+          <a:xfrm>
+            <a:off x="3199556" y="637196"/>
+            <a:ext cx="5792885" cy="17259"/>
+          </a:xfrm>
+          <a:prstGeom prst="rect">
+            <a:avLst/>
+          </a:prstGeom>
+        </p:spPr>
+      </p:pic>
+      <p:pic>
+        <p:nvPicPr>
+          <p:cNvPr id="3" name="Picture 2">
+            <a:extLst>
+              <a:ext uri="{FF2B5EF4-FFF2-40B4-BE49-F238E27FC236}">
+                <a16:creationId xmlns:a16="http://schemas.microsoft.com/office/drawing/2014/main" id="{1DEEF6C4-742C-71F4-5697-A08476940A52}"/>
+              </a:ext>
+            </a:extLst>
+          </p:cNvPr>
+          <p:cNvPicPr>
+            <a:picLocks noChangeAspect="1"/>
+          </p:cNvPicPr>
+          <p:nvPr/>
+        </p:nvPicPr>
+        <p:blipFill>
+          <a:blip r:embed="rId4"/>
+          <a:stretch>
+            <a:fillRect/>
+          </a:stretch>
+        </p:blipFill>
+        <p:spPr>
+          <a:xfrm>
+            <a:off x="1864487" y="1504833"/>
+            <a:ext cx="9306176" cy="4416231"/>
+          </a:xfrm>
+          <a:prstGeom prst="rect">
+            <a:avLst/>
+          </a:prstGeom>
+        </p:spPr>
+      </p:pic>
+      <p:pic>
+        <p:nvPicPr>
+          <p:cNvPr id="5" name="Picture 4">
+            <a:extLst>
+              <a:ext uri="{FF2B5EF4-FFF2-40B4-BE49-F238E27FC236}">
+                <a16:creationId xmlns:a16="http://schemas.microsoft.com/office/drawing/2014/main" id="{8F04EBBB-1DFD-E8DB-DBFE-B1945C810035}"/>
+              </a:ext>
+            </a:extLst>
+          </p:cNvPr>
+          <p:cNvPicPr>
+            <a:picLocks noChangeAspect="1"/>
+          </p:cNvPicPr>
+          <p:nvPr/>
+        </p:nvPicPr>
+        <p:blipFill>
+          <a:blip r:embed="rId5"/>
+          <a:stretch>
+            <a:fillRect/>
+          </a:stretch>
+        </p:blipFill>
+        <p:spPr>
+          <a:xfrm>
+            <a:off x="3831117" y="821865"/>
+            <a:ext cx="4820323" cy="400106"/>
+          </a:xfrm>
+          <a:prstGeom prst="rect">
+            <a:avLst/>
+          </a:prstGeom>
+        </p:spPr>
+      </p:pic>
+    </p:spTree>
+    <p:extLst>
+      <p:ext uri="{BB962C8B-B14F-4D97-AF65-F5344CB8AC3E}">
+        <p14:creationId xmlns:p14="http://schemas.microsoft.com/office/powerpoint/2010/main" val="3931764356"/>
+      </p:ext>
+    </p:extLst>
+  </p:cSld>
+  <p:clrMapOvr>
+    <a:masterClrMapping/>
+  </p:clrMapOvr>
+</p:sld>
+</file>
+
+<file path=ppt/slides/slide20.xml><?xml version="1.0" encoding="utf-8"?>
+<p:sld xmlns:a="http://schemas.openxmlformats.org/drawingml/2006/main" xmlns:r="http://schemas.openxmlformats.org/officeDocument/2006/relationships" xmlns:p="http://schemas.openxmlformats.org/presentationml/2006/main">
+  <p:cSld>
+    <p:spTree>
+      <p:nvGrpSpPr>
+        <p:cNvPr id="1" name="">
+          <a:extLst>
+            <a:ext uri="{FF2B5EF4-FFF2-40B4-BE49-F238E27FC236}">
+              <a16:creationId xmlns:a16="http://schemas.microsoft.com/office/drawing/2014/main" id="{C72EBFBF-22C7-CB85-C00C-9B46430F244B}"/>
+            </a:ext>
+          </a:extLst>
+        </p:cNvPr>
+        <p:cNvGrpSpPr/>
+        <p:nvPr/>
+      </p:nvGrpSpPr>
+      <p:grpSpPr>
+        <a:xfrm>
+          <a:off x="0" y="0"/>
+          <a:ext cx="0" cy="0"/>
+          <a:chOff x="0" y="0"/>
+          <a:chExt cx="0" cy="0"/>
+        </a:xfrm>
+      </p:grpSpPr>
+      <p:pic>
+        <p:nvPicPr>
+          <p:cNvPr id="10" name="Picture 9" descr="Dai Nam [PPT] Template 11.png">
+            <a:extLst>
+              <a:ext uri="{FF2B5EF4-FFF2-40B4-BE49-F238E27FC236}">
+                <a16:creationId xmlns:a16="http://schemas.microsoft.com/office/drawing/2014/main" id="{CE8AB001-508B-47E0-6162-0CC1F215D3C6}"/>
+              </a:ext>
+            </a:extLst>
+          </p:cNvPr>
+          <p:cNvPicPr>
+            <a:picLocks noChangeAspect="1"/>
+          </p:cNvPicPr>
+          <p:nvPr/>
+        </p:nvPicPr>
+        <p:blipFill>
+          <a:blip r:embed="rId2" cstate="print">
+            <a:extLst>
+              <a:ext uri="{28A0092B-C50C-407E-A947-70E740481C1C}">
+                <a14:useLocalDpi xmlns:a14="http://schemas.microsoft.com/office/drawing/2010/main" val="0"/>
+              </a:ext>
+            </a:extLst>
+          </a:blip>
+          <a:stretch>
+            <a:fillRect/>
+          </a:stretch>
+        </p:blipFill>
+        <p:spPr>
+          <a:xfrm>
+            <a:off x="0" y="6347341"/>
+            <a:ext cx="12192000" cy="520416"/>
+          </a:xfrm>
+          <a:prstGeom prst="rect">
+            <a:avLst/>
+          </a:prstGeom>
+        </p:spPr>
+      </p:pic>
+      <p:sp>
+        <p:nvSpPr>
+          <p:cNvPr id="20" name="TextBox 19">
+            <a:extLst>
+              <a:ext uri="{FF2B5EF4-FFF2-40B4-BE49-F238E27FC236}">
+                <a16:creationId xmlns:a16="http://schemas.microsoft.com/office/drawing/2014/main" id="{DD214410-660D-1F6B-747B-65257B17F061}"/>
+              </a:ext>
+            </a:extLst>
+          </p:cNvPr>
+          <p:cNvSpPr txBox="1"/>
+          <p:nvPr/>
+        </p:nvSpPr>
+        <p:spPr>
+          <a:xfrm>
+            <a:off x="2104966" y="6459180"/>
+            <a:ext cx="3727476" cy="298223"/>
+          </a:xfrm>
+          <a:prstGeom prst="rect">
+            <a:avLst/>
+          </a:prstGeom>
+          <a:noFill/>
+        </p:spPr>
+        <p:txBody>
+          <a:bodyPr wrap="square" rtlCol="0">
+            <a:spAutoFit/>
+          </a:bodyPr>
+          <a:lstStyle/>
+          <a:p>
+            <a:r>
+              <a:rPr lang="en-US" sz="1338" dirty="0">
+                <a:solidFill>
+                  <a:schemeClr val="bg1"/>
+                </a:solidFill>
+                <a:latin typeface="Arial"/>
+                <a:cs typeface="Arial"/>
+              </a:rPr>
+              <a:t>TÊN NGƯỜI TRÌNH BÀY</a:t>
+            </a:r>
+          </a:p>
+        </p:txBody>
+      </p:sp>
+      <p:sp>
+        <p:nvSpPr>
+          <p:cNvPr id="21" name="TextBox 20">
+            <a:extLst>
+              <a:ext uri="{FF2B5EF4-FFF2-40B4-BE49-F238E27FC236}">
+                <a16:creationId xmlns:a16="http://schemas.microsoft.com/office/drawing/2014/main" id="{06809C88-F32B-A92F-1ADD-D8947FBC2437}"/>
+              </a:ext>
+            </a:extLst>
+          </p:cNvPr>
+          <p:cNvSpPr txBox="1"/>
+          <p:nvPr/>
+        </p:nvSpPr>
+        <p:spPr>
+          <a:xfrm>
+            <a:off x="9005970" y="6459180"/>
+            <a:ext cx="1824707" cy="270523"/>
+          </a:xfrm>
+          <a:prstGeom prst="rect">
+            <a:avLst/>
+          </a:prstGeom>
+          <a:noFill/>
+        </p:spPr>
+        <p:txBody>
+          <a:bodyPr wrap="square" rtlCol="0">
+            <a:spAutoFit/>
+          </a:bodyPr>
+          <a:lstStyle/>
+          <a:p>
+            <a:pPr algn="r"/>
+            <a:r>
+              <a:rPr lang="en-US" sz="1158" dirty="0">
+                <a:solidFill>
+                  <a:schemeClr val="bg1"/>
+                </a:solidFill>
+                <a:latin typeface="Arial"/>
+                <a:cs typeface="Arial"/>
+              </a:rPr>
+              <a:t>Slide: </a:t>
+            </a:r>
+            <a:r>
+              <a:rPr lang="en-US" sz="1158" dirty="0" err="1">
+                <a:solidFill>
+                  <a:schemeClr val="bg1"/>
+                </a:solidFill>
+                <a:latin typeface="Arial"/>
+                <a:cs typeface="Arial"/>
+              </a:rPr>
+              <a:t>số</a:t>
+            </a:r>
+            <a:r>
+              <a:rPr lang="en-US" sz="1158" dirty="0">
+                <a:solidFill>
+                  <a:schemeClr val="bg1"/>
+                </a:solidFill>
+                <a:latin typeface="Arial"/>
+                <a:cs typeface="Arial"/>
+              </a:rPr>
+              <a:t>….</a:t>
+            </a:r>
+          </a:p>
+        </p:txBody>
+      </p:sp>
+      <p:sp>
+        <p:nvSpPr>
+          <p:cNvPr id="22" name="TextBox 21">
+            <a:extLst>
+              <a:ext uri="{FF2B5EF4-FFF2-40B4-BE49-F238E27FC236}">
+                <a16:creationId xmlns:a16="http://schemas.microsoft.com/office/drawing/2014/main" id="{776B24C1-CEE5-7D6A-01D3-0911D14A72C1}"/>
+              </a:ext>
+            </a:extLst>
+          </p:cNvPr>
+          <p:cNvSpPr txBox="1"/>
+          <p:nvPr/>
+        </p:nvSpPr>
+        <p:spPr>
+          <a:xfrm>
+            <a:off x="1864487" y="52421"/>
+            <a:ext cx="8463025" cy="584775"/>
+          </a:xfrm>
+          <a:prstGeom prst="rect">
+            <a:avLst/>
+          </a:prstGeom>
+          <a:noFill/>
+        </p:spPr>
+        <p:txBody>
+          <a:bodyPr wrap="square" rtlCol="0">
+            <a:spAutoFit/>
+          </a:bodyPr>
+          <a:lstStyle/>
+          <a:p>
+            <a:pPr algn="ctr"/>
+            <a:r>
+              <a:rPr lang="en-US" sz="3200" b="1">
+                <a:solidFill>
+                  <a:srgbClr val="FF6600"/>
+                </a:solidFill>
+                <a:latin typeface="Arial"/>
+                <a:cs typeface="Arial"/>
+              </a:rPr>
+              <a:t>LAB 5314</a:t>
+            </a:r>
+            <a:endParaRPr lang="en-US" sz="3200" b="1" dirty="0">
+              <a:solidFill>
+                <a:srgbClr val="FF6600"/>
+              </a:solidFill>
+              <a:latin typeface="Arial"/>
+              <a:cs typeface="Arial"/>
+            </a:endParaRPr>
+          </a:p>
+        </p:txBody>
+      </p:sp>
+      <p:pic>
+        <p:nvPicPr>
+          <p:cNvPr id="25" name="Picture 24" descr="Dai Nam [PPT] Template 15.png">
+            <a:extLst>
+              <a:ext uri="{FF2B5EF4-FFF2-40B4-BE49-F238E27FC236}">
+                <a16:creationId xmlns:a16="http://schemas.microsoft.com/office/drawing/2014/main" id="{1B3FC9BB-D448-CF57-3AB6-4177FD47A2EC}"/>
+              </a:ext>
+            </a:extLst>
+          </p:cNvPr>
+          <p:cNvPicPr>
+            <a:picLocks noChangeAspect="1"/>
+          </p:cNvPicPr>
+          <p:nvPr/>
+        </p:nvPicPr>
+        <p:blipFill>
+          <a:blip r:embed="rId3" cstate="print">
+            <a:extLst>
+              <a:ext uri="{28A0092B-C50C-407E-A947-70E740481C1C}">
+                <a14:useLocalDpi xmlns:a14="http://schemas.microsoft.com/office/drawing/2010/main" val="0"/>
+              </a:ext>
+            </a:extLst>
+          </a:blip>
+          <a:stretch>
+            <a:fillRect/>
+          </a:stretch>
+        </p:blipFill>
+        <p:spPr>
+          <a:xfrm>
+            <a:off x="3199556" y="637196"/>
+            <a:ext cx="5792885" cy="17259"/>
+          </a:xfrm>
+          <a:prstGeom prst="rect">
+            <a:avLst/>
+          </a:prstGeom>
+        </p:spPr>
+      </p:pic>
+      <p:pic>
+        <p:nvPicPr>
+          <p:cNvPr id="3" name="Picture 2">
+            <a:extLst>
+              <a:ext uri="{FF2B5EF4-FFF2-40B4-BE49-F238E27FC236}">
+                <a16:creationId xmlns:a16="http://schemas.microsoft.com/office/drawing/2014/main" id="{27DC0668-73E3-4AE1-A62B-3FF1AF3BDA02}"/>
+              </a:ext>
+            </a:extLst>
+          </p:cNvPr>
+          <p:cNvPicPr>
+            <a:picLocks noChangeAspect="1"/>
+          </p:cNvPicPr>
+          <p:nvPr/>
+        </p:nvPicPr>
+        <p:blipFill>
+          <a:blip r:embed="rId4"/>
+          <a:stretch>
+            <a:fillRect/>
+          </a:stretch>
+        </p:blipFill>
+        <p:spPr>
+          <a:xfrm>
+            <a:off x="2738437" y="623887"/>
+            <a:ext cx="6715125" cy="5610225"/>
+          </a:xfrm>
+          <a:prstGeom prst="rect">
+            <a:avLst/>
+          </a:prstGeom>
+        </p:spPr>
+      </p:pic>
+    </p:spTree>
+    <p:extLst>
+      <p:ext uri="{BB962C8B-B14F-4D97-AF65-F5344CB8AC3E}">
+        <p14:creationId xmlns:p14="http://schemas.microsoft.com/office/powerpoint/2010/main" val="2239678299"/>
+      </p:ext>
+    </p:extLst>
+  </p:cSld>
+  <p:clrMapOvr>
+    <a:masterClrMapping/>
+  </p:clrMapOvr>
+</p:sld>
+</file>
+
+<file path=ppt/slides/slide21.xml><?xml version="1.0" encoding="utf-8"?>
+<p:sld xmlns:a="http://schemas.openxmlformats.org/drawingml/2006/main" xmlns:r="http://schemas.openxmlformats.org/officeDocument/2006/relationships" xmlns:p="http://schemas.openxmlformats.org/presentationml/2006/main" showMasterSp="0">
+  <p:cSld>
+    <p:spTree>
+      <p:nvGrpSpPr>
+        <p:cNvPr id="1" name="">
+          <a:extLst>
+            <a:ext uri="{FF2B5EF4-FFF2-40B4-BE49-F238E27FC236}">
+              <a16:creationId xmlns:a16="http://schemas.microsoft.com/office/drawing/2014/main" id="{F9108FBB-2C60-5C99-E283-B491B650900D}"/>
+            </a:ext>
+          </a:extLst>
+        </p:cNvPr>
+        <p:cNvGrpSpPr/>
+        <p:nvPr/>
+      </p:nvGrpSpPr>
+      <p:grpSpPr>
+        <a:xfrm>
+          <a:off x="0" y="0"/>
+          <a:ext cx="0" cy="0"/>
+          <a:chOff x="0" y="0"/>
+          <a:chExt cx="0" cy="0"/>
+        </a:xfrm>
+      </p:grpSpPr>
+      <p:pic>
+        <p:nvPicPr>
+          <p:cNvPr id="10" name="Picture 9" descr="Dai Nam [PPT] Template 11.png">
+            <a:extLst>
+              <a:ext uri="{FF2B5EF4-FFF2-40B4-BE49-F238E27FC236}">
+                <a16:creationId xmlns:a16="http://schemas.microsoft.com/office/drawing/2014/main" id="{8E7F055A-801F-CEFB-2B7E-EDDFB8DD5810}"/>
+              </a:ext>
+            </a:extLst>
+          </p:cNvPr>
+          <p:cNvPicPr>
+            <a:picLocks noChangeAspect="1"/>
+          </p:cNvPicPr>
+          <p:nvPr/>
+        </p:nvPicPr>
+        <p:blipFill>
+          <a:blip r:embed="rId2" cstate="print">
+            <a:extLst>
+              <a:ext uri="{28A0092B-C50C-407E-A947-70E740481C1C}">
+                <a14:useLocalDpi xmlns:a14="http://schemas.microsoft.com/office/drawing/2010/main" val="0"/>
+              </a:ext>
+            </a:extLst>
+          </a:blip>
+          <a:stretch>
+            <a:fillRect/>
+          </a:stretch>
+        </p:blipFill>
+        <p:spPr>
+          <a:xfrm>
+            <a:off x="0" y="6347341"/>
+            <a:ext cx="12192000" cy="520416"/>
+          </a:xfrm>
+          <a:prstGeom prst="rect">
+            <a:avLst/>
+          </a:prstGeom>
+        </p:spPr>
+      </p:pic>
+      <p:sp>
+        <p:nvSpPr>
+          <p:cNvPr id="20" name="TextBox 19">
+            <a:extLst>
+              <a:ext uri="{FF2B5EF4-FFF2-40B4-BE49-F238E27FC236}">
+                <a16:creationId xmlns:a16="http://schemas.microsoft.com/office/drawing/2014/main" id="{3C61B269-1F2A-3EA9-EA2F-A41C5D289CC2}"/>
+              </a:ext>
+            </a:extLst>
+          </p:cNvPr>
+          <p:cNvSpPr txBox="1"/>
+          <p:nvPr/>
+        </p:nvSpPr>
+        <p:spPr>
+          <a:xfrm>
+            <a:off x="2104966" y="6459180"/>
+            <a:ext cx="3727476" cy="298223"/>
+          </a:xfrm>
+          <a:prstGeom prst="rect">
+            <a:avLst/>
+          </a:prstGeom>
+          <a:noFill/>
+        </p:spPr>
+        <p:txBody>
+          <a:bodyPr wrap="square" rtlCol="0">
+            <a:spAutoFit/>
+          </a:bodyPr>
+          <a:lstStyle/>
+          <a:p>
+            <a:r>
+              <a:rPr lang="en-US" sz="1338" dirty="0">
+                <a:solidFill>
+                  <a:schemeClr val="bg1"/>
+                </a:solidFill>
+                <a:latin typeface="Arial"/>
+                <a:cs typeface="Arial"/>
+              </a:rPr>
+              <a:t>TÊN NGƯỜI TRÌNH BÀY</a:t>
+            </a:r>
+          </a:p>
+        </p:txBody>
+      </p:sp>
+      <p:sp>
+        <p:nvSpPr>
+          <p:cNvPr id="21" name="TextBox 20">
+            <a:extLst>
+              <a:ext uri="{FF2B5EF4-FFF2-40B4-BE49-F238E27FC236}">
+                <a16:creationId xmlns:a16="http://schemas.microsoft.com/office/drawing/2014/main" id="{69CB5059-3477-F582-B1D4-0C55CFADFCB4}"/>
+              </a:ext>
+            </a:extLst>
+          </p:cNvPr>
+          <p:cNvSpPr txBox="1"/>
+          <p:nvPr/>
+        </p:nvSpPr>
+        <p:spPr>
+          <a:xfrm>
+            <a:off x="9005970" y="6459180"/>
+            <a:ext cx="1824707" cy="270523"/>
+          </a:xfrm>
+          <a:prstGeom prst="rect">
+            <a:avLst/>
+          </a:prstGeom>
+          <a:noFill/>
+        </p:spPr>
+        <p:txBody>
+          <a:bodyPr wrap="square" rtlCol="0">
+            <a:spAutoFit/>
+          </a:bodyPr>
+          <a:lstStyle/>
+          <a:p>
+            <a:pPr algn="r"/>
+            <a:r>
+              <a:rPr lang="en-US" sz="1158" dirty="0">
+                <a:solidFill>
+                  <a:schemeClr val="bg1"/>
+                </a:solidFill>
+                <a:latin typeface="Arial"/>
+                <a:cs typeface="Arial"/>
+              </a:rPr>
+              <a:t>Slide: </a:t>
+            </a:r>
+            <a:r>
+              <a:rPr lang="en-US" sz="1158" dirty="0" err="1">
+                <a:solidFill>
+                  <a:schemeClr val="bg1"/>
+                </a:solidFill>
+                <a:latin typeface="Arial"/>
+                <a:cs typeface="Arial"/>
+              </a:rPr>
+              <a:t>số</a:t>
+            </a:r>
+            <a:r>
+              <a:rPr lang="en-US" sz="1158" dirty="0">
+                <a:solidFill>
+                  <a:schemeClr val="bg1"/>
+                </a:solidFill>
+                <a:latin typeface="Arial"/>
+                <a:cs typeface="Arial"/>
+              </a:rPr>
+              <a:t>….</a:t>
+            </a:r>
+          </a:p>
+        </p:txBody>
+      </p:sp>
+      <p:sp>
+        <p:nvSpPr>
+          <p:cNvPr id="22" name="TextBox 21">
+            <a:extLst>
+              <a:ext uri="{FF2B5EF4-FFF2-40B4-BE49-F238E27FC236}">
+                <a16:creationId xmlns:a16="http://schemas.microsoft.com/office/drawing/2014/main" id="{E70D351A-6F1C-98C8-3CEB-E5D739DDDD06}"/>
+              </a:ext>
+            </a:extLst>
+          </p:cNvPr>
+          <p:cNvSpPr txBox="1"/>
+          <p:nvPr/>
+        </p:nvSpPr>
+        <p:spPr>
+          <a:xfrm>
+            <a:off x="1864487" y="52421"/>
+            <a:ext cx="8463025" cy="584775"/>
+          </a:xfrm>
+          <a:prstGeom prst="rect">
+            <a:avLst/>
+          </a:prstGeom>
+          <a:noFill/>
+        </p:spPr>
+        <p:txBody>
+          <a:bodyPr wrap="square" rtlCol="0">
+            <a:spAutoFit/>
+          </a:bodyPr>
+          <a:lstStyle/>
+          <a:p>
+            <a:pPr algn="ctr"/>
+            <a:r>
+              <a:rPr lang="en-US" sz="3200" b="1">
+                <a:solidFill>
+                  <a:srgbClr val="FF6600"/>
+                </a:solidFill>
+                <a:latin typeface="Arial"/>
+                <a:cs typeface="Arial"/>
+              </a:rPr>
+              <a:t>LAB 5315</a:t>
+            </a:r>
+            <a:endParaRPr lang="en-US" sz="3200" b="1" dirty="0">
+              <a:solidFill>
+                <a:srgbClr val="FF6600"/>
+              </a:solidFill>
+              <a:latin typeface="Arial"/>
+              <a:cs typeface="Arial"/>
+            </a:endParaRPr>
+          </a:p>
+        </p:txBody>
+      </p:sp>
+      <p:pic>
+        <p:nvPicPr>
+          <p:cNvPr id="25" name="Picture 24" descr="Dai Nam [PPT] Template 15.png">
+            <a:extLst>
+              <a:ext uri="{FF2B5EF4-FFF2-40B4-BE49-F238E27FC236}">
+                <a16:creationId xmlns:a16="http://schemas.microsoft.com/office/drawing/2014/main" id="{7E06523E-3B10-60FD-ADEA-38AAE747B2B6}"/>
+              </a:ext>
+            </a:extLst>
+          </p:cNvPr>
+          <p:cNvPicPr>
+            <a:picLocks noChangeAspect="1"/>
+          </p:cNvPicPr>
+          <p:nvPr/>
+        </p:nvPicPr>
+        <p:blipFill>
+          <a:blip r:embed="rId3" cstate="print">
+            <a:extLst>
+              <a:ext uri="{28A0092B-C50C-407E-A947-70E740481C1C}">
+                <a14:useLocalDpi xmlns:a14="http://schemas.microsoft.com/office/drawing/2010/main" val="0"/>
+              </a:ext>
+            </a:extLst>
+          </a:blip>
+          <a:stretch>
+            <a:fillRect/>
+          </a:stretch>
+        </p:blipFill>
+        <p:spPr>
+          <a:xfrm>
+            <a:off x="3199556" y="637196"/>
+            <a:ext cx="5792885" cy="17259"/>
+          </a:xfrm>
+          <a:prstGeom prst="rect">
+            <a:avLst/>
+          </a:prstGeom>
+        </p:spPr>
+      </p:pic>
+      <p:pic>
+        <p:nvPicPr>
+          <p:cNvPr id="3" name="Picture 2" descr="A screenshot of a computer&#10;&#10;AI-generated content may be incorrect.">
+            <a:extLst>
+              <a:ext uri="{FF2B5EF4-FFF2-40B4-BE49-F238E27FC236}">
+                <a16:creationId xmlns:a16="http://schemas.microsoft.com/office/drawing/2014/main" id="{0AA2A8A8-F39B-3D52-9359-5FBB8E752021}"/>
+              </a:ext>
+            </a:extLst>
+          </p:cNvPr>
+          <p:cNvPicPr>
+            <a:picLocks noChangeAspect="1"/>
+          </p:cNvPicPr>
+          <p:nvPr/>
+        </p:nvPicPr>
+        <p:blipFill>
+          <a:blip r:embed="rId4"/>
+          <a:stretch>
+            <a:fillRect/>
+          </a:stretch>
+        </p:blipFill>
+        <p:spPr>
+          <a:xfrm>
+            <a:off x="1551941" y="1428471"/>
+            <a:ext cx="9088118" cy="4001058"/>
+          </a:xfrm>
+          <a:prstGeom prst="rect">
+            <a:avLst/>
+          </a:prstGeom>
+          <a:ln>
+            <a:noFill/>
+          </a:ln>
+          <a:effectLst>
+            <a:outerShdw blurRad="292100" dist="139700" dir="2700000" algn="tl" rotWithShape="0">
+              <a:srgbClr val="333333">
+                <a:alpha val="65000"/>
+              </a:srgbClr>
+            </a:outerShdw>
+          </a:effectLst>
+        </p:spPr>
+      </p:pic>
+    </p:spTree>
+    <p:extLst>
+      <p:ext uri="{BB962C8B-B14F-4D97-AF65-F5344CB8AC3E}">
+        <p14:creationId xmlns:p14="http://schemas.microsoft.com/office/powerpoint/2010/main" val="436481124"/>
+      </p:ext>
+    </p:extLst>
+  </p:cSld>
+  <p:clrMapOvr>
+    <a:masterClrMapping/>
+  </p:clrMapOvr>
+</p:sld>
+</file>
+
+<file path=ppt/slides/slide22.xml><?xml version="1.0" encoding="utf-8"?>
+<p:sld xmlns:a="http://schemas.openxmlformats.org/drawingml/2006/main" xmlns:r="http://schemas.openxmlformats.org/officeDocument/2006/relationships" xmlns:p="http://schemas.openxmlformats.org/presentationml/2006/main" showMasterSp="0">
+  <p:cSld>
+    <p:spTree>
+      <p:nvGrpSpPr>
+        <p:cNvPr id="1" name="">
+          <a:extLst>
+            <a:ext uri="{FF2B5EF4-FFF2-40B4-BE49-F238E27FC236}">
+              <a16:creationId xmlns:a16="http://schemas.microsoft.com/office/drawing/2014/main" id="{4587360E-09E3-9007-18E7-0969EB917FBB}"/>
+            </a:ext>
+          </a:extLst>
+        </p:cNvPr>
+        <p:cNvGrpSpPr/>
+        <p:nvPr/>
+      </p:nvGrpSpPr>
+      <p:grpSpPr>
+        <a:xfrm>
+          <a:off x="0" y="0"/>
+          <a:ext cx="0" cy="0"/>
+          <a:chOff x="0" y="0"/>
+          <a:chExt cx="0" cy="0"/>
+        </a:xfrm>
+      </p:grpSpPr>
+      <p:pic>
+        <p:nvPicPr>
+          <p:cNvPr id="10" name="Picture 9" descr="Dai Nam [PPT] Template 11.png">
+            <a:extLst>
+              <a:ext uri="{FF2B5EF4-FFF2-40B4-BE49-F238E27FC236}">
+                <a16:creationId xmlns:a16="http://schemas.microsoft.com/office/drawing/2014/main" id="{F46A436A-56F7-157A-E0CB-D802D80FC6DD}"/>
+              </a:ext>
+            </a:extLst>
+          </p:cNvPr>
+          <p:cNvPicPr>
+            <a:picLocks noChangeAspect="1"/>
+          </p:cNvPicPr>
+          <p:nvPr/>
+        </p:nvPicPr>
+        <p:blipFill>
+          <a:blip r:embed="rId2" cstate="print">
+            <a:extLst>
+              <a:ext uri="{28A0092B-C50C-407E-A947-70E740481C1C}">
+                <a14:useLocalDpi xmlns:a14="http://schemas.microsoft.com/office/drawing/2010/main" val="0"/>
+              </a:ext>
+            </a:extLst>
+          </a:blip>
+          <a:stretch>
+            <a:fillRect/>
+          </a:stretch>
+        </p:blipFill>
+        <p:spPr>
+          <a:xfrm>
+            <a:off x="0" y="6347341"/>
+            <a:ext cx="12192000" cy="520416"/>
+          </a:xfrm>
+          <a:prstGeom prst="rect">
+            <a:avLst/>
+          </a:prstGeom>
+        </p:spPr>
+      </p:pic>
+      <p:sp>
+        <p:nvSpPr>
+          <p:cNvPr id="20" name="TextBox 19">
+            <a:extLst>
+              <a:ext uri="{FF2B5EF4-FFF2-40B4-BE49-F238E27FC236}">
+                <a16:creationId xmlns:a16="http://schemas.microsoft.com/office/drawing/2014/main" id="{2A22A800-7E4A-06D1-B228-84C5BC76D44E}"/>
+              </a:ext>
+            </a:extLst>
+          </p:cNvPr>
+          <p:cNvSpPr txBox="1"/>
+          <p:nvPr/>
+        </p:nvSpPr>
+        <p:spPr>
+          <a:xfrm>
+            <a:off x="2104966" y="6459180"/>
+            <a:ext cx="3727476" cy="298223"/>
+          </a:xfrm>
+          <a:prstGeom prst="rect">
+            <a:avLst/>
+          </a:prstGeom>
+          <a:noFill/>
+        </p:spPr>
+        <p:txBody>
+          <a:bodyPr wrap="square" rtlCol="0">
+            <a:spAutoFit/>
+          </a:bodyPr>
+          <a:lstStyle/>
+          <a:p>
+            <a:r>
+              <a:rPr lang="en-US" sz="1338" dirty="0">
+                <a:solidFill>
+                  <a:schemeClr val="bg1"/>
+                </a:solidFill>
+                <a:latin typeface="Arial"/>
+                <a:cs typeface="Arial"/>
+              </a:rPr>
+              <a:t>TÊN NGƯỜI TRÌNH BÀY</a:t>
+            </a:r>
+          </a:p>
+        </p:txBody>
+      </p:sp>
+      <p:sp>
+        <p:nvSpPr>
+          <p:cNvPr id="21" name="TextBox 20">
+            <a:extLst>
+              <a:ext uri="{FF2B5EF4-FFF2-40B4-BE49-F238E27FC236}">
+                <a16:creationId xmlns:a16="http://schemas.microsoft.com/office/drawing/2014/main" id="{F852F377-A6A9-FF9E-C6B5-3812631863FA}"/>
+              </a:ext>
+            </a:extLst>
+          </p:cNvPr>
+          <p:cNvSpPr txBox="1"/>
+          <p:nvPr/>
+        </p:nvSpPr>
+        <p:spPr>
+          <a:xfrm>
+            <a:off x="9005970" y="6459180"/>
+            <a:ext cx="1824707" cy="270523"/>
+          </a:xfrm>
+          <a:prstGeom prst="rect">
+            <a:avLst/>
+          </a:prstGeom>
+          <a:noFill/>
+        </p:spPr>
+        <p:txBody>
+          <a:bodyPr wrap="square" rtlCol="0">
+            <a:spAutoFit/>
+          </a:bodyPr>
+          <a:lstStyle/>
+          <a:p>
+            <a:pPr algn="r"/>
+            <a:r>
+              <a:rPr lang="en-US" sz="1158" dirty="0">
+                <a:solidFill>
+                  <a:schemeClr val="bg1"/>
+                </a:solidFill>
+                <a:latin typeface="Arial"/>
+                <a:cs typeface="Arial"/>
+              </a:rPr>
+              <a:t>Slide: </a:t>
+            </a:r>
+            <a:r>
+              <a:rPr lang="en-US" sz="1158" dirty="0" err="1">
+                <a:solidFill>
+                  <a:schemeClr val="bg1"/>
+                </a:solidFill>
+                <a:latin typeface="Arial"/>
+                <a:cs typeface="Arial"/>
+              </a:rPr>
+              <a:t>số</a:t>
+            </a:r>
+            <a:r>
+              <a:rPr lang="en-US" sz="1158" dirty="0">
+                <a:solidFill>
+                  <a:schemeClr val="bg1"/>
+                </a:solidFill>
+                <a:latin typeface="Arial"/>
+                <a:cs typeface="Arial"/>
+              </a:rPr>
+              <a:t>….</a:t>
+            </a:r>
+          </a:p>
+        </p:txBody>
+      </p:sp>
+      <p:sp>
+        <p:nvSpPr>
+          <p:cNvPr id="22" name="TextBox 21">
+            <a:extLst>
+              <a:ext uri="{FF2B5EF4-FFF2-40B4-BE49-F238E27FC236}">
+                <a16:creationId xmlns:a16="http://schemas.microsoft.com/office/drawing/2014/main" id="{471F52DB-6546-C488-78FD-202C3CA72BEB}"/>
+              </a:ext>
+            </a:extLst>
+          </p:cNvPr>
+          <p:cNvSpPr txBox="1"/>
+          <p:nvPr/>
+        </p:nvSpPr>
+        <p:spPr>
+          <a:xfrm>
+            <a:off x="1864487" y="52421"/>
+            <a:ext cx="8463025" cy="584775"/>
+          </a:xfrm>
+          <a:prstGeom prst="rect">
+            <a:avLst/>
+          </a:prstGeom>
+          <a:noFill/>
+        </p:spPr>
+        <p:txBody>
+          <a:bodyPr wrap="square" rtlCol="0">
+            <a:spAutoFit/>
+          </a:bodyPr>
+          <a:lstStyle/>
+          <a:p>
+            <a:pPr algn="ctr"/>
+            <a:r>
+              <a:rPr lang="en-US" sz="3200" b="1">
+                <a:solidFill>
+                  <a:srgbClr val="FF6600"/>
+                </a:solidFill>
+                <a:latin typeface="Arial"/>
+                <a:cs typeface="Arial"/>
+              </a:rPr>
+              <a:t>LAB 5315</a:t>
+            </a:r>
+            <a:endParaRPr lang="en-US" sz="3200" b="1" dirty="0">
+              <a:solidFill>
+                <a:srgbClr val="FF6600"/>
+              </a:solidFill>
+              <a:latin typeface="Arial"/>
+              <a:cs typeface="Arial"/>
+            </a:endParaRPr>
+          </a:p>
+        </p:txBody>
+      </p:sp>
+      <p:pic>
+        <p:nvPicPr>
+          <p:cNvPr id="25" name="Picture 24" descr="Dai Nam [PPT] Template 15.png">
+            <a:extLst>
+              <a:ext uri="{FF2B5EF4-FFF2-40B4-BE49-F238E27FC236}">
+                <a16:creationId xmlns:a16="http://schemas.microsoft.com/office/drawing/2014/main" id="{4BB6A315-4CD6-73E9-61AB-CCCC74E0D8FE}"/>
+              </a:ext>
+            </a:extLst>
+          </p:cNvPr>
+          <p:cNvPicPr>
+            <a:picLocks noChangeAspect="1"/>
+          </p:cNvPicPr>
+          <p:nvPr/>
+        </p:nvPicPr>
+        <p:blipFill>
+          <a:blip r:embed="rId3" cstate="print">
+            <a:extLst>
+              <a:ext uri="{28A0092B-C50C-407E-A947-70E740481C1C}">
+                <a14:useLocalDpi xmlns:a14="http://schemas.microsoft.com/office/drawing/2010/main" val="0"/>
+              </a:ext>
+            </a:extLst>
+          </a:blip>
+          <a:stretch>
+            <a:fillRect/>
+          </a:stretch>
+        </p:blipFill>
+        <p:spPr>
+          <a:xfrm>
+            <a:off x="3199556" y="637196"/>
+            <a:ext cx="5792885" cy="17259"/>
+          </a:xfrm>
+          <a:prstGeom prst="rect">
+            <a:avLst/>
+          </a:prstGeom>
+        </p:spPr>
+      </p:pic>
+      <p:pic>
+        <p:nvPicPr>
+          <p:cNvPr id="4" name="Picture 3" descr="A group of graphs with different colored bars&#10;&#10;AI-generated content may be incorrect.">
+            <a:extLst>
+              <a:ext uri="{FF2B5EF4-FFF2-40B4-BE49-F238E27FC236}">
+                <a16:creationId xmlns:a16="http://schemas.microsoft.com/office/drawing/2014/main" id="{38F87991-733C-1BB4-D502-883A174A3817}"/>
+              </a:ext>
+            </a:extLst>
+          </p:cNvPr>
+          <p:cNvPicPr>
+            <a:picLocks noChangeAspect="1"/>
+          </p:cNvPicPr>
+          <p:nvPr/>
+        </p:nvPicPr>
+        <p:blipFill>
+          <a:blip r:embed="rId4"/>
+          <a:stretch>
+            <a:fillRect/>
+          </a:stretch>
+        </p:blipFill>
+        <p:spPr>
+          <a:xfrm>
+            <a:off x="2347109" y="766294"/>
+            <a:ext cx="7497781" cy="5471769"/>
+          </a:xfrm>
+          <a:prstGeom prst="rect">
+            <a:avLst/>
+          </a:prstGeom>
+        </p:spPr>
+      </p:pic>
+    </p:spTree>
+    <p:extLst>
+      <p:ext uri="{BB962C8B-B14F-4D97-AF65-F5344CB8AC3E}">
+        <p14:creationId xmlns:p14="http://schemas.microsoft.com/office/powerpoint/2010/main" val="3856108673"/>
+      </p:ext>
+    </p:extLst>
+  </p:cSld>
+  <p:clrMapOvr>
+    <a:masterClrMapping/>
+  </p:clrMapOvr>
+</p:sld>
+</file>
+
+<file path=ppt/slides/slide23.xml><?xml version="1.0" encoding="utf-8"?>
+<p:sld xmlns:a="http://schemas.openxmlformats.org/drawingml/2006/main" xmlns:r="http://schemas.openxmlformats.org/officeDocument/2006/relationships" xmlns:p="http://schemas.openxmlformats.org/presentationml/2006/main" showMasterSp="0">
+  <p:cSld>
+    <p:spTree>
+      <p:nvGrpSpPr>
+        <p:cNvPr id="1" name="">
+          <a:extLst>
+            <a:ext uri="{FF2B5EF4-FFF2-40B4-BE49-F238E27FC236}">
+              <a16:creationId xmlns:a16="http://schemas.microsoft.com/office/drawing/2014/main" id="{B99C7194-71AC-B99B-C362-5B435A15AE37}"/>
+            </a:ext>
+          </a:extLst>
+        </p:cNvPr>
+        <p:cNvGrpSpPr/>
+        <p:nvPr/>
+      </p:nvGrpSpPr>
+      <p:grpSpPr>
+        <a:xfrm>
+          <a:off x="0" y="0"/>
+          <a:ext cx="0" cy="0"/>
+          <a:chOff x="0" y="0"/>
+          <a:chExt cx="0" cy="0"/>
+        </a:xfrm>
+      </p:grpSpPr>
+      <p:pic>
+        <p:nvPicPr>
+          <p:cNvPr id="10" name="Picture 9" descr="Dai Nam [PPT] Template 11.png">
+            <a:extLst>
+              <a:ext uri="{FF2B5EF4-FFF2-40B4-BE49-F238E27FC236}">
+                <a16:creationId xmlns:a16="http://schemas.microsoft.com/office/drawing/2014/main" id="{CF7AEF3C-595D-BC12-F5E0-4FDDDD99667E}"/>
+              </a:ext>
+            </a:extLst>
+          </p:cNvPr>
+          <p:cNvPicPr>
+            <a:picLocks noChangeAspect="1"/>
+          </p:cNvPicPr>
+          <p:nvPr/>
+        </p:nvPicPr>
+        <p:blipFill>
+          <a:blip r:embed="rId2" cstate="print">
+            <a:extLst>
+              <a:ext uri="{28A0092B-C50C-407E-A947-70E740481C1C}">
+                <a14:useLocalDpi xmlns:a14="http://schemas.microsoft.com/office/drawing/2010/main" val="0"/>
+              </a:ext>
+            </a:extLst>
+          </a:blip>
+          <a:stretch>
+            <a:fillRect/>
+          </a:stretch>
+        </p:blipFill>
+        <p:spPr>
+          <a:xfrm>
+            <a:off x="0" y="6347341"/>
+            <a:ext cx="12192000" cy="520416"/>
+          </a:xfrm>
+          <a:prstGeom prst="rect">
+            <a:avLst/>
+          </a:prstGeom>
+        </p:spPr>
+      </p:pic>
+      <p:sp>
+        <p:nvSpPr>
+          <p:cNvPr id="20" name="TextBox 19">
+            <a:extLst>
+              <a:ext uri="{FF2B5EF4-FFF2-40B4-BE49-F238E27FC236}">
+                <a16:creationId xmlns:a16="http://schemas.microsoft.com/office/drawing/2014/main" id="{58BFEE08-F04F-9E28-68FD-1A42C0169D84}"/>
+              </a:ext>
+            </a:extLst>
+          </p:cNvPr>
+          <p:cNvSpPr txBox="1"/>
+          <p:nvPr/>
+        </p:nvSpPr>
+        <p:spPr>
+          <a:xfrm>
+            <a:off x="2104966" y="6459180"/>
+            <a:ext cx="3727476" cy="298223"/>
+          </a:xfrm>
+          <a:prstGeom prst="rect">
+            <a:avLst/>
+          </a:prstGeom>
+          <a:noFill/>
+        </p:spPr>
+        <p:txBody>
+          <a:bodyPr wrap="square" rtlCol="0">
+            <a:spAutoFit/>
+          </a:bodyPr>
+          <a:lstStyle/>
+          <a:p>
+            <a:r>
+              <a:rPr lang="en-US" sz="1338" dirty="0">
+                <a:solidFill>
+                  <a:schemeClr val="bg1"/>
+                </a:solidFill>
+                <a:latin typeface="Arial"/>
+                <a:cs typeface="Arial"/>
+              </a:rPr>
+              <a:t>TÊN NGƯỜI TRÌNH BÀY</a:t>
+            </a:r>
+          </a:p>
+        </p:txBody>
+      </p:sp>
+      <p:sp>
+        <p:nvSpPr>
+          <p:cNvPr id="21" name="TextBox 20">
+            <a:extLst>
+              <a:ext uri="{FF2B5EF4-FFF2-40B4-BE49-F238E27FC236}">
+                <a16:creationId xmlns:a16="http://schemas.microsoft.com/office/drawing/2014/main" id="{61977FF2-4613-8480-10B1-7AFC2C0DB2BF}"/>
+              </a:ext>
+            </a:extLst>
+          </p:cNvPr>
+          <p:cNvSpPr txBox="1"/>
+          <p:nvPr/>
+        </p:nvSpPr>
+        <p:spPr>
+          <a:xfrm>
+            <a:off x="9005970" y="6459180"/>
+            <a:ext cx="1824707" cy="270523"/>
+          </a:xfrm>
+          <a:prstGeom prst="rect">
+            <a:avLst/>
+          </a:prstGeom>
+          <a:noFill/>
+        </p:spPr>
+        <p:txBody>
+          <a:bodyPr wrap="square" rtlCol="0">
+            <a:spAutoFit/>
+          </a:bodyPr>
+          <a:lstStyle/>
+          <a:p>
+            <a:pPr algn="r"/>
+            <a:r>
+              <a:rPr lang="en-US" sz="1158" dirty="0">
+                <a:solidFill>
+                  <a:schemeClr val="bg1"/>
+                </a:solidFill>
+                <a:latin typeface="Arial"/>
+                <a:cs typeface="Arial"/>
+              </a:rPr>
+              <a:t>Slide: </a:t>
+            </a:r>
+            <a:r>
+              <a:rPr lang="en-US" sz="1158" dirty="0" err="1">
+                <a:solidFill>
+                  <a:schemeClr val="bg1"/>
+                </a:solidFill>
+                <a:latin typeface="Arial"/>
+                <a:cs typeface="Arial"/>
+              </a:rPr>
+              <a:t>số</a:t>
+            </a:r>
+            <a:r>
+              <a:rPr lang="en-US" sz="1158" dirty="0">
+                <a:solidFill>
+                  <a:schemeClr val="bg1"/>
+                </a:solidFill>
+                <a:latin typeface="Arial"/>
+                <a:cs typeface="Arial"/>
+              </a:rPr>
+              <a:t>….</a:t>
+            </a:r>
+          </a:p>
+        </p:txBody>
+      </p:sp>
+      <p:sp>
+        <p:nvSpPr>
+          <p:cNvPr id="22" name="TextBox 21">
+            <a:extLst>
+              <a:ext uri="{FF2B5EF4-FFF2-40B4-BE49-F238E27FC236}">
+                <a16:creationId xmlns:a16="http://schemas.microsoft.com/office/drawing/2014/main" id="{EA73D22B-37CE-9856-E2EF-D743CDD27299}"/>
+              </a:ext>
+            </a:extLst>
+          </p:cNvPr>
+          <p:cNvSpPr txBox="1"/>
+          <p:nvPr/>
+        </p:nvSpPr>
+        <p:spPr>
+          <a:xfrm>
+            <a:off x="1864487" y="52421"/>
+            <a:ext cx="8463025" cy="584775"/>
+          </a:xfrm>
+          <a:prstGeom prst="rect">
+            <a:avLst/>
+          </a:prstGeom>
+          <a:noFill/>
+        </p:spPr>
+        <p:txBody>
+          <a:bodyPr wrap="square" rtlCol="0">
+            <a:spAutoFit/>
+          </a:bodyPr>
+          <a:lstStyle/>
+          <a:p>
+            <a:pPr algn="ctr"/>
+            <a:r>
+              <a:rPr lang="en-US" sz="3200" b="1">
+                <a:solidFill>
+                  <a:srgbClr val="FF6600"/>
+                </a:solidFill>
+                <a:latin typeface="Arial"/>
+                <a:cs typeface="Arial"/>
+              </a:rPr>
+              <a:t>LAB 5315</a:t>
+            </a:r>
+            <a:endParaRPr lang="en-US" sz="3200" b="1" dirty="0">
+              <a:solidFill>
+                <a:srgbClr val="FF6600"/>
+              </a:solidFill>
+              <a:latin typeface="Arial"/>
+              <a:cs typeface="Arial"/>
+            </a:endParaRPr>
+          </a:p>
+        </p:txBody>
+      </p:sp>
+      <p:pic>
+        <p:nvPicPr>
+          <p:cNvPr id="25" name="Picture 24" descr="Dai Nam [PPT] Template 15.png">
+            <a:extLst>
+              <a:ext uri="{FF2B5EF4-FFF2-40B4-BE49-F238E27FC236}">
+                <a16:creationId xmlns:a16="http://schemas.microsoft.com/office/drawing/2014/main" id="{C1CEDC4A-8696-91CA-AB2F-0776D1ABAC77}"/>
+              </a:ext>
+            </a:extLst>
+          </p:cNvPr>
+          <p:cNvPicPr>
+            <a:picLocks noChangeAspect="1"/>
+          </p:cNvPicPr>
+          <p:nvPr/>
+        </p:nvPicPr>
+        <p:blipFill>
+          <a:blip r:embed="rId3" cstate="print">
+            <a:extLst>
+              <a:ext uri="{28A0092B-C50C-407E-A947-70E740481C1C}">
+                <a14:useLocalDpi xmlns:a14="http://schemas.microsoft.com/office/drawing/2010/main" val="0"/>
+              </a:ext>
+            </a:extLst>
+          </a:blip>
+          <a:stretch>
+            <a:fillRect/>
+          </a:stretch>
+        </p:blipFill>
+        <p:spPr>
+          <a:xfrm>
+            <a:off x="3199556" y="637196"/>
+            <a:ext cx="5792885" cy="17259"/>
+          </a:xfrm>
+          <a:prstGeom prst="rect">
+            <a:avLst/>
+          </a:prstGeom>
+        </p:spPr>
+      </p:pic>
+      <p:pic>
+        <p:nvPicPr>
+          <p:cNvPr id="3" name="Picture 2" descr="A screenshot of a computer&#10;&#10;AI-generated content may be incorrect.">
+            <a:extLst>
+              <a:ext uri="{FF2B5EF4-FFF2-40B4-BE49-F238E27FC236}">
+                <a16:creationId xmlns:a16="http://schemas.microsoft.com/office/drawing/2014/main" id="{DE7D1980-0B9E-F0DD-26BA-CF9CE115420C}"/>
+              </a:ext>
+            </a:extLst>
+          </p:cNvPr>
+          <p:cNvPicPr>
+            <a:picLocks noChangeAspect="1"/>
+          </p:cNvPicPr>
+          <p:nvPr/>
+        </p:nvPicPr>
+        <p:blipFill>
+          <a:blip r:embed="rId4"/>
+          <a:stretch>
+            <a:fillRect/>
+          </a:stretch>
+        </p:blipFill>
+        <p:spPr>
+          <a:xfrm>
+            <a:off x="2642703" y="1542787"/>
+            <a:ext cx="6906589" cy="3772426"/>
+          </a:xfrm>
+          <a:prstGeom prst="rect">
+            <a:avLst/>
+          </a:prstGeom>
+        </p:spPr>
+      </p:pic>
+    </p:spTree>
+    <p:extLst>
+      <p:ext uri="{BB962C8B-B14F-4D97-AF65-F5344CB8AC3E}">
+        <p14:creationId xmlns:p14="http://schemas.microsoft.com/office/powerpoint/2010/main" val="3432903114"/>
+      </p:ext>
+    </p:extLst>
+  </p:cSld>
+  <p:clrMapOvr>
+    <a:masterClrMapping/>
+  </p:clrMapOvr>
+</p:sld>
+</file>
+
+<file path=ppt/slides/slide24.xml><?xml version="1.0" encoding="utf-8"?>
+<p:sld xmlns:a="http://schemas.openxmlformats.org/drawingml/2006/main" xmlns:r="http://schemas.openxmlformats.org/officeDocument/2006/relationships" xmlns:p="http://schemas.openxmlformats.org/presentationml/2006/main" showMasterSp="0">
+  <p:cSld>
+    <p:spTree>
+      <p:nvGrpSpPr>
+        <p:cNvPr id="1" name="">
+          <a:extLst>
+            <a:ext uri="{FF2B5EF4-FFF2-40B4-BE49-F238E27FC236}">
+              <a16:creationId xmlns:a16="http://schemas.microsoft.com/office/drawing/2014/main" id="{CA22F4F5-49F3-ECF6-07E1-85892055F5DD}"/>
+            </a:ext>
+          </a:extLst>
+        </p:cNvPr>
+        <p:cNvGrpSpPr/>
+        <p:nvPr/>
+      </p:nvGrpSpPr>
+      <p:grpSpPr>
+        <a:xfrm>
+          <a:off x="0" y="0"/>
+          <a:ext cx="0" cy="0"/>
+          <a:chOff x="0" y="0"/>
+          <a:chExt cx="0" cy="0"/>
+        </a:xfrm>
+      </p:grpSpPr>
+      <p:pic>
+        <p:nvPicPr>
+          <p:cNvPr id="10" name="Picture 9" descr="Dai Nam [PPT] Template 11.png">
+            <a:extLst>
+              <a:ext uri="{FF2B5EF4-FFF2-40B4-BE49-F238E27FC236}">
+                <a16:creationId xmlns:a16="http://schemas.microsoft.com/office/drawing/2014/main" id="{C74BB506-935C-B147-F16D-0E5E08DCF90C}"/>
+              </a:ext>
+            </a:extLst>
+          </p:cNvPr>
+          <p:cNvPicPr>
+            <a:picLocks noChangeAspect="1"/>
+          </p:cNvPicPr>
+          <p:nvPr/>
+        </p:nvPicPr>
+        <p:blipFill>
+          <a:blip r:embed="rId2" cstate="print">
+            <a:extLst>
+              <a:ext uri="{28A0092B-C50C-407E-A947-70E740481C1C}">
+                <a14:useLocalDpi xmlns:a14="http://schemas.microsoft.com/office/drawing/2010/main" val="0"/>
+              </a:ext>
+            </a:extLst>
+          </a:blip>
+          <a:stretch>
+            <a:fillRect/>
+          </a:stretch>
+        </p:blipFill>
+        <p:spPr>
+          <a:xfrm>
+            <a:off x="0" y="6347341"/>
+            <a:ext cx="12192000" cy="520416"/>
+          </a:xfrm>
+          <a:prstGeom prst="rect">
+            <a:avLst/>
+          </a:prstGeom>
+        </p:spPr>
+      </p:pic>
+      <p:sp>
+        <p:nvSpPr>
+          <p:cNvPr id="20" name="TextBox 19">
+            <a:extLst>
+              <a:ext uri="{FF2B5EF4-FFF2-40B4-BE49-F238E27FC236}">
+                <a16:creationId xmlns:a16="http://schemas.microsoft.com/office/drawing/2014/main" id="{4F19D143-7119-16DB-A944-CA3990BD0468}"/>
+              </a:ext>
+            </a:extLst>
+          </p:cNvPr>
+          <p:cNvSpPr txBox="1"/>
+          <p:nvPr/>
+        </p:nvSpPr>
+        <p:spPr>
+          <a:xfrm>
+            <a:off x="2104966" y="6459180"/>
+            <a:ext cx="3727476" cy="298223"/>
+          </a:xfrm>
+          <a:prstGeom prst="rect">
+            <a:avLst/>
+          </a:prstGeom>
+          <a:noFill/>
+        </p:spPr>
+        <p:txBody>
+          <a:bodyPr wrap="square" rtlCol="0">
+            <a:spAutoFit/>
+          </a:bodyPr>
+          <a:lstStyle/>
+          <a:p>
+            <a:r>
+              <a:rPr lang="en-US" sz="1338" dirty="0">
+                <a:solidFill>
+                  <a:schemeClr val="bg1"/>
+                </a:solidFill>
+                <a:latin typeface="Arial"/>
+                <a:cs typeface="Arial"/>
+              </a:rPr>
+              <a:t>TÊN NGƯỜI TRÌNH BÀY</a:t>
+            </a:r>
+          </a:p>
+        </p:txBody>
+      </p:sp>
+      <p:sp>
+        <p:nvSpPr>
+          <p:cNvPr id="21" name="TextBox 20">
+            <a:extLst>
+              <a:ext uri="{FF2B5EF4-FFF2-40B4-BE49-F238E27FC236}">
+                <a16:creationId xmlns:a16="http://schemas.microsoft.com/office/drawing/2014/main" id="{C6B063C4-20A9-0D3E-5175-DB0FBD9E44D3}"/>
+              </a:ext>
+            </a:extLst>
+          </p:cNvPr>
+          <p:cNvSpPr txBox="1"/>
+          <p:nvPr/>
+        </p:nvSpPr>
+        <p:spPr>
+          <a:xfrm>
+            <a:off x="9005970" y="6459180"/>
+            <a:ext cx="1824707" cy="270523"/>
+          </a:xfrm>
+          <a:prstGeom prst="rect">
+            <a:avLst/>
+          </a:prstGeom>
+          <a:noFill/>
+        </p:spPr>
+        <p:txBody>
+          <a:bodyPr wrap="square" rtlCol="0">
+            <a:spAutoFit/>
+          </a:bodyPr>
+          <a:lstStyle/>
+          <a:p>
+            <a:pPr algn="r"/>
+            <a:r>
+              <a:rPr lang="en-US" sz="1158" dirty="0">
+                <a:solidFill>
+                  <a:schemeClr val="bg1"/>
+                </a:solidFill>
+                <a:latin typeface="Arial"/>
+                <a:cs typeface="Arial"/>
+              </a:rPr>
+              <a:t>Slide: </a:t>
+            </a:r>
+            <a:r>
+              <a:rPr lang="en-US" sz="1158" dirty="0" err="1">
+                <a:solidFill>
+                  <a:schemeClr val="bg1"/>
+                </a:solidFill>
+                <a:latin typeface="Arial"/>
+                <a:cs typeface="Arial"/>
+              </a:rPr>
+              <a:t>số</a:t>
+            </a:r>
+            <a:r>
+              <a:rPr lang="en-US" sz="1158" dirty="0">
+                <a:solidFill>
+                  <a:schemeClr val="bg1"/>
+                </a:solidFill>
+                <a:latin typeface="Arial"/>
+                <a:cs typeface="Arial"/>
+              </a:rPr>
+              <a:t>….</a:t>
+            </a:r>
+          </a:p>
+        </p:txBody>
+      </p:sp>
+      <p:sp>
+        <p:nvSpPr>
+          <p:cNvPr id="22" name="TextBox 21">
+            <a:extLst>
+              <a:ext uri="{FF2B5EF4-FFF2-40B4-BE49-F238E27FC236}">
+                <a16:creationId xmlns:a16="http://schemas.microsoft.com/office/drawing/2014/main" id="{69FD88EE-BD98-924D-1C8D-0010F42A4E76}"/>
+              </a:ext>
+            </a:extLst>
+          </p:cNvPr>
+          <p:cNvSpPr txBox="1"/>
+          <p:nvPr/>
+        </p:nvSpPr>
+        <p:spPr>
+          <a:xfrm>
+            <a:off x="1864487" y="52421"/>
+            <a:ext cx="8463025" cy="584775"/>
+          </a:xfrm>
+          <a:prstGeom prst="rect">
+            <a:avLst/>
+          </a:prstGeom>
+          <a:noFill/>
+        </p:spPr>
+        <p:txBody>
+          <a:bodyPr wrap="square" rtlCol="0">
+            <a:spAutoFit/>
+          </a:bodyPr>
+          <a:lstStyle/>
+          <a:p>
+            <a:pPr algn="ctr"/>
+            <a:r>
+              <a:rPr lang="en-US" sz="3200" b="1">
+                <a:solidFill>
+                  <a:srgbClr val="FF6600"/>
+                </a:solidFill>
+                <a:latin typeface="Arial"/>
+                <a:cs typeface="Arial"/>
+              </a:rPr>
+              <a:t>LAB 5315</a:t>
+            </a:r>
+            <a:endParaRPr lang="en-US" sz="3200" b="1" dirty="0">
+              <a:solidFill>
+                <a:srgbClr val="FF6600"/>
+              </a:solidFill>
+              <a:latin typeface="Arial"/>
+              <a:cs typeface="Arial"/>
+            </a:endParaRPr>
+          </a:p>
+        </p:txBody>
+      </p:sp>
+      <p:pic>
+        <p:nvPicPr>
+          <p:cNvPr id="25" name="Picture 24" descr="Dai Nam [PPT] Template 15.png">
+            <a:extLst>
+              <a:ext uri="{FF2B5EF4-FFF2-40B4-BE49-F238E27FC236}">
+                <a16:creationId xmlns:a16="http://schemas.microsoft.com/office/drawing/2014/main" id="{1D689585-C04B-FDAB-D3A6-345890C189E2}"/>
+              </a:ext>
+            </a:extLst>
+          </p:cNvPr>
+          <p:cNvPicPr>
+            <a:picLocks noChangeAspect="1"/>
+          </p:cNvPicPr>
+          <p:nvPr/>
+        </p:nvPicPr>
+        <p:blipFill>
+          <a:blip r:embed="rId3" cstate="print">
+            <a:extLst>
+              <a:ext uri="{28A0092B-C50C-407E-A947-70E740481C1C}">
+                <a14:useLocalDpi xmlns:a14="http://schemas.microsoft.com/office/drawing/2010/main" val="0"/>
+              </a:ext>
+            </a:extLst>
+          </a:blip>
+          <a:stretch>
+            <a:fillRect/>
+          </a:stretch>
+        </p:blipFill>
+        <p:spPr>
+          <a:xfrm>
+            <a:off x="3199556" y="637196"/>
+            <a:ext cx="5792885" cy="17259"/>
+          </a:xfrm>
+          <a:prstGeom prst="rect">
+            <a:avLst/>
+          </a:prstGeom>
+        </p:spPr>
+      </p:pic>
+      <p:pic>
+        <p:nvPicPr>
+          <p:cNvPr id="3" name="Picture 2" descr="A graph with dots and numbers&#10;&#10;AI-generated content may be incorrect.">
+            <a:extLst>
+              <a:ext uri="{FF2B5EF4-FFF2-40B4-BE49-F238E27FC236}">
+                <a16:creationId xmlns:a16="http://schemas.microsoft.com/office/drawing/2014/main" id="{CEFCBC1D-16AE-A99A-81C4-F820F558DE2C}"/>
+              </a:ext>
+            </a:extLst>
+          </p:cNvPr>
+          <p:cNvPicPr>
+            <a:picLocks noChangeAspect="1"/>
+          </p:cNvPicPr>
+          <p:nvPr/>
+        </p:nvPicPr>
+        <p:blipFill>
+          <a:blip r:embed="rId4"/>
+          <a:stretch>
+            <a:fillRect/>
+          </a:stretch>
+        </p:blipFill>
+        <p:spPr>
+          <a:xfrm>
+            <a:off x="1737702" y="971207"/>
+            <a:ext cx="8716591" cy="4915586"/>
+          </a:xfrm>
+          <a:prstGeom prst="rect">
+            <a:avLst/>
+          </a:prstGeom>
+        </p:spPr>
+      </p:pic>
+    </p:spTree>
+    <p:extLst>
+      <p:ext uri="{BB962C8B-B14F-4D97-AF65-F5344CB8AC3E}">
+        <p14:creationId xmlns:p14="http://schemas.microsoft.com/office/powerpoint/2010/main" val="3667014394"/>
+      </p:ext>
+    </p:extLst>
+  </p:cSld>
+  <p:clrMapOvr>
+    <a:masterClrMapping/>
+  </p:clrMapOvr>
+</p:sld>
+</file>
+
+<file path=ppt/slides/slide25.xml><?xml version="1.0" encoding="utf-8"?>
+<p:sld xmlns:a="http://schemas.openxmlformats.org/drawingml/2006/main" xmlns:r="http://schemas.openxmlformats.org/officeDocument/2006/relationships" xmlns:p="http://schemas.openxmlformats.org/presentationml/2006/main" showMasterSp="0">
+  <p:cSld>
+    <p:spTree>
+      <p:nvGrpSpPr>
+        <p:cNvPr id="1" name="">
+          <a:extLst>
+            <a:ext uri="{FF2B5EF4-FFF2-40B4-BE49-F238E27FC236}">
+              <a16:creationId xmlns:a16="http://schemas.microsoft.com/office/drawing/2014/main" id="{2713AFD0-3A24-F2D8-F8DF-5B152A4DD353}"/>
+            </a:ext>
+          </a:extLst>
+        </p:cNvPr>
+        <p:cNvGrpSpPr/>
+        <p:nvPr/>
+      </p:nvGrpSpPr>
+      <p:grpSpPr>
+        <a:xfrm>
+          <a:off x="0" y="0"/>
+          <a:ext cx="0" cy="0"/>
+          <a:chOff x="0" y="0"/>
+          <a:chExt cx="0" cy="0"/>
+        </a:xfrm>
+      </p:grpSpPr>
+      <p:pic>
+        <p:nvPicPr>
+          <p:cNvPr id="10" name="Picture 9" descr="Dai Nam [PPT] Template 11.png">
+            <a:extLst>
+              <a:ext uri="{FF2B5EF4-FFF2-40B4-BE49-F238E27FC236}">
+                <a16:creationId xmlns:a16="http://schemas.microsoft.com/office/drawing/2014/main" id="{E18AFD5A-588C-C3CD-D34A-DA69289B9278}"/>
+              </a:ext>
+            </a:extLst>
+          </p:cNvPr>
+          <p:cNvPicPr>
+            <a:picLocks noChangeAspect="1"/>
+          </p:cNvPicPr>
+          <p:nvPr/>
+        </p:nvPicPr>
+        <p:blipFill>
+          <a:blip r:embed="rId2" cstate="print">
+            <a:extLst>
+              <a:ext uri="{28A0092B-C50C-407E-A947-70E740481C1C}">
+                <a14:useLocalDpi xmlns:a14="http://schemas.microsoft.com/office/drawing/2010/main" val="0"/>
+              </a:ext>
+            </a:extLst>
+          </a:blip>
+          <a:stretch>
+            <a:fillRect/>
+          </a:stretch>
+        </p:blipFill>
+        <p:spPr>
+          <a:xfrm>
+            <a:off x="0" y="6347341"/>
+            <a:ext cx="12192000" cy="520416"/>
+          </a:xfrm>
+          <a:prstGeom prst="rect">
+            <a:avLst/>
+          </a:prstGeom>
+        </p:spPr>
+      </p:pic>
+      <p:sp>
+        <p:nvSpPr>
+          <p:cNvPr id="20" name="TextBox 19">
+            <a:extLst>
+              <a:ext uri="{FF2B5EF4-FFF2-40B4-BE49-F238E27FC236}">
+                <a16:creationId xmlns:a16="http://schemas.microsoft.com/office/drawing/2014/main" id="{FEA5C934-98EA-A2D1-26B0-D268CF9C152E}"/>
+              </a:ext>
+            </a:extLst>
+          </p:cNvPr>
+          <p:cNvSpPr txBox="1"/>
+          <p:nvPr/>
+        </p:nvSpPr>
+        <p:spPr>
+          <a:xfrm>
+            <a:off x="2104966" y="6459180"/>
+            <a:ext cx="3727476" cy="298223"/>
+          </a:xfrm>
+          <a:prstGeom prst="rect">
+            <a:avLst/>
+          </a:prstGeom>
+          <a:noFill/>
+        </p:spPr>
+        <p:txBody>
+          <a:bodyPr wrap="square" rtlCol="0">
+            <a:spAutoFit/>
+          </a:bodyPr>
+          <a:lstStyle/>
+          <a:p>
+            <a:r>
+              <a:rPr lang="en-US" sz="1338" dirty="0">
+                <a:solidFill>
+                  <a:schemeClr val="bg1"/>
+                </a:solidFill>
+                <a:latin typeface="Arial"/>
+                <a:cs typeface="Arial"/>
+              </a:rPr>
+              <a:t>TÊN NGƯỜI TRÌNH BÀY</a:t>
+            </a:r>
+          </a:p>
+        </p:txBody>
+      </p:sp>
+      <p:sp>
+        <p:nvSpPr>
+          <p:cNvPr id="21" name="TextBox 20">
+            <a:extLst>
+              <a:ext uri="{FF2B5EF4-FFF2-40B4-BE49-F238E27FC236}">
+                <a16:creationId xmlns:a16="http://schemas.microsoft.com/office/drawing/2014/main" id="{334B8A75-D91F-93F5-2ECE-BDC41DB82D3A}"/>
+              </a:ext>
+            </a:extLst>
+          </p:cNvPr>
+          <p:cNvSpPr txBox="1"/>
+          <p:nvPr/>
+        </p:nvSpPr>
+        <p:spPr>
+          <a:xfrm>
+            <a:off x="9005970" y="6459180"/>
+            <a:ext cx="1824707" cy="270523"/>
+          </a:xfrm>
+          <a:prstGeom prst="rect">
+            <a:avLst/>
+          </a:prstGeom>
+          <a:noFill/>
+        </p:spPr>
+        <p:txBody>
+          <a:bodyPr wrap="square" rtlCol="0">
+            <a:spAutoFit/>
+          </a:bodyPr>
+          <a:lstStyle/>
+          <a:p>
+            <a:pPr algn="r"/>
+            <a:r>
+              <a:rPr lang="en-US" sz="1158" dirty="0">
+                <a:solidFill>
+                  <a:schemeClr val="bg1"/>
+                </a:solidFill>
+                <a:latin typeface="Arial"/>
+                <a:cs typeface="Arial"/>
+              </a:rPr>
+              <a:t>Slide: </a:t>
+            </a:r>
+            <a:r>
+              <a:rPr lang="en-US" sz="1158" dirty="0" err="1">
+                <a:solidFill>
+                  <a:schemeClr val="bg1"/>
+                </a:solidFill>
+                <a:latin typeface="Arial"/>
+                <a:cs typeface="Arial"/>
+              </a:rPr>
+              <a:t>số</a:t>
+            </a:r>
+            <a:r>
+              <a:rPr lang="en-US" sz="1158" dirty="0">
+                <a:solidFill>
+                  <a:schemeClr val="bg1"/>
+                </a:solidFill>
+                <a:latin typeface="Arial"/>
+                <a:cs typeface="Arial"/>
+              </a:rPr>
+              <a:t>….</a:t>
+            </a:r>
+          </a:p>
+        </p:txBody>
+      </p:sp>
+      <p:sp>
+        <p:nvSpPr>
+          <p:cNvPr id="22" name="TextBox 21">
+            <a:extLst>
+              <a:ext uri="{FF2B5EF4-FFF2-40B4-BE49-F238E27FC236}">
+                <a16:creationId xmlns:a16="http://schemas.microsoft.com/office/drawing/2014/main" id="{350E9790-44E2-FA6A-DD81-6BA3CB160009}"/>
+              </a:ext>
+            </a:extLst>
+          </p:cNvPr>
+          <p:cNvSpPr txBox="1"/>
+          <p:nvPr/>
+        </p:nvSpPr>
+        <p:spPr>
+          <a:xfrm>
+            <a:off x="1864487" y="52421"/>
+            <a:ext cx="8463025" cy="584775"/>
+          </a:xfrm>
+          <a:prstGeom prst="rect">
+            <a:avLst/>
+          </a:prstGeom>
+          <a:noFill/>
+        </p:spPr>
+        <p:txBody>
+          <a:bodyPr wrap="square" rtlCol="0">
+            <a:spAutoFit/>
+          </a:bodyPr>
+          <a:lstStyle/>
+          <a:p>
+            <a:pPr algn="ctr"/>
+            <a:r>
+              <a:rPr lang="en-US" sz="3200" b="1">
+                <a:solidFill>
+                  <a:srgbClr val="FF6600"/>
+                </a:solidFill>
+                <a:latin typeface="Arial"/>
+                <a:cs typeface="Arial"/>
+              </a:rPr>
+              <a:t>LAB 5315</a:t>
+            </a:r>
+            <a:endParaRPr lang="en-US" sz="3200" b="1" dirty="0">
+              <a:solidFill>
+                <a:srgbClr val="FF6600"/>
+              </a:solidFill>
+              <a:latin typeface="Arial"/>
+              <a:cs typeface="Arial"/>
+            </a:endParaRPr>
+          </a:p>
+        </p:txBody>
+      </p:sp>
+      <p:pic>
+        <p:nvPicPr>
+          <p:cNvPr id="25" name="Picture 24" descr="Dai Nam [PPT] Template 15.png">
+            <a:extLst>
+              <a:ext uri="{FF2B5EF4-FFF2-40B4-BE49-F238E27FC236}">
+                <a16:creationId xmlns:a16="http://schemas.microsoft.com/office/drawing/2014/main" id="{2CEF57CB-2D5F-BFD0-43C7-5FC6B65F21BC}"/>
+              </a:ext>
+            </a:extLst>
+          </p:cNvPr>
+          <p:cNvPicPr>
+            <a:picLocks noChangeAspect="1"/>
+          </p:cNvPicPr>
+          <p:nvPr/>
+        </p:nvPicPr>
+        <p:blipFill>
+          <a:blip r:embed="rId3" cstate="print">
+            <a:extLst>
+              <a:ext uri="{28A0092B-C50C-407E-A947-70E740481C1C}">
+                <a14:useLocalDpi xmlns:a14="http://schemas.microsoft.com/office/drawing/2010/main" val="0"/>
+              </a:ext>
+            </a:extLst>
+          </a:blip>
+          <a:stretch>
+            <a:fillRect/>
+          </a:stretch>
+        </p:blipFill>
+        <p:spPr>
+          <a:xfrm>
+            <a:off x="3199556" y="637196"/>
+            <a:ext cx="5792885" cy="17259"/>
+          </a:xfrm>
+          <a:prstGeom prst="rect">
+            <a:avLst/>
+          </a:prstGeom>
+        </p:spPr>
+      </p:pic>
+      <p:pic>
+        <p:nvPicPr>
+          <p:cNvPr id="3" name="Picture 2" descr="A screenshot of a computer&#10;&#10;AI-generated content may be incorrect.">
+            <a:extLst>
+              <a:ext uri="{FF2B5EF4-FFF2-40B4-BE49-F238E27FC236}">
+                <a16:creationId xmlns:a16="http://schemas.microsoft.com/office/drawing/2014/main" id="{2CF8F272-0F52-E179-1A25-401934B2D04F}"/>
+              </a:ext>
+            </a:extLst>
+          </p:cNvPr>
+          <p:cNvPicPr>
+            <a:picLocks noChangeAspect="1"/>
+          </p:cNvPicPr>
+          <p:nvPr/>
+        </p:nvPicPr>
+        <p:blipFill>
+          <a:blip r:embed="rId4"/>
+          <a:stretch>
+            <a:fillRect/>
+          </a:stretch>
+        </p:blipFill>
+        <p:spPr>
+          <a:xfrm>
+            <a:off x="2423598" y="1399892"/>
+            <a:ext cx="7344800" cy="4058216"/>
+          </a:xfrm>
+          <a:prstGeom prst="rect">
+            <a:avLst/>
+          </a:prstGeom>
+        </p:spPr>
+      </p:pic>
+    </p:spTree>
+    <p:extLst>
+      <p:ext uri="{BB962C8B-B14F-4D97-AF65-F5344CB8AC3E}">
+        <p14:creationId xmlns:p14="http://schemas.microsoft.com/office/powerpoint/2010/main" val="4087437108"/>
+      </p:ext>
+    </p:extLst>
+  </p:cSld>
+  <p:clrMapOvr>
+    <a:masterClrMapping/>
+  </p:clrMapOvr>
+</p:sld>
+</file>
+
+<file path=ppt/slides/slide26.xml><?xml version="1.0" encoding="utf-8"?>
+<p:sld xmlns:a="http://schemas.openxmlformats.org/drawingml/2006/main" xmlns:r="http://schemas.openxmlformats.org/officeDocument/2006/relationships" xmlns:p="http://schemas.openxmlformats.org/presentationml/2006/main" showMasterSp="0">
+  <p:cSld>
+    <p:spTree>
+      <p:nvGrpSpPr>
+        <p:cNvPr id="1" name="">
+          <a:extLst>
+            <a:ext uri="{FF2B5EF4-FFF2-40B4-BE49-F238E27FC236}">
+              <a16:creationId xmlns:a16="http://schemas.microsoft.com/office/drawing/2014/main" id="{9A27EB96-7981-4D6D-4AA1-968FB39DB84C}"/>
+            </a:ext>
+          </a:extLst>
+        </p:cNvPr>
+        <p:cNvGrpSpPr/>
+        <p:nvPr/>
+      </p:nvGrpSpPr>
+      <p:grpSpPr>
+        <a:xfrm>
+          <a:off x="0" y="0"/>
+          <a:ext cx="0" cy="0"/>
+          <a:chOff x="0" y="0"/>
+          <a:chExt cx="0" cy="0"/>
+        </a:xfrm>
+      </p:grpSpPr>
+      <p:pic>
+        <p:nvPicPr>
+          <p:cNvPr id="10" name="Picture 9" descr="Dai Nam [PPT] Template 11.png">
+            <a:extLst>
+              <a:ext uri="{FF2B5EF4-FFF2-40B4-BE49-F238E27FC236}">
+                <a16:creationId xmlns:a16="http://schemas.microsoft.com/office/drawing/2014/main" id="{BEEF8946-D258-671F-D35E-690F330B0BC5}"/>
+              </a:ext>
+            </a:extLst>
+          </p:cNvPr>
+          <p:cNvPicPr>
+            <a:picLocks noChangeAspect="1"/>
+          </p:cNvPicPr>
+          <p:nvPr/>
+        </p:nvPicPr>
+        <p:blipFill>
+          <a:blip r:embed="rId2" cstate="print">
+            <a:extLst>
+              <a:ext uri="{28A0092B-C50C-407E-A947-70E740481C1C}">
+                <a14:useLocalDpi xmlns:a14="http://schemas.microsoft.com/office/drawing/2010/main" val="0"/>
+              </a:ext>
+            </a:extLst>
+          </a:blip>
+          <a:stretch>
+            <a:fillRect/>
+          </a:stretch>
+        </p:blipFill>
+        <p:spPr>
+          <a:xfrm>
+            <a:off x="0" y="6347341"/>
+            <a:ext cx="12192000" cy="520416"/>
+          </a:xfrm>
+          <a:prstGeom prst="rect">
+            <a:avLst/>
+          </a:prstGeom>
+        </p:spPr>
+      </p:pic>
+      <p:sp>
+        <p:nvSpPr>
+          <p:cNvPr id="20" name="TextBox 19">
+            <a:extLst>
+              <a:ext uri="{FF2B5EF4-FFF2-40B4-BE49-F238E27FC236}">
+                <a16:creationId xmlns:a16="http://schemas.microsoft.com/office/drawing/2014/main" id="{8F51AE19-3BD6-F9A5-CC90-DB8437925D2E}"/>
+              </a:ext>
+            </a:extLst>
+          </p:cNvPr>
+          <p:cNvSpPr txBox="1"/>
+          <p:nvPr/>
+        </p:nvSpPr>
+        <p:spPr>
+          <a:xfrm>
+            <a:off x="2104966" y="6459180"/>
+            <a:ext cx="3727476" cy="298223"/>
+          </a:xfrm>
+          <a:prstGeom prst="rect">
+            <a:avLst/>
+          </a:prstGeom>
+          <a:noFill/>
+        </p:spPr>
+        <p:txBody>
+          <a:bodyPr wrap="square" rtlCol="0">
+            <a:spAutoFit/>
+          </a:bodyPr>
+          <a:lstStyle/>
+          <a:p>
+            <a:r>
+              <a:rPr lang="en-US" sz="1338" dirty="0">
+                <a:solidFill>
+                  <a:schemeClr val="bg1"/>
+                </a:solidFill>
+                <a:latin typeface="Arial"/>
+                <a:cs typeface="Arial"/>
+              </a:rPr>
+              <a:t>TÊN NGƯỜI TRÌNH BÀY</a:t>
+            </a:r>
+          </a:p>
+        </p:txBody>
+      </p:sp>
+      <p:sp>
+        <p:nvSpPr>
+          <p:cNvPr id="21" name="TextBox 20">
+            <a:extLst>
+              <a:ext uri="{FF2B5EF4-FFF2-40B4-BE49-F238E27FC236}">
+                <a16:creationId xmlns:a16="http://schemas.microsoft.com/office/drawing/2014/main" id="{F19887CB-CD5C-7715-6D8B-14394CFECC65}"/>
+              </a:ext>
+            </a:extLst>
+          </p:cNvPr>
+          <p:cNvSpPr txBox="1"/>
+          <p:nvPr/>
+        </p:nvSpPr>
+        <p:spPr>
+          <a:xfrm>
+            <a:off x="9005970" y="6459180"/>
+            <a:ext cx="1824707" cy="270523"/>
+          </a:xfrm>
+          <a:prstGeom prst="rect">
+            <a:avLst/>
+          </a:prstGeom>
+          <a:noFill/>
+        </p:spPr>
+        <p:txBody>
+          <a:bodyPr wrap="square" rtlCol="0">
+            <a:spAutoFit/>
+          </a:bodyPr>
+          <a:lstStyle/>
+          <a:p>
+            <a:pPr algn="r"/>
+            <a:r>
+              <a:rPr lang="en-US" sz="1158" dirty="0">
+                <a:solidFill>
+                  <a:schemeClr val="bg1"/>
+                </a:solidFill>
+                <a:latin typeface="Arial"/>
+                <a:cs typeface="Arial"/>
+              </a:rPr>
+              <a:t>Slide: </a:t>
+            </a:r>
+            <a:r>
+              <a:rPr lang="en-US" sz="1158" dirty="0" err="1">
+                <a:solidFill>
+                  <a:schemeClr val="bg1"/>
+                </a:solidFill>
+                <a:latin typeface="Arial"/>
+                <a:cs typeface="Arial"/>
+              </a:rPr>
+              <a:t>số</a:t>
+            </a:r>
+            <a:r>
+              <a:rPr lang="en-US" sz="1158" dirty="0">
+                <a:solidFill>
+                  <a:schemeClr val="bg1"/>
+                </a:solidFill>
+                <a:latin typeface="Arial"/>
+                <a:cs typeface="Arial"/>
+              </a:rPr>
+              <a:t>….</a:t>
+            </a:r>
+          </a:p>
+        </p:txBody>
+      </p:sp>
+      <p:sp>
+        <p:nvSpPr>
+          <p:cNvPr id="22" name="TextBox 21">
+            <a:extLst>
+              <a:ext uri="{FF2B5EF4-FFF2-40B4-BE49-F238E27FC236}">
+                <a16:creationId xmlns:a16="http://schemas.microsoft.com/office/drawing/2014/main" id="{C3E7CA5A-D853-57FE-6982-244CEF381571}"/>
+              </a:ext>
+            </a:extLst>
+          </p:cNvPr>
+          <p:cNvSpPr txBox="1"/>
+          <p:nvPr/>
+        </p:nvSpPr>
+        <p:spPr>
+          <a:xfrm>
+            <a:off x="1864487" y="52421"/>
+            <a:ext cx="8463025" cy="584775"/>
+          </a:xfrm>
+          <a:prstGeom prst="rect">
+            <a:avLst/>
+          </a:prstGeom>
+          <a:noFill/>
+        </p:spPr>
+        <p:txBody>
+          <a:bodyPr wrap="square" rtlCol="0">
+            <a:spAutoFit/>
+          </a:bodyPr>
+          <a:lstStyle/>
+          <a:p>
+            <a:pPr algn="ctr"/>
+            <a:r>
+              <a:rPr lang="en-US" sz="3200" b="1">
+                <a:solidFill>
+                  <a:srgbClr val="FF6600"/>
+                </a:solidFill>
+                <a:latin typeface="Arial"/>
+                <a:cs typeface="Arial"/>
+              </a:rPr>
+              <a:t>LAB 5315</a:t>
+            </a:r>
+            <a:endParaRPr lang="en-US" sz="3200" b="1" dirty="0">
+              <a:solidFill>
+                <a:srgbClr val="FF6600"/>
+              </a:solidFill>
+              <a:latin typeface="Arial"/>
+              <a:cs typeface="Arial"/>
+            </a:endParaRPr>
+          </a:p>
+        </p:txBody>
+      </p:sp>
+      <p:pic>
+        <p:nvPicPr>
+          <p:cNvPr id="25" name="Picture 24" descr="Dai Nam [PPT] Template 15.png">
+            <a:extLst>
+              <a:ext uri="{FF2B5EF4-FFF2-40B4-BE49-F238E27FC236}">
+                <a16:creationId xmlns:a16="http://schemas.microsoft.com/office/drawing/2014/main" id="{6C709BCE-8A2D-8427-00AE-8F077014D6A4}"/>
+              </a:ext>
+            </a:extLst>
+          </p:cNvPr>
+          <p:cNvPicPr>
+            <a:picLocks noChangeAspect="1"/>
+          </p:cNvPicPr>
+          <p:nvPr/>
+        </p:nvPicPr>
+        <p:blipFill>
+          <a:blip r:embed="rId3" cstate="print">
+            <a:extLst>
+              <a:ext uri="{28A0092B-C50C-407E-A947-70E740481C1C}">
+                <a14:useLocalDpi xmlns:a14="http://schemas.microsoft.com/office/drawing/2010/main" val="0"/>
+              </a:ext>
+            </a:extLst>
+          </a:blip>
+          <a:stretch>
+            <a:fillRect/>
+          </a:stretch>
+        </p:blipFill>
+        <p:spPr>
+          <a:xfrm>
+            <a:off x="3199556" y="637196"/>
+            <a:ext cx="5792885" cy="17259"/>
+          </a:xfrm>
+          <a:prstGeom prst="rect">
+            <a:avLst/>
+          </a:prstGeom>
+        </p:spPr>
+      </p:pic>
+      <p:pic>
+        <p:nvPicPr>
+          <p:cNvPr id="3" name="Picture 2" descr="A graph with green dots&#10;&#10;AI-generated content may be incorrect.">
+            <a:extLst>
+              <a:ext uri="{FF2B5EF4-FFF2-40B4-BE49-F238E27FC236}">
+                <a16:creationId xmlns:a16="http://schemas.microsoft.com/office/drawing/2014/main" id="{FE9807A2-9445-473E-A2B2-847975B8BBE0}"/>
+              </a:ext>
+            </a:extLst>
+          </p:cNvPr>
+          <p:cNvPicPr>
+            <a:picLocks noChangeAspect="1"/>
+          </p:cNvPicPr>
+          <p:nvPr/>
+        </p:nvPicPr>
+        <p:blipFill>
+          <a:blip r:embed="rId4"/>
+          <a:stretch>
+            <a:fillRect/>
+          </a:stretch>
+        </p:blipFill>
+        <p:spPr>
+          <a:xfrm>
+            <a:off x="1730561" y="749035"/>
+            <a:ext cx="8596951" cy="5614519"/>
+          </a:xfrm>
+          <a:prstGeom prst="rect">
+            <a:avLst/>
+          </a:prstGeom>
+        </p:spPr>
+      </p:pic>
+    </p:spTree>
+    <p:extLst>
+      <p:ext uri="{BB962C8B-B14F-4D97-AF65-F5344CB8AC3E}">
+        <p14:creationId xmlns:p14="http://schemas.microsoft.com/office/powerpoint/2010/main" val="1250856993"/>
+      </p:ext>
+    </p:extLst>
+  </p:cSld>
+  <p:clrMapOvr>
+    <a:masterClrMapping/>
+  </p:clrMapOvr>
+</p:sld>
+</file>
+
+<file path=ppt/slides/slide27.xml><?xml version="1.0" encoding="utf-8"?>
+<p:sld xmlns:a="http://schemas.openxmlformats.org/drawingml/2006/main" xmlns:r="http://schemas.openxmlformats.org/officeDocument/2006/relationships" xmlns:p="http://schemas.openxmlformats.org/presentationml/2006/main" showMasterSp="0">
+  <p:cSld>
+    <p:spTree>
+      <p:nvGrpSpPr>
+        <p:cNvPr id="1" name="">
+          <a:extLst>
+            <a:ext uri="{FF2B5EF4-FFF2-40B4-BE49-F238E27FC236}">
+              <a16:creationId xmlns:a16="http://schemas.microsoft.com/office/drawing/2014/main" id="{421043C6-8B4A-BCD7-D9D6-842D9899E62A}"/>
+            </a:ext>
+          </a:extLst>
+        </p:cNvPr>
+        <p:cNvGrpSpPr/>
+        <p:nvPr/>
+      </p:nvGrpSpPr>
+      <p:grpSpPr>
+        <a:xfrm>
+          <a:off x="0" y="0"/>
+          <a:ext cx="0" cy="0"/>
+          <a:chOff x="0" y="0"/>
+          <a:chExt cx="0" cy="0"/>
+        </a:xfrm>
+      </p:grpSpPr>
+      <p:pic>
+        <p:nvPicPr>
+          <p:cNvPr id="10" name="Picture 9" descr="Dai Nam [PPT] Template 11.png">
+            <a:extLst>
+              <a:ext uri="{FF2B5EF4-FFF2-40B4-BE49-F238E27FC236}">
+                <a16:creationId xmlns:a16="http://schemas.microsoft.com/office/drawing/2014/main" id="{3E8FA2EE-C58C-128E-5458-B1BC9A1371FB}"/>
+              </a:ext>
+            </a:extLst>
+          </p:cNvPr>
+          <p:cNvPicPr>
+            <a:picLocks noChangeAspect="1"/>
+          </p:cNvPicPr>
+          <p:nvPr/>
+        </p:nvPicPr>
+        <p:blipFill>
+          <a:blip r:embed="rId2" cstate="print">
+            <a:extLst>
+              <a:ext uri="{28A0092B-C50C-407E-A947-70E740481C1C}">
+                <a14:useLocalDpi xmlns:a14="http://schemas.microsoft.com/office/drawing/2010/main" val="0"/>
+              </a:ext>
+            </a:extLst>
+          </a:blip>
+          <a:stretch>
+            <a:fillRect/>
+          </a:stretch>
+        </p:blipFill>
+        <p:spPr>
+          <a:xfrm>
+            <a:off x="0" y="6347341"/>
+            <a:ext cx="12192000" cy="520416"/>
+          </a:xfrm>
+          <a:prstGeom prst="rect">
+            <a:avLst/>
+          </a:prstGeom>
+        </p:spPr>
+      </p:pic>
+      <p:sp>
+        <p:nvSpPr>
+          <p:cNvPr id="20" name="TextBox 19">
+            <a:extLst>
+              <a:ext uri="{FF2B5EF4-FFF2-40B4-BE49-F238E27FC236}">
+                <a16:creationId xmlns:a16="http://schemas.microsoft.com/office/drawing/2014/main" id="{489AA994-3657-3A0B-2D6E-BA4F0F85884D}"/>
+              </a:ext>
+            </a:extLst>
+          </p:cNvPr>
+          <p:cNvSpPr txBox="1"/>
+          <p:nvPr/>
+        </p:nvSpPr>
+        <p:spPr>
+          <a:xfrm>
+            <a:off x="2104966" y="6459180"/>
+            <a:ext cx="3727476" cy="298223"/>
+          </a:xfrm>
+          <a:prstGeom prst="rect">
+            <a:avLst/>
+          </a:prstGeom>
+          <a:noFill/>
+        </p:spPr>
+        <p:txBody>
+          <a:bodyPr wrap="square" rtlCol="0">
+            <a:spAutoFit/>
+          </a:bodyPr>
+          <a:lstStyle/>
+          <a:p>
+            <a:r>
+              <a:rPr lang="en-US" sz="1338" dirty="0">
+                <a:solidFill>
+                  <a:schemeClr val="bg1"/>
+                </a:solidFill>
+                <a:latin typeface="Arial"/>
+                <a:cs typeface="Arial"/>
+              </a:rPr>
+              <a:t>TÊN NGƯỜI TRÌNH BÀY</a:t>
+            </a:r>
+          </a:p>
+        </p:txBody>
+      </p:sp>
+      <p:sp>
+        <p:nvSpPr>
+          <p:cNvPr id="21" name="TextBox 20">
+            <a:extLst>
+              <a:ext uri="{FF2B5EF4-FFF2-40B4-BE49-F238E27FC236}">
+                <a16:creationId xmlns:a16="http://schemas.microsoft.com/office/drawing/2014/main" id="{32504B03-3967-0A52-035C-85FF49CE975A}"/>
+              </a:ext>
+            </a:extLst>
+          </p:cNvPr>
+          <p:cNvSpPr txBox="1"/>
+          <p:nvPr/>
+        </p:nvSpPr>
+        <p:spPr>
+          <a:xfrm>
+            <a:off x="9005970" y="6459180"/>
+            <a:ext cx="1824707" cy="270523"/>
+          </a:xfrm>
+          <a:prstGeom prst="rect">
+            <a:avLst/>
+          </a:prstGeom>
+          <a:noFill/>
+        </p:spPr>
+        <p:txBody>
+          <a:bodyPr wrap="square" rtlCol="0">
+            <a:spAutoFit/>
+          </a:bodyPr>
+          <a:lstStyle/>
+          <a:p>
+            <a:pPr algn="r"/>
+            <a:r>
+              <a:rPr lang="en-US" sz="1158" dirty="0">
+                <a:solidFill>
+                  <a:schemeClr val="bg1"/>
+                </a:solidFill>
+                <a:latin typeface="Arial"/>
+                <a:cs typeface="Arial"/>
+              </a:rPr>
+              <a:t>Slide: </a:t>
+            </a:r>
+            <a:r>
+              <a:rPr lang="en-US" sz="1158" dirty="0" err="1">
+                <a:solidFill>
+                  <a:schemeClr val="bg1"/>
+                </a:solidFill>
+                <a:latin typeface="Arial"/>
+                <a:cs typeface="Arial"/>
+              </a:rPr>
+              <a:t>số</a:t>
+            </a:r>
+            <a:r>
+              <a:rPr lang="en-US" sz="1158" dirty="0">
+                <a:solidFill>
+                  <a:schemeClr val="bg1"/>
+                </a:solidFill>
+                <a:latin typeface="Arial"/>
+                <a:cs typeface="Arial"/>
+              </a:rPr>
+              <a:t>….</a:t>
+            </a:r>
+          </a:p>
+        </p:txBody>
+      </p:sp>
+      <p:sp>
+        <p:nvSpPr>
+          <p:cNvPr id="22" name="TextBox 21">
+            <a:extLst>
+              <a:ext uri="{FF2B5EF4-FFF2-40B4-BE49-F238E27FC236}">
+                <a16:creationId xmlns:a16="http://schemas.microsoft.com/office/drawing/2014/main" id="{095C150F-CA12-273E-74E9-750007EF9D83}"/>
+              </a:ext>
+            </a:extLst>
+          </p:cNvPr>
+          <p:cNvSpPr txBox="1"/>
+          <p:nvPr/>
+        </p:nvSpPr>
+        <p:spPr>
+          <a:xfrm>
+            <a:off x="1864487" y="52421"/>
+            <a:ext cx="8463025" cy="584775"/>
+          </a:xfrm>
+          <a:prstGeom prst="rect">
+            <a:avLst/>
+          </a:prstGeom>
+          <a:noFill/>
+        </p:spPr>
+        <p:txBody>
+          <a:bodyPr wrap="square" rtlCol="0">
+            <a:spAutoFit/>
+          </a:bodyPr>
+          <a:lstStyle/>
+          <a:p>
+            <a:pPr algn="ctr"/>
+            <a:r>
+              <a:rPr lang="en-US" sz="3200" b="1">
+                <a:solidFill>
+                  <a:srgbClr val="FF6600"/>
+                </a:solidFill>
+                <a:latin typeface="Arial"/>
+                <a:cs typeface="Arial"/>
+              </a:rPr>
+              <a:t>LAB 5315</a:t>
+            </a:r>
+            <a:endParaRPr lang="en-US" sz="3200" b="1" dirty="0">
+              <a:solidFill>
+                <a:srgbClr val="FF6600"/>
+              </a:solidFill>
+              <a:latin typeface="Arial"/>
+              <a:cs typeface="Arial"/>
+            </a:endParaRPr>
+          </a:p>
+        </p:txBody>
+      </p:sp>
+      <p:pic>
+        <p:nvPicPr>
+          <p:cNvPr id="25" name="Picture 24" descr="Dai Nam [PPT] Template 15.png">
+            <a:extLst>
+              <a:ext uri="{FF2B5EF4-FFF2-40B4-BE49-F238E27FC236}">
+                <a16:creationId xmlns:a16="http://schemas.microsoft.com/office/drawing/2014/main" id="{908BAAB8-3F82-888D-AADE-C2941D4F8F78}"/>
+              </a:ext>
+            </a:extLst>
+          </p:cNvPr>
+          <p:cNvPicPr>
+            <a:picLocks noChangeAspect="1"/>
+          </p:cNvPicPr>
+          <p:nvPr/>
+        </p:nvPicPr>
+        <p:blipFill>
+          <a:blip r:embed="rId3" cstate="print">
+            <a:extLst>
+              <a:ext uri="{28A0092B-C50C-407E-A947-70E740481C1C}">
+                <a14:useLocalDpi xmlns:a14="http://schemas.microsoft.com/office/drawing/2010/main" val="0"/>
+              </a:ext>
+            </a:extLst>
+          </a:blip>
+          <a:stretch>
+            <a:fillRect/>
+          </a:stretch>
+        </p:blipFill>
+        <p:spPr>
+          <a:xfrm>
+            <a:off x="3199556" y="637196"/>
+            <a:ext cx="5792885" cy="17259"/>
+          </a:xfrm>
+          <a:prstGeom prst="rect">
+            <a:avLst/>
+          </a:prstGeom>
+        </p:spPr>
+      </p:pic>
+      <p:pic>
+        <p:nvPicPr>
+          <p:cNvPr id="4" name="Picture 3">
+            <a:extLst>
+              <a:ext uri="{FF2B5EF4-FFF2-40B4-BE49-F238E27FC236}">
+                <a16:creationId xmlns:a16="http://schemas.microsoft.com/office/drawing/2014/main" id="{E39883D9-1D01-18B0-BE75-AF0F3DB69ED8}"/>
+              </a:ext>
+            </a:extLst>
+          </p:cNvPr>
+          <p:cNvPicPr>
+            <a:picLocks noChangeAspect="1"/>
+          </p:cNvPicPr>
+          <p:nvPr/>
+        </p:nvPicPr>
+        <p:blipFill>
+          <a:blip r:embed="rId4"/>
+          <a:srcRect r="4767"/>
+          <a:stretch>
+            <a:fillRect/>
+          </a:stretch>
+        </p:blipFill>
+        <p:spPr>
+          <a:xfrm>
+            <a:off x="2534697" y="881157"/>
+            <a:ext cx="6595490" cy="2038635"/>
+          </a:xfrm>
+          <a:prstGeom prst="rect">
+            <a:avLst/>
+          </a:prstGeom>
+        </p:spPr>
+      </p:pic>
+      <p:pic>
+        <p:nvPicPr>
+          <p:cNvPr id="6" name="Picture 5">
+            <a:extLst>
+              <a:ext uri="{FF2B5EF4-FFF2-40B4-BE49-F238E27FC236}">
+                <a16:creationId xmlns:a16="http://schemas.microsoft.com/office/drawing/2014/main" id="{062D2380-4886-0525-71E0-68471AF4E614}"/>
+              </a:ext>
+            </a:extLst>
+          </p:cNvPr>
+          <p:cNvPicPr>
+            <a:picLocks noChangeAspect="1"/>
+          </p:cNvPicPr>
+          <p:nvPr/>
+        </p:nvPicPr>
+        <p:blipFill>
+          <a:blip r:embed="rId5"/>
+          <a:stretch>
+            <a:fillRect/>
+          </a:stretch>
+        </p:blipFill>
+        <p:spPr>
+          <a:xfrm>
+            <a:off x="2104967" y="3146494"/>
+            <a:ext cx="7680242" cy="3090493"/>
+          </a:xfrm>
+          <a:prstGeom prst="rect">
+            <a:avLst/>
+          </a:prstGeom>
+        </p:spPr>
+      </p:pic>
+    </p:spTree>
+    <p:extLst>
+      <p:ext uri="{BB962C8B-B14F-4D97-AF65-F5344CB8AC3E}">
+        <p14:creationId xmlns:p14="http://schemas.microsoft.com/office/powerpoint/2010/main" val="2025439847"/>
+      </p:ext>
+    </p:extLst>
+  </p:cSld>
+  <p:clrMapOvr>
+    <a:masterClrMapping/>
+  </p:clrMapOvr>
+</p:sld>
+</file>
+
+<file path=ppt/slides/slide28.xml><?xml version="1.0" encoding="utf-8"?>
 <p:sld xmlns:a="http://schemas.openxmlformats.org/drawingml/2006/main" xmlns:r="http://schemas.openxmlformats.org/officeDocument/2006/relationships" xmlns:p="http://schemas.openxmlformats.org/presentationml/2006/main" showMasterSp="0">
   <p:cSld>
     <p:spTree>
@@ -17269,15 +22888,15 @@
 </p:sld>
 </file>
 
-<file path=ppt/slides/slide2.xml><?xml version="1.0" encoding="utf-8"?>
-<p:sld xmlns:a="http://schemas.openxmlformats.org/drawingml/2006/main" xmlns:r="http://schemas.openxmlformats.org/officeDocument/2006/relationships" xmlns:p="http://schemas.openxmlformats.org/presentationml/2006/main" showMasterSp="0">
+<file path=ppt/slides/slide3.xml><?xml version="1.0" encoding="utf-8"?>
+<p:sld xmlns:a="http://schemas.openxmlformats.org/drawingml/2006/main" xmlns:r="http://schemas.openxmlformats.org/officeDocument/2006/relationships" xmlns:p="http://schemas.openxmlformats.org/presentationml/2006/main">
   <p:cSld>
     <p:spTree>
       <p:nvGrpSpPr>
         <p:cNvPr id="1" name="">
           <a:extLst>
             <a:ext uri="{FF2B5EF4-FFF2-40B4-BE49-F238E27FC236}">
-              <a16:creationId xmlns:a16="http://schemas.microsoft.com/office/drawing/2014/main" id="{49DFC66B-F739-9EE4-9FD4-38C29CF1564A}"/>
+              <a16:creationId xmlns:a16="http://schemas.microsoft.com/office/drawing/2014/main" id="{0C385E0C-7EF5-39D0-C827-1DCFE7491E14}"/>
             </a:ext>
           </a:extLst>
         </p:cNvPr>
@@ -17297,7 +22916,7 @@
           <p:cNvPr id="10" name="Picture 9" descr="Dai Nam [PPT] Template 11.png">
             <a:extLst>
               <a:ext uri="{FF2B5EF4-FFF2-40B4-BE49-F238E27FC236}">
-                <a16:creationId xmlns:a16="http://schemas.microsoft.com/office/drawing/2014/main" id="{917F255A-6EFC-752E-1086-3C3C02F21856}"/>
+                <a16:creationId xmlns:a16="http://schemas.microsoft.com/office/drawing/2014/main" id="{CF0BB3F9-A3C2-B07B-8678-91B8907A14E1}"/>
               </a:ext>
             </a:extLst>
           </p:cNvPr>
@@ -17333,7 +22952,7 @@
           <p:cNvPr id="20" name="TextBox 19">
             <a:extLst>
               <a:ext uri="{FF2B5EF4-FFF2-40B4-BE49-F238E27FC236}">
-                <a16:creationId xmlns:a16="http://schemas.microsoft.com/office/drawing/2014/main" id="{8953BCDE-A8CD-CDBC-F046-AA75CB9F289E}"/>
+                <a16:creationId xmlns:a16="http://schemas.microsoft.com/office/drawing/2014/main" id="{72EF7E01-1994-E4E2-44AA-E4E9A9D893B3}"/>
               </a:ext>
             </a:extLst>
           </p:cNvPr>
@@ -17374,7 +22993,7 @@
           <p:cNvPr id="21" name="TextBox 20">
             <a:extLst>
               <a:ext uri="{FF2B5EF4-FFF2-40B4-BE49-F238E27FC236}">
-                <a16:creationId xmlns:a16="http://schemas.microsoft.com/office/drawing/2014/main" id="{8C76F4FC-5D30-56B4-7022-85D27782ECC2}"/>
+                <a16:creationId xmlns:a16="http://schemas.microsoft.com/office/drawing/2014/main" id="{6CFB220A-9509-FDA9-D688-CDF496852163}"/>
               </a:ext>
             </a:extLst>
           </p:cNvPr>
@@ -17436,7 +23055,7 @@
           <p:cNvPr id="22" name="TextBox 21">
             <a:extLst>
               <a:ext uri="{FF2B5EF4-FFF2-40B4-BE49-F238E27FC236}">
-                <a16:creationId xmlns:a16="http://schemas.microsoft.com/office/drawing/2014/main" id="{1F521B10-4591-1FFA-BCD4-458D7D67C588}"/>
+                <a16:creationId xmlns:a16="http://schemas.microsoft.com/office/drawing/2014/main" id="{B0BD0D3C-C7EE-EFB9-9195-9EAEF8421AD0}"/>
               </a:ext>
             </a:extLst>
           </p:cNvPr>
@@ -17461,7 +23080,7 @@
           <a:p>
             <a:pPr algn="ctr"/>
             <a:r>
-              <a:rPr lang="en-US" sz="3200" b="1">
+              <a:rPr lang="en-US" sz="3200" b="1" dirty="0">
                 <a:solidFill>
                   <a:srgbClr val="FF6600"/>
                 </a:solidFill>
@@ -17470,13 +23089,6 @@
               </a:rPr>
               <a:t>LAB 5313</a:t>
             </a:r>
-            <a:endParaRPr lang="en-US" sz="3200" b="1" dirty="0">
-              <a:solidFill>
-                <a:srgbClr val="FF6600"/>
-              </a:solidFill>
-              <a:latin typeface="Arial"/>
-              <a:cs typeface="Arial"/>
-            </a:endParaRPr>
           </a:p>
         </p:txBody>
       </p:sp>
@@ -17485,7 +23097,7 @@
           <p:cNvPr id="25" name="Picture 24" descr="Dai Nam [PPT] Template 15.png">
             <a:extLst>
               <a:ext uri="{FF2B5EF4-FFF2-40B4-BE49-F238E27FC236}">
-                <a16:creationId xmlns:a16="http://schemas.microsoft.com/office/drawing/2014/main" id="{E6D727D6-68E1-47CA-DA2C-77508BB5D2EC}"/>
+                <a16:creationId xmlns:a16="http://schemas.microsoft.com/office/drawing/2014/main" id="{993C584A-2AB3-7ED2-E9A0-7854407BF6B7}"/>
               </a:ext>
             </a:extLst>
           </p:cNvPr>
@@ -17516,10 +23128,40 @@
           </a:prstGeom>
         </p:spPr>
       </p:pic>
+      <p:pic>
+        <p:nvPicPr>
+          <p:cNvPr id="4" name="Picture 3">
+            <a:extLst>
+              <a:ext uri="{FF2B5EF4-FFF2-40B4-BE49-F238E27FC236}">
+                <a16:creationId xmlns:a16="http://schemas.microsoft.com/office/drawing/2014/main" id="{64533F1D-206F-EB8B-BBE6-0B9E40A18C4B}"/>
+              </a:ext>
+            </a:extLst>
+          </p:cNvPr>
+          <p:cNvPicPr>
+            <a:picLocks noChangeAspect="1"/>
+          </p:cNvPicPr>
+          <p:nvPr/>
+        </p:nvPicPr>
+        <p:blipFill>
+          <a:blip r:embed="rId4"/>
+          <a:stretch>
+            <a:fillRect/>
+          </a:stretch>
+        </p:blipFill>
+        <p:spPr>
+          <a:xfrm>
+            <a:off x="1051133" y="1753110"/>
+            <a:ext cx="10605993" cy="3933169"/>
+          </a:xfrm>
+          <a:prstGeom prst="rect">
+            <a:avLst/>
+          </a:prstGeom>
+        </p:spPr>
+      </p:pic>
     </p:spTree>
     <p:extLst>
       <p:ext uri="{BB962C8B-B14F-4D97-AF65-F5344CB8AC3E}">
-        <p14:creationId xmlns:p14="http://schemas.microsoft.com/office/powerpoint/2010/main" val="3931764356"/>
+        <p14:creationId xmlns:p14="http://schemas.microsoft.com/office/powerpoint/2010/main" val="791017421"/>
       </p:ext>
     </p:extLst>
   </p:cSld>
@@ -17529,15 +23171,15 @@
 </p:sld>
 </file>
 
-<file path=ppt/slides/slide3.xml><?xml version="1.0" encoding="utf-8"?>
-<p:sld xmlns:a="http://schemas.openxmlformats.org/drawingml/2006/main" xmlns:r="http://schemas.openxmlformats.org/officeDocument/2006/relationships" xmlns:p="http://schemas.openxmlformats.org/presentationml/2006/main" showMasterSp="0">
+<file path=ppt/slides/slide4.xml><?xml version="1.0" encoding="utf-8"?>
+<p:sld xmlns:a="http://schemas.openxmlformats.org/drawingml/2006/main" xmlns:r="http://schemas.openxmlformats.org/officeDocument/2006/relationships" xmlns:p="http://schemas.openxmlformats.org/presentationml/2006/main">
   <p:cSld>
     <p:spTree>
       <p:nvGrpSpPr>
         <p:cNvPr id="1" name="">
           <a:extLst>
             <a:ext uri="{FF2B5EF4-FFF2-40B4-BE49-F238E27FC236}">
-              <a16:creationId xmlns:a16="http://schemas.microsoft.com/office/drawing/2014/main" id="{C72EBFBF-22C7-CB85-C00C-9B46430F244B}"/>
+              <a16:creationId xmlns:a16="http://schemas.microsoft.com/office/drawing/2014/main" id="{D73027A3-185A-C6DC-529D-FB3CC4D13B12}"/>
             </a:ext>
           </a:extLst>
         </p:cNvPr>
@@ -17557,7 +23199,7 @@
           <p:cNvPr id="10" name="Picture 9" descr="Dai Nam [PPT] Template 11.png">
             <a:extLst>
               <a:ext uri="{FF2B5EF4-FFF2-40B4-BE49-F238E27FC236}">
-                <a16:creationId xmlns:a16="http://schemas.microsoft.com/office/drawing/2014/main" id="{CE8AB001-508B-47E0-6162-0CC1F215D3C6}"/>
+                <a16:creationId xmlns:a16="http://schemas.microsoft.com/office/drawing/2014/main" id="{5B651B08-D207-382F-F5F1-919829EEEADD}"/>
               </a:ext>
             </a:extLst>
           </p:cNvPr>
@@ -17593,7 +23235,7 @@
           <p:cNvPr id="20" name="TextBox 19">
             <a:extLst>
               <a:ext uri="{FF2B5EF4-FFF2-40B4-BE49-F238E27FC236}">
-                <a16:creationId xmlns:a16="http://schemas.microsoft.com/office/drawing/2014/main" id="{DD214410-660D-1F6B-747B-65257B17F061}"/>
+                <a16:creationId xmlns:a16="http://schemas.microsoft.com/office/drawing/2014/main" id="{95E0DEA0-3775-FF54-E8CD-1791859AB9A1}"/>
               </a:ext>
             </a:extLst>
           </p:cNvPr>
@@ -17634,7 +23276,7 @@
           <p:cNvPr id="21" name="TextBox 20">
             <a:extLst>
               <a:ext uri="{FF2B5EF4-FFF2-40B4-BE49-F238E27FC236}">
-                <a16:creationId xmlns:a16="http://schemas.microsoft.com/office/drawing/2014/main" id="{06809C88-F32B-A92F-1ADD-D8947FBC2437}"/>
+                <a16:creationId xmlns:a16="http://schemas.microsoft.com/office/drawing/2014/main" id="{301B4B9A-5137-CAD5-2A72-F828BF56FEF1}"/>
               </a:ext>
             </a:extLst>
           </p:cNvPr>
@@ -17696,7 +23338,7 @@
           <p:cNvPr id="22" name="TextBox 21">
             <a:extLst>
               <a:ext uri="{FF2B5EF4-FFF2-40B4-BE49-F238E27FC236}">
-                <a16:creationId xmlns:a16="http://schemas.microsoft.com/office/drawing/2014/main" id="{776B24C1-CEE5-7D6A-01D3-0911D14A72C1}"/>
+                <a16:creationId xmlns:a16="http://schemas.microsoft.com/office/drawing/2014/main" id="{E8CE6D21-61A6-C7ED-A8E5-CED3DFE5E9A1}"/>
               </a:ext>
             </a:extLst>
           </p:cNvPr>
@@ -17721,22 +23363,15 @@
           <a:p>
             <a:pPr algn="ctr"/>
             <a:r>
-              <a:rPr lang="en-US" sz="3200" b="1">
+              <a:rPr lang="en-US" sz="3200" b="1" dirty="0">
                 <a:solidFill>
                   <a:srgbClr val="FF6600"/>
                 </a:solidFill>
                 <a:latin typeface="Arial"/>
                 <a:cs typeface="Arial"/>
               </a:rPr>
-              <a:t>LAB 5314</a:t>
+              <a:t>LAB 5313</a:t>
             </a:r>
-            <a:endParaRPr lang="en-US" sz="3200" b="1" dirty="0">
-              <a:solidFill>
-                <a:srgbClr val="FF6600"/>
-              </a:solidFill>
-              <a:latin typeface="Arial"/>
-              <a:cs typeface="Arial"/>
-            </a:endParaRPr>
           </a:p>
         </p:txBody>
       </p:sp>
@@ -17745,7 +23380,7 @@
           <p:cNvPr id="25" name="Picture 24" descr="Dai Nam [PPT] Template 15.png">
             <a:extLst>
               <a:ext uri="{FF2B5EF4-FFF2-40B4-BE49-F238E27FC236}">
-                <a16:creationId xmlns:a16="http://schemas.microsoft.com/office/drawing/2014/main" id="{1B3FC9BB-D448-CF57-3AB6-4177FD47A2EC}"/>
+                <a16:creationId xmlns:a16="http://schemas.microsoft.com/office/drawing/2014/main" id="{6FB9B760-49CC-13FC-1205-EF680E80A536}"/>
               </a:ext>
             </a:extLst>
           </p:cNvPr>
@@ -17776,10 +23411,70 @@
           </a:prstGeom>
         </p:spPr>
       </p:pic>
+      <p:pic>
+        <p:nvPicPr>
+          <p:cNvPr id="4" name="Picture 3">
+            <a:extLst>
+              <a:ext uri="{FF2B5EF4-FFF2-40B4-BE49-F238E27FC236}">
+                <a16:creationId xmlns:a16="http://schemas.microsoft.com/office/drawing/2014/main" id="{E69A71E1-576F-B7E3-77A8-78D4A8F9F46A}"/>
+              </a:ext>
+            </a:extLst>
+          </p:cNvPr>
+          <p:cNvPicPr>
+            <a:picLocks noChangeAspect="1"/>
+          </p:cNvPicPr>
+          <p:nvPr/>
+        </p:nvPicPr>
+        <p:blipFill>
+          <a:blip r:embed="rId4"/>
+          <a:stretch>
+            <a:fillRect/>
+          </a:stretch>
+        </p:blipFill>
+        <p:spPr>
+          <a:xfrm>
+            <a:off x="4081179" y="1087050"/>
+            <a:ext cx="4029637" cy="390580"/>
+          </a:xfrm>
+          <a:prstGeom prst="rect">
+            <a:avLst/>
+          </a:prstGeom>
+        </p:spPr>
+      </p:pic>
+      <p:pic>
+        <p:nvPicPr>
+          <p:cNvPr id="7" name="Picture 6">
+            <a:extLst>
+              <a:ext uri="{FF2B5EF4-FFF2-40B4-BE49-F238E27FC236}">
+                <a16:creationId xmlns:a16="http://schemas.microsoft.com/office/drawing/2014/main" id="{1AC0A1FA-EA3B-76F1-069F-16576B28F87B}"/>
+              </a:ext>
+            </a:extLst>
+          </p:cNvPr>
+          <p:cNvPicPr>
+            <a:picLocks noChangeAspect="1"/>
+          </p:cNvPicPr>
+          <p:nvPr/>
+        </p:nvPicPr>
+        <p:blipFill>
+          <a:blip r:embed="rId5"/>
+          <a:stretch>
+            <a:fillRect/>
+          </a:stretch>
+        </p:blipFill>
+        <p:spPr>
+          <a:xfrm>
+            <a:off x="489203" y="1655922"/>
+            <a:ext cx="11210011" cy="3868244"/>
+          </a:xfrm>
+          <a:prstGeom prst="rect">
+            <a:avLst/>
+          </a:prstGeom>
+        </p:spPr>
+      </p:pic>
     </p:spTree>
     <p:extLst>
       <p:ext uri="{BB962C8B-B14F-4D97-AF65-F5344CB8AC3E}">
-        <p14:creationId xmlns:p14="http://schemas.microsoft.com/office/powerpoint/2010/main" val="2260277914"/>
+        <p14:creationId xmlns:p14="http://schemas.microsoft.com/office/powerpoint/2010/main" val="3968397692"/>
       </p:ext>
     </p:extLst>
   </p:cSld>
@@ -17789,15 +23484,15 @@
 </p:sld>
 </file>
 
-<file path=ppt/slides/slide4.xml><?xml version="1.0" encoding="utf-8"?>
-<p:sld xmlns:a="http://schemas.openxmlformats.org/drawingml/2006/main" xmlns:r="http://schemas.openxmlformats.org/officeDocument/2006/relationships" xmlns:p="http://schemas.openxmlformats.org/presentationml/2006/main" showMasterSp="0">
+<file path=ppt/slides/slide5.xml><?xml version="1.0" encoding="utf-8"?>
+<p:sld xmlns:a="http://schemas.openxmlformats.org/drawingml/2006/main" xmlns:r="http://schemas.openxmlformats.org/officeDocument/2006/relationships" xmlns:p="http://schemas.openxmlformats.org/presentationml/2006/main">
   <p:cSld>
     <p:spTree>
       <p:nvGrpSpPr>
         <p:cNvPr id="1" name="">
           <a:extLst>
             <a:ext uri="{FF2B5EF4-FFF2-40B4-BE49-F238E27FC236}">
-              <a16:creationId xmlns:a16="http://schemas.microsoft.com/office/drawing/2014/main" id="{F9108FBB-2C60-5C99-E283-B491B650900D}"/>
+              <a16:creationId xmlns:a16="http://schemas.microsoft.com/office/drawing/2014/main" id="{E00E294F-6E2C-0A8A-2D8B-24F2C607C9B2}"/>
             </a:ext>
           </a:extLst>
         </p:cNvPr>
@@ -17817,7 +23512,7 @@
           <p:cNvPr id="10" name="Picture 9" descr="Dai Nam [PPT] Template 11.png">
             <a:extLst>
               <a:ext uri="{FF2B5EF4-FFF2-40B4-BE49-F238E27FC236}">
-                <a16:creationId xmlns:a16="http://schemas.microsoft.com/office/drawing/2014/main" id="{8E7F055A-801F-CEFB-2B7E-EDDFB8DD5810}"/>
+                <a16:creationId xmlns:a16="http://schemas.microsoft.com/office/drawing/2014/main" id="{FF653F5C-ED90-CACB-39BC-DA10BA623B57}"/>
               </a:ext>
             </a:extLst>
           </p:cNvPr>
@@ -17853,7 +23548,7 @@
           <p:cNvPr id="20" name="TextBox 19">
             <a:extLst>
               <a:ext uri="{FF2B5EF4-FFF2-40B4-BE49-F238E27FC236}">
-                <a16:creationId xmlns:a16="http://schemas.microsoft.com/office/drawing/2014/main" id="{3C61B269-1F2A-3EA9-EA2F-A41C5D289CC2}"/>
+                <a16:creationId xmlns:a16="http://schemas.microsoft.com/office/drawing/2014/main" id="{D99AA44C-C31B-236F-B27E-581290687050}"/>
               </a:ext>
             </a:extLst>
           </p:cNvPr>
@@ -17894,7 +23589,7 @@
           <p:cNvPr id="21" name="TextBox 20">
             <a:extLst>
               <a:ext uri="{FF2B5EF4-FFF2-40B4-BE49-F238E27FC236}">
-                <a16:creationId xmlns:a16="http://schemas.microsoft.com/office/drawing/2014/main" id="{69CB5059-3477-F582-B1D4-0C55CFADFCB4}"/>
+                <a16:creationId xmlns:a16="http://schemas.microsoft.com/office/drawing/2014/main" id="{E39E8393-9A63-2E74-789E-07275A905CC7}"/>
               </a:ext>
             </a:extLst>
           </p:cNvPr>
@@ -17956,7 +23651,7 @@
           <p:cNvPr id="22" name="TextBox 21">
             <a:extLst>
               <a:ext uri="{FF2B5EF4-FFF2-40B4-BE49-F238E27FC236}">
-                <a16:creationId xmlns:a16="http://schemas.microsoft.com/office/drawing/2014/main" id="{E70D351A-6F1C-98C8-3CEB-E5D739DDDD06}"/>
+                <a16:creationId xmlns:a16="http://schemas.microsoft.com/office/drawing/2014/main" id="{6CC75C00-01DA-81C7-EC0F-8F63A7D6C953}"/>
               </a:ext>
             </a:extLst>
           </p:cNvPr>
@@ -17981,22 +23676,15 @@
           <a:p>
             <a:pPr algn="ctr"/>
             <a:r>
-              <a:rPr lang="en-US" sz="3200" b="1">
+              <a:rPr lang="en-US" sz="3200" b="1" dirty="0">
                 <a:solidFill>
                   <a:srgbClr val="FF6600"/>
                 </a:solidFill>
                 <a:latin typeface="Arial"/>
                 <a:cs typeface="Arial"/>
               </a:rPr>
-              <a:t>LAB 5315</a:t>
+              <a:t>LAB 5313</a:t>
             </a:r>
-            <a:endParaRPr lang="en-US" sz="3200" b="1" dirty="0">
-              <a:solidFill>
-                <a:srgbClr val="FF6600"/>
-              </a:solidFill>
-              <a:latin typeface="Arial"/>
-              <a:cs typeface="Arial"/>
-            </a:endParaRPr>
           </a:p>
         </p:txBody>
       </p:sp>
@@ -18005,7 +23693,7 @@
           <p:cNvPr id="25" name="Picture 24" descr="Dai Nam [PPT] Template 15.png">
             <a:extLst>
               <a:ext uri="{FF2B5EF4-FFF2-40B4-BE49-F238E27FC236}">
-                <a16:creationId xmlns:a16="http://schemas.microsoft.com/office/drawing/2014/main" id="{7E06523E-3B10-60FD-ADEA-38AAE747B2B6}"/>
+                <a16:creationId xmlns:a16="http://schemas.microsoft.com/office/drawing/2014/main" id="{9CF0C081-7889-D807-5151-E4086511E564}"/>
               </a:ext>
             </a:extLst>
           </p:cNvPr>
@@ -18038,10 +23726,10 @@
       </p:pic>
       <p:pic>
         <p:nvPicPr>
-          <p:cNvPr id="3" name="Picture 2" descr="A screenshot of a computer&#10;&#10;AI-generated content may be incorrect.">
+          <p:cNvPr id="7" name="Picture 6">
             <a:extLst>
               <a:ext uri="{FF2B5EF4-FFF2-40B4-BE49-F238E27FC236}">
-                <a16:creationId xmlns:a16="http://schemas.microsoft.com/office/drawing/2014/main" id="{0AA2A8A8-F39B-3D52-9359-5FBB8E752021}"/>
+                <a16:creationId xmlns:a16="http://schemas.microsoft.com/office/drawing/2014/main" id="{4ED9C96F-1533-D350-387A-969E73E14E3D}"/>
               </a:ext>
             </a:extLst>
           </p:cNvPr>
@@ -18058,28 +23746,48 @@
         </p:blipFill>
         <p:spPr>
           <a:xfrm>
-            <a:off x="1551941" y="1428471"/>
-            <a:ext cx="9088118" cy="4001058"/>
+            <a:off x="833239" y="1400807"/>
+            <a:ext cx="4999203" cy="4570935"/>
           </a:xfrm>
           <a:prstGeom prst="rect">
             <a:avLst/>
           </a:prstGeom>
-          <a:ln>
-            <a:noFill/>
-          </a:ln>
-          <a:effectLst>
-            <a:outerShdw blurRad="292100" dist="139700" dir="2700000" algn="tl" rotWithShape="0">
-              <a:srgbClr val="333333">
-                <a:alpha val="65000"/>
-              </a:srgbClr>
-            </a:outerShdw>
-          </a:effectLst>
+        </p:spPr>
+      </p:pic>
+      <p:pic>
+        <p:nvPicPr>
+          <p:cNvPr id="9" name="Picture 8">
+            <a:extLst>
+              <a:ext uri="{FF2B5EF4-FFF2-40B4-BE49-F238E27FC236}">
+                <a16:creationId xmlns:a16="http://schemas.microsoft.com/office/drawing/2014/main" id="{B712167D-195A-B492-7603-C74FF8C2C148}"/>
+              </a:ext>
+            </a:extLst>
+          </p:cNvPr>
+          <p:cNvPicPr>
+            <a:picLocks noChangeAspect="1"/>
+          </p:cNvPicPr>
+          <p:nvPr/>
+        </p:nvPicPr>
+        <p:blipFill>
+          <a:blip r:embed="rId5"/>
+          <a:stretch>
+            <a:fillRect/>
+          </a:stretch>
+        </p:blipFill>
+        <p:spPr>
+          <a:xfrm>
+            <a:off x="6487040" y="1383548"/>
+            <a:ext cx="5037859" cy="4570935"/>
+          </a:xfrm>
+          <a:prstGeom prst="rect">
+            <a:avLst/>
+          </a:prstGeom>
         </p:spPr>
       </p:pic>
     </p:spTree>
     <p:extLst>
       <p:ext uri="{BB962C8B-B14F-4D97-AF65-F5344CB8AC3E}">
-        <p14:creationId xmlns:p14="http://schemas.microsoft.com/office/powerpoint/2010/main" val="436481124"/>
+        <p14:creationId xmlns:p14="http://schemas.microsoft.com/office/powerpoint/2010/main" val="4092925588"/>
       </p:ext>
     </p:extLst>
   </p:cSld>
@@ -18089,15 +23797,15 @@
 </p:sld>
 </file>
 
-<file path=ppt/slides/slide5.xml><?xml version="1.0" encoding="utf-8"?>
-<p:sld xmlns:a="http://schemas.openxmlformats.org/drawingml/2006/main" xmlns:r="http://schemas.openxmlformats.org/officeDocument/2006/relationships" xmlns:p="http://schemas.openxmlformats.org/presentationml/2006/main" showMasterSp="0">
+<file path=ppt/slides/slide6.xml><?xml version="1.0" encoding="utf-8"?>
+<p:sld xmlns:a="http://schemas.openxmlformats.org/drawingml/2006/main" xmlns:r="http://schemas.openxmlformats.org/officeDocument/2006/relationships" xmlns:p="http://schemas.openxmlformats.org/presentationml/2006/main">
   <p:cSld>
     <p:spTree>
       <p:nvGrpSpPr>
         <p:cNvPr id="1" name="">
           <a:extLst>
             <a:ext uri="{FF2B5EF4-FFF2-40B4-BE49-F238E27FC236}">
-              <a16:creationId xmlns:a16="http://schemas.microsoft.com/office/drawing/2014/main" id="{4587360E-09E3-9007-18E7-0969EB917FBB}"/>
+              <a16:creationId xmlns:a16="http://schemas.microsoft.com/office/drawing/2014/main" id="{960D1DE5-5B81-E416-CDD9-86C25B79D35E}"/>
             </a:ext>
           </a:extLst>
         </p:cNvPr>
@@ -18117,7 +23825,7 @@
           <p:cNvPr id="10" name="Picture 9" descr="Dai Nam [PPT] Template 11.png">
             <a:extLst>
               <a:ext uri="{FF2B5EF4-FFF2-40B4-BE49-F238E27FC236}">
-                <a16:creationId xmlns:a16="http://schemas.microsoft.com/office/drawing/2014/main" id="{F46A436A-56F7-157A-E0CB-D802D80FC6DD}"/>
+                <a16:creationId xmlns:a16="http://schemas.microsoft.com/office/drawing/2014/main" id="{9655684C-F9CB-D6A0-A7CF-4C053AF4C60A}"/>
               </a:ext>
             </a:extLst>
           </p:cNvPr>
@@ -18153,7 +23861,7 @@
           <p:cNvPr id="20" name="TextBox 19">
             <a:extLst>
               <a:ext uri="{FF2B5EF4-FFF2-40B4-BE49-F238E27FC236}">
-                <a16:creationId xmlns:a16="http://schemas.microsoft.com/office/drawing/2014/main" id="{2A22A800-7E4A-06D1-B228-84C5BC76D44E}"/>
+                <a16:creationId xmlns:a16="http://schemas.microsoft.com/office/drawing/2014/main" id="{D0BCC294-F648-268B-BD78-2748700BAD6A}"/>
               </a:ext>
             </a:extLst>
           </p:cNvPr>
@@ -18194,7 +23902,7 @@
           <p:cNvPr id="21" name="TextBox 20">
             <a:extLst>
               <a:ext uri="{FF2B5EF4-FFF2-40B4-BE49-F238E27FC236}">
-                <a16:creationId xmlns:a16="http://schemas.microsoft.com/office/drawing/2014/main" id="{F852F377-A6A9-FF9E-C6B5-3812631863FA}"/>
+                <a16:creationId xmlns:a16="http://schemas.microsoft.com/office/drawing/2014/main" id="{5D6EAAA2-95F2-0F6B-37E1-256875993A69}"/>
               </a:ext>
             </a:extLst>
           </p:cNvPr>
@@ -18256,7 +23964,7 @@
           <p:cNvPr id="22" name="TextBox 21">
             <a:extLst>
               <a:ext uri="{FF2B5EF4-FFF2-40B4-BE49-F238E27FC236}">
-                <a16:creationId xmlns:a16="http://schemas.microsoft.com/office/drawing/2014/main" id="{471F52DB-6546-C488-78FD-202C3CA72BEB}"/>
+                <a16:creationId xmlns:a16="http://schemas.microsoft.com/office/drawing/2014/main" id="{325F032F-FA1B-EE0A-F665-51B5872AD89B}"/>
               </a:ext>
             </a:extLst>
           </p:cNvPr>
@@ -18281,22 +23989,15 @@
           <a:p>
             <a:pPr algn="ctr"/>
             <a:r>
-              <a:rPr lang="en-US" sz="3200" b="1">
+              <a:rPr lang="en-US" sz="3200" b="1" dirty="0">
                 <a:solidFill>
                   <a:srgbClr val="FF6600"/>
                 </a:solidFill>
                 <a:latin typeface="Arial"/>
                 <a:cs typeface="Arial"/>
               </a:rPr>
-              <a:t>LAB 5315</a:t>
+              <a:t>LAB 5313</a:t>
             </a:r>
-            <a:endParaRPr lang="en-US" sz="3200" b="1" dirty="0">
-              <a:solidFill>
-                <a:srgbClr val="FF6600"/>
-              </a:solidFill>
-              <a:latin typeface="Arial"/>
-              <a:cs typeface="Arial"/>
-            </a:endParaRPr>
           </a:p>
         </p:txBody>
       </p:sp>
@@ -18305,7 +24006,7 @@
           <p:cNvPr id="25" name="Picture 24" descr="Dai Nam [PPT] Template 15.png">
             <a:extLst>
               <a:ext uri="{FF2B5EF4-FFF2-40B4-BE49-F238E27FC236}">
-                <a16:creationId xmlns:a16="http://schemas.microsoft.com/office/drawing/2014/main" id="{4BB6A315-4CD6-73E9-61AB-CCCC74E0D8FE}"/>
+                <a16:creationId xmlns:a16="http://schemas.microsoft.com/office/drawing/2014/main" id="{674A6FFB-7F2B-A753-E59A-43C1A85D3304}"/>
               </a:ext>
             </a:extLst>
           </p:cNvPr>
@@ -18338,10 +24039,10 @@
       </p:pic>
       <p:pic>
         <p:nvPicPr>
-          <p:cNvPr id="4" name="Picture 3" descr="A group of graphs with different colored bars&#10;&#10;AI-generated content may be incorrect.">
+          <p:cNvPr id="4" name="Picture 3">
             <a:extLst>
               <a:ext uri="{FF2B5EF4-FFF2-40B4-BE49-F238E27FC236}">
-                <a16:creationId xmlns:a16="http://schemas.microsoft.com/office/drawing/2014/main" id="{38F87991-733C-1BB4-D502-883A174A3817}"/>
+                <a16:creationId xmlns:a16="http://schemas.microsoft.com/office/drawing/2014/main" id="{22B1F17D-5ACA-23D4-38EF-5CB27AEBEA87}"/>
               </a:ext>
             </a:extLst>
           </p:cNvPr>
@@ -18358,8 +24059,38 @@
         </p:blipFill>
         <p:spPr>
           <a:xfrm>
-            <a:off x="2347109" y="766294"/>
-            <a:ext cx="7497781" cy="5471769"/>
+            <a:off x="2628059" y="1399642"/>
+            <a:ext cx="7699453" cy="4697782"/>
+          </a:xfrm>
+          <a:prstGeom prst="rect">
+            <a:avLst/>
+          </a:prstGeom>
+        </p:spPr>
+      </p:pic>
+      <p:pic>
+        <p:nvPicPr>
+          <p:cNvPr id="7" name="Picture 6">
+            <a:extLst>
+              <a:ext uri="{FF2B5EF4-FFF2-40B4-BE49-F238E27FC236}">
+                <a16:creationId xmlns:a16="http://schemas.microsoft.com/office/drawing/2014/main" id="{B6B78913-059C-69F2-23A8-2A2971BBC7B6}"/>
+              </a:ext>
+            </a:extLst>
+          </p:cNvPr>
+          <p:cNvPicPr>
+            <a:picLocks noChangeAspect="1"/>
+          </p:cNvPicPr>
+          <p:nvPr/>
+        </p:nvPicPr>
+        <p:blipFill>
+          <a:blip r:embed="rId5"/>
+          <a:stretch>
+            <a:fillRect/>
+          </a:stretch>
+        </p:blipFill>
+        <p:spPr>
+          <a:xfrm>
+            <a:off x="3968704" y="900534"/>
+            <a:ext cx="4163006" cy="200053"/>
           </a:xfrm>
           <a:prstGeom prst="rect">
             <a:avLst/>
@@ -18369,7 +24100,7 @@
     </p:spTree>
     <p:extLst>
       <p:ext uri="{BB962C8B-B14F-4D97-AF65-F5344CB8AC3E}">
-        <p14:creationId xmlns:p14="http://schemas.microsoft.com/office/powerpoint/2010/main" val="3856108673"/>
+        <p14:creationId xmlns:p14="http://schemas.microsoft.com/office/powerpoint/2010/main" val="4193395878"/>
       </p:ext>
     </p:extLst>
   </p:cSld>
@@ -18379,15 +24110,15 @@
 </p:sld>
 </file>
 
-<file path=ppt/slides/slide6.xml><?xml version="1.0" encoding="utf-8"?>
-<p:sld xmlns:a="http://schemas.openxmlformats.org/drawingml/2006/main" xmlns:r="http://schemas.openxmlformats.org/officeDocument/2006/relationships" xmlns:p="http://schemas.openxmlformats.org/presentationml/2006/main" showMasterSp="0">
+<file path=ppt/slides/slide7.xml><?xml version="1.0" encoding="utf-8"?>
+<p:sld xmlns:a="http://schemas.openxmlformats.org/drawingml/2006/main" xmlns:r="http://schemas.openxmlformats.org/officeDocument/2006/relationships" xmlns:p="http://schemas.openxmlformats.org/presentationml/2006/main">
   <p:cSld>
     <p:spTree>
       <p:nvGrpSpPr>
         <p:cNvPr id="1" name="">
           <a:extLst>
             <a:ext uri="{FF2B5EF4-FFF2-40B4-BE49-F238E27FC236}">
-              <a16:creationId xmlns:a16="http://schemas.microsoft.com/office/drawing/2014/main" id="{B99C7194-71AC-B99B-C362-5B435A15AE37}"/>
+              <a16:creationId xmlns:a16="http://schemas.microsoft.com/office/drawing/2014/main" id="{F78A85DA-EEB0-6EA9-7AE5-D46EC686735F}"/>
             </a:ext>
           </a:extLst>
         </p:cNvPr>
@@ -18407,7 +24138,7 @@
           <p:cNvPr id="10" name="Picture 9" descr="Dai Nam [PPT] Template 11.png">
             <a:extLst>
               <a:ext uri="{FF2B5EF4-FFF2-40B4-BE49-F238E27FC236}">
-                <a16:creationId xmlns:a16="http://schemas.microsoft.com/office/drawing/2014/main" id="{CF7AEF3C-595D-BC12-F5E0-4FDDDD99667E}"/>
+                <a16:creationId xmlns:a16="http://schemas.microsoft.com/office/drawing/2014/main" id="{58561357-81B1-86D6-872D-D7498C0ED238}"/>
               </a:ext>
             </a:extLst>
           </p:cNvPr>
@@ -18443,7 +24174,7 @@
           <p:cNvPr id="20" name="TextBox 19">
             <a:extLst>
               <a:ext uri="{FF2B5EF4-FFF2-40B4-BE49-F238E27FC236}">
-                <a16:creationId xmlns:a16="http://schemas.microsoft.com/office/drawing/2014/main" id="{58BFEE08-F04F-9E28-68FD-1A42C0169D84}"/>
+                <a16:creationId xmlns:a16="http://schemas.microsoft.com/office/drawing/2014/main" id="{FC7B33B3-99CA-73F3-E632-A12D327ACDF3}"/>
               </a:ext>
             </a:extLst>
           </p:cNvPr>
@@ -18484,7 +24215,7 @@
           <p:cNvPr id="21" name="TextBox 20">
             <a:extLst>
               <a:ext uri="{FF2B5EF4-FFF2-40B4-BE49-F238E27FC236}">
-                <a16:creationId xmlns:a16="http://schemas.microsoft.com/office/drawing/2014/main" id="{61977FF2-4613-8480-10B1-7AFC2C0DB2BF}"/>
+                <a16:creationId xmlns:a16="http://schemas.microsoft.com/office/drawing/2014/main" id="{D990DE73-9063-AEF2-2C35-301228E48145}"/>
               </a:ext>
             </a:extLst>
           </p:cNvPr>
@@ -18546,7 +24277,7 @@
           <p:cNvPr id="22" name="TextBox 21">
             <a:extLst>
               <a:ext uri="{FF2B5EF4-FFF2-40B4-BE49-F238E27FC236}">
-                <a16:creationId xmlns:a16="http://schemas.microsoft.com/office/drawing/2014/main" id="{EA73D22B-37CE-9856-E2EF-D743CDD27299}"/>
+                <a16:creationId xmlns:a16="http://schemas.microsoft.com/office/drawing/2014/main" id="{C3DDEF64-971B-6819-5E67-FFC5DCA1089B}"/>
               </a:ext>
             </a:extLst>
           </p:cNvPr>
@@ -18571,22 +24302,15 @@
           <a:p>
             <a:pPr algn="ctr"/>
             <a:r>
-              <a:rPr lang="en-US" sz="3200" b="1">
+              <a:rPr lang="en-US" sz="3200" b="1" dirty="0">
                 <a:solidFill>
                   <a:srgbClr val="FF6600"/>
                 </a:solidFill>
                 <a:latin typeface="Arial"/>
                 <a:cs typeface="Arial"/>
               </a:rPr>
-              <a:t>LAB 5315</a:t>
+              <a:t>LAB 5313</a:t>
             </a:r>
-            <a:endParaRPr lang="en-US" sz="3200" b="1" dirty="0">
-              <a:solidFill>
-                <a:srgbClr val="FF6600"/>
-              </a:solidFill>
-              <a:latin typeface="Arial"/>
-              <a:cs typeface="Arial"/>
-            </a:endParaRPr>
           </a:p>
         </p:txBody>
       </p:sp>
@@ -18595,7 +24319,7 @@
           <p:cNvPr id="25" name="Picture 24" descr="Dai Nam [PPT] Template 15.png">
             <a:extLst>
               <a:ext uri="{FF2B5EF4-FFF2-40B4-BE49-F238E27FC236}">
-                <a16:creationId xmlns:a16="http://schemas.microsoft.com/office/drawing/2014/main" id="{C1CEDC4A-8696-91CA-AB2F-0776D1ABAC77}"/>
+                <a16:creationId xmlns:a16="http://schemas.microsoft.com/office/drawing/2014/main" id="{04268E4A-20A3-82AB-65BE-49023C40CD7A}"/>
               </a:ext>
             </a:extLst>
           </p:cNvPr>
@@ -18628,10 +24352,10 @@
       </p:pic>
       <p:pic>
         <p:nvPicPr>
-          <p:cNvPr id="3" name="Picture 2" descr="A screenshot of a computer&#10;&#10;AI-generated content may be incorrect.">
+          <p:cNvPr id="3" name="Picture 2">
             <a:extLst>
               <a:ext uri="{FF2B5EF4-FFF2-40B4-BE49-F238E27FC236}">
-                <a16:creationId xmlns:a16="http://schemas.microsoft.com/office/drawing/2014/main" id="{DE7D1980-0B9E-F0DD-26BA-CF9CE115420C}"/>
+                <a16:creationId xmlns:a16="http://schemas.microsoft.com/office/drawing/2014/main" id="{F6B5F1C3-14BE-A604-A159-24BECE63E092}"/>
               </a:ext>
             </a:extLst>
           </p:cNvPr>
@@ -18648,8 +24372,8 @@
         </p:blipFill>
         <p:spPr>
           <a:xfrm>
-            <a:off x="2642703" y="1542787"/>
-            <a:ext cx="6906589" cy="3772426"/>
+            <a:off x="890332" y="1345563"/>
+            <a:ext cx="9884219" cy="4431227"/>
           </a:xfrm>
           <a:prstGeom prst="rect">
             <a:avLst/>
@@ -18659,7 +24383,7 @@
     </p:spTree>
     <p:extLst>
       <p:ext uri="{BB962C8B-B14F-4D97-AF65-F5344CB8AC3E}">
-        <p14:creationId xmlns:p14="http://schemas.microsoft.com/office/powerpoint/2010/main" val="3432903114"/>
+        <p14:creationId xmlns:p14="http://schemas.microsoft.com/office/powerpoint/2010/main" val="2883509503"/>
       </p:ext>
     </p:extLst>
   </p:cSld>
@@ -18669,15 +24393,15 @@
 </p:sld>
 </file>
 
-<file path=ppt/slides/slide7.xml><?xml version="1.0" encoding="utf-8"?>
-<p:sld xmlns:a="http://schemas.openxmlformats.org/drawingml/2006/main" xmlns:r="http://schemas.openxmlformats.org/officeDocument/2006/relationships" xmlns:p="http://schemas.openxmlformats.org/presentationml/2006/main" showMasterSp="0">
+<file path=ppt/slides/slide8.xml><?xml version="1.0" encoding="utf-8"?>
+<p:sld xmlns:a="http://schemas.openxmlformats.org/drawingml/2006/main" xmlns:r="http://schemas.openxmlformats.org/officeDocument/2006/relationships" xmlns:p="http://schemas.openxmlformats.org/presentationml/2006/main">
   <p:cSld>
     <p:spTree>
       <p:nvGrpSpPr>
         <p:cNvPr id="1" name="">
           <a:extLst>
             <a:ext uri="{FF2B5EF4-FFF2-40B4-BE49-F238E27FC236}">
-              <a16:creationId xmlns:a16="http://schemas.microsoft.com/office/drawing/2014/main" id="{CA22F4F5-49F3-ECF6-07E1-85892055F5DD}"/>
+              <a16:creationId xmlns:a16="http://schemas.microsoft.com/office/drawing/2014/main" id="{9F53FDC9-E84B-DDC8-DC6C-D6E37214F44B}"/>
             </a:ext>
           </a:extLst>
         </p:cNvPr>
@@ -18697,7 +24421,7 @@
           <p:cNvPr id="10" name="Picture 9" descr="Dai Nam [PPT] Template 11.png">
             <a:extLst>
               <a:ext uri="{FF2B5EF4-FFF2-40B4-BE49-F238E27FC236}">
-                <a16:creationId xmlns:a16="http://schemas.microsoft.com/office/drawing/2014/main" id="{C74BB506-935C-B147-F16D-0E5E08DCF90C}"/>
+                <a16:creationId xmlns:a16="http://schemas.microsoft.com/office/drawing/2014/main" id="{73E09E7B-6731-8848-4581-7F9BB849BF82}"/>
               </a:ext>
             </a:extLst>
           </p:cNvPr>
@@ -18733,7 +24457,7 @@
           <p:cNvPr id="20" name="TextBox 19">
             <a:extLst>
               <a:ext uri="{FF2B5EF4-FFF2-40B4-BE49-F238E27FC236}">
-                <a16:creationId xmlns:a16="http://schemas.microsoft.com/office/drawing/2014/main" id="{4F19D143-7119-16DB-A944-CA3990BD0468}"/>
+                <a16:creationId xmlns:a16="http://schemas.microsoft.com/office/drawing/2014/main" id="{19822C5D-0ACF-4FFB-0227-8FB76708B3FA}"/>
               </a:ext>
             </a:extLst>
           </p:cNvPr>
@@ -18774,7 +24498,7 @@
           <p:cNvPr id="21" name="TextBox 20">
             <a:extLst>
               <a:ext uri="{FF2B5EF4-FFF2-40B4-BE49-F238E27FC236}">
-                <a16:creationId xmlns:a16="http://schemas.microsoft.com/office/drawing/2014/main" id="{C6B063C4-20A9-0D3E-5175-DB0FBD9E44D3}"/>
+                <a16:creationId xmlns:a16="http://schemas.microsoft.com/office/drawing/2014/main" id="{500A661F-21D0-903E-5F64-1B09DFDE8E2D}"/>
               </a:ext>
             </a:extLst>
           </p:cNvPr>
@@ -18836,7 +24560,7 @@
           <p:cNvPr id="22" name="TextBox 21">
             <a:extLst>
               <a:ext uri="{FF2B5EF4-FFF2-40B4-BE49-F238E27FC236}">
-                <a16:creationId xmlns:a16="http://schemas.microsoft.com/office/drawing/2014/main" id="{69FD88EE-BD98-924D-1C8D-0010F42A4E76}"/>
+                <a16:creationId xmlns:a16="http://schemas.microsoft.com/office/drawing/2014/main" id="{3C3AC229-D8D0-B423-D472-651465624F07}"/>
               </a:ext>
             </a:extLst>
           </p:cNvPr>
@@ -18861,22 +24585,15 @@
           <a:p>
             <a:pPr algn="ctr"/>
             <a:r>
-              <a:rPr lang="en-US" sz="3200" b="1">
+              <a:rPr lang="en-US" sz="3200" b="1" dirty="0">
                 <a:solidFill>
                   <a:srgbClr val="FF6600"/>
                 </a:solidFill>
                 <a:latin typeface="Arial"/>
                 <a:cs typeface="Arial"/>
               </a:rPr>
-              <a:t>LAB 5315</a:t>
+              <a:t>LAB 5313</a:t>
             </a:r>
-            <a:endParaRPr lang="en-US" sz="3200" b="1" dirty="0">
-              <a:solidFill>
-                <a:srgbClr val="FF6600"/>
-              </a:solidFill>
-              <a:latin typeface="Arial"/>
-              <a:cs typeface="Arial"/>
-            </a:endParaRPr>
           </a:p>
         </p:txBody>
       </p:sp>
@@ -18885,7 +24602,7 @@
           <p:cNvPr id="25" name="Picture 24" descr="Dai Nam [PPT] Template 15.png">
             <a:extLst>
               <a:ext uri="{FF2B5EF4-FFF2-40B4-BE49-F238E27FC236}">
-                <a16:creationId xmlns:a16="http://schemas.microsoft.com/office/drawing/2014/main" id="{1D689585-C04B-FDAB-D3A6-345890C189E2}"/>
+                <a16:creationId xmlns:a16="http://schemas.microsoft.com/office/drawing/2014/main" id="{53E6A56F-C310-02CE-114C-9427BC5F918A}"/>
               </a:ext>
             </a:extLst>
           </p:cNvPr>
@@ -18918,10 +24635,10 @@
       </p:pic>
       <p:pic>
         <p:nvPicPr>
-          <p:cNvPr id="3" name="Picture 2" descr="A graph with dots and numbers&#10;&#10;AI-generated content may be incorrect.">
+          <p:cNvPr id="4" name="Picture 3">
             <a:extLst>
               <a:ext uri="{FF2B5EF4-FFF2-40B4-BE49-F238E27FC236}">
-                <a16:creationId xmlns:a16="http://schemas.microsoft.com/office/drawing/2014/main" id="{CEFCBC1D-16AE-A99A-81C4-F820F558DE2C}"/>
+                <a16:creationId xmlns:a16="http://schemas.microsoft.com/office/drawing/2014/main" id="{33E7907B-EE81-F498-3237-65D06ACD9EAD}"/>
               </a:ext>
             </a:extLst>
           </p:cNvPr>
@@ -18938,8 +24655,38 @@
         </p:blipFill>
         <p:spPr>
           <a:xfrm>
-            <a:off x="1737702" y="971207"/>
-            <a:ext cx="8716591" cy="4915586"/>
+            <a:off x="2614124" y="1462235"/>
+            <a:ext cx="6963747" cy="4258269"/>
+          </a:xfrm>
+          <a:prstGeom prst="rect">
+            <a:avLst/>
+          </a:prstGeom>
+        </p:spPr>
+      </p:pic>
+      <p:pic>
+        <p:nvPicPr>
+          <p:cNvPr id="7" name="Picture 6">
+            <a:extLst>
+              <a:ext uri="{FF2B5EF4-FFF2-40B4-BE49-F238E27FC236}">
+                <a16:creationId xmlns:a16="http://schemas.microsoft.com/office/drawing/2014/main" id="{328B9862-8F60-A9D1-AE2F-029BAA68ED3C}"/>
+              </a:ext>
+            </a:extLst>
+          </p:cNvPr>
+          <p:cNvPicPr>
+            <a:picLocks noChangeAspect="1"/>
+          </p:cNvPicPr>
+          <p:nvPr/>
+        </p:nvPicPr>
+        <p:blipFill>
+          <a:blip r:embed="rId5"/>
+          <a:stretch>
+            <a:fillRect/>
+          </a:stretch>
+        </p:blipFill>
+        <p:spPr>
+          <a:xfrm>
+            <a:off x="4723722" y="960312"/>
+            <a:ext cx="2744556" cy="278918"/>
           </a:xfrm>
           <a:prstGeom prst="rect">
             <a:avLst/>
@@ -18949,7 +24696,7 @@
     </p:spTree>
     <p:extLst>
       <p:ext uri="{BB962C8B-B14F-4D97-AF65-F5344CB8AC3E}">
-        <p14:creationId xmlns:p14="http://schemas.microsoft.com/office/powerpoint/2010/main" val="3667014394"/>
+        <p14:creationId xmlns:p14="http://schemas.microsoft.com/office/powerpoint/2010/main" val="4179911082"/>
       </p:ext>
     </p:extLst>
   </p:cSld>
@@ -18959,15 +24706,15 @@
 </p:sld>
 </file>
 
-<file path=ppt/slides/slide8.xml><?xml version="1.0" encoding="utf-8"?>
-<p:sld xmlns:a="http://schemas.openxmlformats.org/drawingml/2006/main" xmlns:r="http://schemas.openxmlformats.org/officeDocument/2006/relationships" xmlns:p="http://schemas.openxmlformats.org/presentationml/2006/main" showMasterSp="0">
+<file path=ppt/slides/slide9.xml><?xml version="1.0" encoding="utf-8"?>
+<p:sld xmlns:a="http://schemas.openxmlformats.org/drawingml/2006/main" xmlns:r="http://schemas.openxmlformats.org/officeDocument/2006/relationships" xmlns:p="http://schemas.openxmlformats.org/presentationml/2006/main">
   <p:cSld>
     <p:spTree>
       <p:nvGrpSpPr>
         <p:cNvPr id="1" name="">
           <a:extLst>
             <a:ext uri="{FF2B5EF4-FFF2-40B4-BE49-F238E27FC236}">
-              <a16:creationId xmlns:a16="http://schemas.microsoft.com/office/drawing/2014/main" id="{2713AFD0-3A24-F2D8-F8DF-5B152A4DD353}"/>
+              <a16:creationId xmlns:a16="http://schemas.microsoft.com/office/drawing/2014/main" id="{C8AD0ACC-EF76-7E42-C95B-884A94DC0FAE}"/>
             </a:ext>
           </a:extLst>
         </p:cNvPr>
@@ -18987,7 +24734,7 @@
           <p:cNvPr id="10" name="Picture 9" descr="Dai Nam [PPT] Template 11.png">
             <a:extLst>
               <a:ext uri="{FF2B5EF4-FFF2-40B4-BE49-F238E27FC236}">
-                <a16:creationId xmlns:a16="http://schemas.microsoft.com/office/drawing/2014/main" id="{E18AFD5A-588C-C3CD-D34A-DA69289B9278}"/>
+                <a16:creationId xmlns:a16="http://schemas.microsoft.com/office/drawing/2014/main" id="{46A9208B-1339-92B5-64BB-0263AF2C8974}"/>
               </a:ext>
             </a:extLst>
           </p:cNvPr>
@@ -19023,7 +24770,7 @@
           <p:cNvPr id="20" name="TextBox 19">
             <a:extLst>
               <a:ext uri="{FF2B5EF4-FFF2-40B4-BE49-F238E27FC236}">
-                <a16:creationId xmlns:a16="http://schemas.microsoft.com/office/drawing/2014/main" id="{FEA5C934-98EA-A2D1-26B0-D268CF9C152E}"/>
+                <a16:creationId xmlns:a16="http://schemas.microsoft.com/office/drawing/2014/main" id="{55055D2D-E317-65FB-8315-1CACE107C85D}"/>
               </a:ext>
             </a:extLst>
           </p:cNvPr>
@@ -19064,7 +24811,7 @@
           <p:cNvPr id="21" name="TextBox 20">
             <a:extLst>
               <a:ext uri="{FF2B5EF4-FFF2-40B4-BE49-F238E27FC236}">
-                <a16:creationId xmlns:a16="http://schemas.microsoft.com/office/drawing/2014/main" id="{334B8A75-D91F-93F5-2ECE-BDC41DB82D3A}"/>
+                <a16:creationId xmlns:a16="http://schemas.microsoft.com/office/drawing/2014/main" id="{FA8D41F9-81D4-103A-3862-89CA291A9042}"/>
               </a:ext>
             </a:extLst>
           </p:cNvPr>
@@ -19126,7 +24873,7 @@
           <p:cNvPr id="22" name="TextBox 21">
             <a:extLst>
               <a:ext uri="{FF2B5EF4-FFF2-40B4-BE49-F238E27FC236}">
-                <a16:creationId xmlns:a16="http://schemas.microsoft.com/office/drawing/2014/main" id="{350E9790-44E2-FA6A-DD81-6BA3CB160009}"/>
+                <a16:creationId xmlns:a16="http://schemas.microsoft.com/office/drawing/2014/main" id="{47751FD7-CEB8-DBB9-056A-EF4E0442C447}"/>
               </a:ext>
             </a:extLst>
           </p:cNvPr>
@@ -19151,22 +24898,15 @@
           <a:p>
             <a:pPr algn="ctr"/>
             <a:r>
-              <a:rPr lang="en-US" sz="3200" b="1">
+              <a:rPr lang="en-US" sz="3200" b="1" dirty="0">
                 <a:solidFill>
                   <a:srgbClr val="FF6600"/>
                 </a:solidFill>
                 <a:latin typeface="Arial"/>
                 <a:cs typeface="Arial"/>
               </a:rPr>
-              <a:t>LAB 5315</a:t>
+              <a:t>LAB 5313</a:t>
             </a:r>
-            <a:endParaRPr lang="en-US" sz="3200" b="1" dirty="0">
-              <a:solidFill>
-                <a:srgbClr val="FF6600"/>
-              </a:solidFill>
-              <a:latin typeface="Arial"/>
-              <a:cs typeface="Arial"/>
-            </a:endParaRPr>
           </a:p>
         </p:txBody>
       </p:sp>
@@ -19175,7 +24915,7 @@
           <p:cNvPr id="25" name="Picture 24" descr="Dai Nam [PPT] Template 15.png">
             <a:extLst>
               <a:ext uri="{FF2B5EF4-FFF2-40B4-BE49-F238E27FC236}">
-                <a16:creationId xmlns:a16="http://schemas.microsoft.com/office/drawing/2014/main" id="{2CEF57CB-2D5F-BFD0-43C7-5FC6B65F21BC}"/>
+                <a16:creationId xmlns:a16="http://schemas.microsoft.com/office/drawing/2014/main" id="{DD573BE8-A5E1-04C5-6864-14B4A157C820}"/>
               </a:ext>
             </a:extLst>
           </p:cNvPr>
@@ -19208,10 +24948,10 @@
       </p:pic>
       <p:pic>
         <p:nvPicPr>
-          <p:cNvPr id="3" name="Picture 2" descr="A screenshot of a computer&#10;&#10;AI-generated content may be incorrect.">
+          <p:cNvPr id="4" name="Picture 3">
             <a:extLst>
               <a:ext uri="{FF2B5EF4-FFF2-40B4-BE49-F238E27FC236}">
-                <a16:creationId xmlns:a16="http://schemas.microsoft.com/office/drawing/2014/main" id="{2CF8F272-0F52-E179-1A25-401934B2D04F}"/>
+                <a16:creationId xmlns:a16="http://schemas.microsoft.com/office/drawing/2014/main" id="{A88FD050-0A4D-8BDB-22DA-B335C2A6C728}"/>
               </a:ext>
             </a:extLst>
           </p:cNvPr>
@@ -19228,56 +24968,20 @@
         </p:blipFill>
         <p:spPr>
           <a:xfrm>
-            <a:off x="2423598" y="1399892"/>
-            <a:ext cx="7344800" cy="4058216"/>
+            <a:off x="39476" y="1740921"/>
+            <a:ext cx="6056522" cy="3381106"/>
           </a:xfrm>
           <a:prstGeom prst="rect">
             <a:avLst/>
           </a:prstGeom>
         </p:spPr>
       </p:pic>
-    </p:spTree>
-    <p:extLst>
-      <p:ext uri="{BB962C8B-B14F-4D97-AF65-F5344CB8AC3E}">
-        <p14:creationId xmlns:p14="http://schemas.microsoft.com/office/powerpoint/2010/main" val="4087437108"/>
-      </p:ext>
-    </p:extLst>
-  </p:cSld>
-  <p:clrMapOvr>
-    <a:masterClrMapping/>
-  </p:clrMapOvr>
-</p:sld>
-</file>
-
-<file path=ppt/slides/slide9.xml><?xml version="1.0" encoding="utf-8"?>
-<p:sld xmlns:a="http://schemas.openxmlformats.org/drawingml/2006/main" xmlns:r="http://schemas.openxmlformats.org/officeDocument/2006/relationships" xmlns:p="http://schemas.openxmlformats.org/presentationml/2006/main" showMasterSp="0">
-  <p:cSld>
-    <p:spTree>
-      <p:nvGrpSpPr>
-        <p:cNvPr id="1" name="">
-          <a:extLst>
-            <a:ext uri="{FF2B5EF4-FFF2-40B4-BE49-F238E27FC236}">
-              <a16:creationId xmlns:a16="http://schemas.microsoft.com/office/drawing/2014/main" id="{9A27EB96-7981-4D6D-4AA1-968FB39DB84C}"/>
-            </a:ext>
-          </a:extLst>
-        </p:cNvPr>
-        <p:cNvGrpSpPr/>
-        <p:nvPr/>
-      </p:nvGrpSpPr>
-      <p:grpSpPr>
-        <a:xfrm>
-          <a:off x="0" y="0"/>
-          <a:ext cx="0" cy="0"/>
-          <a:chOff x="0" y="0"/>
-          <a:chExt cx="0" cy="0"/>
-        </a:xfrm>
-      </p:grpSpPr>
       <p:pic>
         <p:nvPicPr>
-          <p:cNvPr id="10" name="Picture 9" descr="Dai Nam [PPT] Template 11.png">
+          <p:cNvPr id="7" name="Picture 6">
             <a:extLst>
               <a:ext uri="{FF2B5EF4-FFF2-40B4-BE49-F238E27FC236}">
-                <a16:creationId xmlns:a16="http://schemas.microsoft.com/office/drawing/2014/main" id="{BEEF8946-D258-671F-D35E-690F330B0BC5}"/>
+                <a16:creationId xmlns:a16="http://schemas.microsoft.com/office/drawing/2014/main" id="{138F7EEC-5BB5-3AE0-7034-A37A8CC166A8}"/>
               </a:ext>
             </a:extLst>
           </p:cNvPr>
@@ -19287,239 +24991,15 @@
           <p:nvPr/>
         </p:nvPicPr>
         <p:blipFill>
-          <a:blip r:embed="rId2" cstate="print">
-            <a:extLst>
-              <a:ext uri="{28A0092B-C50C-407E-A947-70E740481C1C}">
-                <a14:useLocalDpi xmlns:a14="http://schemas.microsoft.com/office/drawing/2010/main" val="0"/>
-              </a:ext>
-            </a:extLst>
-          </a:blip>
+          <a:blip r:embed="rId5"/>
           <a:stretch>
             <a:fillRect/>
           </a:stretch>
         </p:blipFill>
         <p:spPr>
           <a:xfrm>
-            <a:off x="0" y="6347341"/>
-            <a:ext cx="12192000" cy="520416"/>
-          </a:xfrm>
-          <a:prstGeom prst="rect">
-            <a:avLst/>
-          </a:prstGeom>
-        </p:spPr>
-      </p:pic>
-      <p:sp>
-        <p:nvSpPr>
-          <p:cNvPr id="20" name="TextBox 19">
-            <a:extLst>
-              <a:ext uri="{FF2B5EF4-FFF2-40B4-BE49-F238E27FC236}">
-                <a16:creationId xmlns:a16="http://schemas.microsoft.com/office/drawing/2014/main" id="{8F51AE19-3BD6-F9A5-CC90-DB8437925D2E}"/>
-              </a:ext>
-            </a:extLst>
-          </p:cNvPr>
-          <p:cNvSpPr txBox="1"/>
-          <p:nvPr/>
-        </p:nvSpPr>
-        <p:spPr>
-          <a:xfrm>
-            <a:off x="2104966" y="6459180"/>
-            <a:ext cx="3727476" cy="298223"/>
-          </a:xfrm>
-          <a:prstGeom prst="rect">
-            <a:avLst/>
-          </a:prstGeom>
-          <a:noFill/>
-        </p:spPr>
-        <p:txBody>
-          <a:bodyPr wrap="square" rtlCol="0">
-            <a:spAutoFit/>
-          </a:bodyPr>
-          <a:lstStyle/>
-          <a:p>
-            <a:r>
-              <a:rPr lang="en-US" sz="1338" dirty="0">
-                <a:solidFill>
-                  <a:schemeClr val="bg1"/>
-                </a:solidFill>
-                <a:latin typeface="Arial"/>
-                <a:cs typeface="Arial"/>
-              </a:rPr>
-              <a:t>TÊN NGƯỜI TRÌNH BÀY</a:t>
-            </a:r>
-          </a:p>
-        </p:txBody>
-      </p:sp>
-      <p:sp>
-        <p:nvSpPr>
-          <p:cNvPr id="21" name="TextBox 20">
-            <a:extLst>
-              <a:ext uri="{FF2B5EF4-FFF2-40B4-BE49-F238E27FC236}">
-                <a16:creationId xmlns:a16="http://schemas.microsoft.com/office/drawing/2014/main" id="{F19887CB-CD5C-7715-6D8B-14394CFECC65}"/>
-              </a:ext>
-            </a:extLst>
-          </p:cNvPr>
-          <p:cNvSpPr txBox="1"/>
-          <p:nvPr/>
-        </p:nvSpPr>
-        <p:spPr>
-          <a:xfrm>
-            <a:off x="9005970" y="6459180"/>
-            <a:ext cx="1824707" cy="270523"/>
-          </a:xfrm>
-          <a:prstGeom prst="rect">
-            <a:avLst/>
-          </a:prstGeom>
-          <a:noFill/>
-        </p:spPr>
-        <p:txBody>
-          <a:bodyPr wrap="square" rtlCol="0">
-            <a:spAutoFit/>
-          </a:bodyPr>
-          <a:lstStyle/>
-          <a:p>
-            <a:pPr algn="r"/>
-            <a:r>
-              <a:rPr lang="en-US" sz="1158" dirty="0">
-                <a:solidFill>
-                  <a:schemeClr val="bg1"/>
-                </a:solidFill>
-                <a:latin typeface="Arial"/>
-                <a:cs typeface="Arial"/>
-              </a:rPr>
-              <a:t>Slide: </a:t>
-            </a:r>
-            <a:r>
-              <a:rPr lang="en-US" sz="1158" dirty="0" err="1">
-                <a:solidFill>
-                  <a:schemeClr val="bg1"/>
-                </a:solidFill>
-                <a:latin typeface="Arial"/>
-                <a:cs typeface="Arial"/>
-              </a:rPr>
-              <a:t>số</a:t>
-            </a:r>
-            <a:r>
-              <a:rPr lang="en-US" sz="1158" dirty="0">
-                <a:solidFill>
-                  <a:schemeClr val="bg1"/>
-                </a:solidFill>
-                <a:latin typeface="Arial"/>
-                <a:cs typeface="Arial"/>
-              </a:rPr>
-              <a:t>….</a:t>
-            </a:r>
-          </a:p>
-        </p:txBody>
-      </p:sp>
-      <p:sp>
-        <p:nvSpPr>
-          <p:cNvPr id="22" name="TextBox 21">
-            <a:extLst>
-              <a:ext uri="{FF2B5EF4-FFF2-40B4-BE49-F238E27FC236}">
-                <a16:creationId xmlns:a16="http://schemas.microsoft.com/office/drawing/2014/main" id="{C3E7CA5A-D853-57FE-6982-244CEF381571}"/>
-              </a:ext>
-            </a:extLst>
-          </p:cNvPr>
-          <p:cNvSpPr txBox="1"/>
-          <p:nvPr/>
-        </p:nvSpPr>
-        <p:spPr>
-          <a:xfrm>
-            <a:off x="1864487" y="52421"/>
-            <a:ext cx="8463025" cy="584775"/>
-          </a:xfrm>
-          <a:prstGeom prst="rect">
-            <a:avLst/>
-          </a:prstGeom>
-          <a:noFill/>
-        </p:spPr>
-        <p:txBody>
-          <a:bodyPr wrap="square" rtlCol="0">
-            <a:spAutoFit/>
-          </a:bodyPr>
-          <a:lstStyle/>
-          <a:p>
-            <a:pPr algn="ctr"/>
-            <a:r>
-              <a:rPr lang="en-US" sz="3200" b="1">
-                <a:solidFill>
-                  <a:srgbClr val="FF6600"/>
-                </a:solidFill>
-                <a:latin typeface="Arial"/>
-                <a:cs typeface="Arial"/>
-              </a:rPr>
-              <a:t>LAB 5315</a:t>
-            </a:r>
-            <a:endParaRPr lang="en-US" sz="3200" b="1" dirty="0">
-              <a:solidFill>
-                <a:srgbClr val="FF6600"/>
-              </a:solidFill>
-              <a:latin typeface="Arial"/>
-              <a:cs typeface="Arial"/>
-            </a:endParaRPr>
-          </a:p>
-        </p:txBody>
-      </p:sp>
-      <p:pic>
-        <p:nvPicPr>
-          <p:cNvPr id="25" name="Picture 24" descr="Dai Nam [PPT] Template 15.png">
-            <a:extLst>
-              <a:ext uri="{FF2B5EF4-FFF2-40B4-BE49-F238E27FC236}">
-                <a16:creationId xmlns:a16="http://schemas.microsoft.com/office/drawing/2014/main" id="{6C709BCE-8A2D-8427-00AE-8F077014D6A4}"/>
-              </a:ext>
-            </a:extLst>
-          </p:cNvPr>
-          <p:cNvPicPr>
-            <a:picLocks noChangeAspect="1"/>
-          </p:cNvPicPr>
-          <p:nvPr/>
-        </p:nvPicPr>
-        <p:blipFill>
-          <a:blip r:embed="rId3" cstate="print">
-            <a:extLst>
-              <a:ext uri="{28A0092B-C50C-407E-A947-70E740481C1C}">
-                <a14:useLocalDpi xmlns:a14="http://schemas.microsoft.com/office/drawing/2010/main" val="0"/>
-              </a:ext>
-            </a:extLst>
-          </a:blip>
-          <a:stretch>
-            <a:fillRect/>
-          </a:stretch>
-        </p:blipFill>
-        <p:spPr>
-          <a:xfrm>
-            <a:off x="3199556" y="637196"/>
-            <a:ext cx="5792885" cy="17259"/>
-          </a:xfrm>
-          <a:prstGeom prst="rect">
-            <a:avLst/>
-          </a:prstGeom>
-        </p:spPr>
-      </p:pic>
-      <p:pic>
-        <p:nvPicPr>
-          <p:cNvPr id="3" name="Picture 2" descr="A graph with green dots&#10;&#10;AI-generated content may be incorrect.">
-            <a:extLst>
-              <a:ext uri="{FF2B5EF4-FFF2-40B4-BE49-F238E27FC236}">
-                <a16:creationId xmlns:a16="http://schemas.microsoft.com/office/drawing/2014/main" id="{FE9807A2-9445-473E-A2B2-847975B8BBE0}"/>
-              </a:ext>
-            </a:extLst>
-          </p:cNvPr>
-          <p:cNvPicPr>
-            <a:picLocks noChangeAspect="1"/>
-          </p:cNvPicPr>
-          <p:nvPr/>
-        </p:nvPicPr>
-        <p:blipFill>
-          <a:blip r:embed="rId4"/>
-          <a:stretch>
-            <a:fillRect/>
-          </a:stretch>
-        </p:blipFill>
-        <p:spPr>
-          <a:xfrm>
-            <a:off x="1730561" y="749035"/>
-            <a:ext cx="8596951" cy="5614519"/>
+            <a:off x="6159310" y="1862510"/>
+            <a:ext cx="5932896" cy="3019493"/>
           </a:xfrm>
           <a:prstGeom prst="rect">
             <a:avLst/>
@@ -19529,7 +25009,7 @@
     </p:spTree>
     <p:extLst>
       <p:ext uri="{BB962C8B-B14F-4D97-AF65-F5344CB8AC3E}">
-        <p14:creationId xmlns:p14="http://schemas.microsoft.com/office/powerpoint/2010/main" val="1250856993"/>
+        <p14:creationId xmlns:p14="http://schemas.microsoft.com/office/powerpoint/2010/main" val="3429722738"/>
       </p:ext>
     </p:extLst>
   </p:cSld>
@@ -20365,15 +25845,6 @@
 </file>
 
 <file path=customXml/item1.xml><?xml version="1.0" encoding="utf-8"?>
-<?mso-contentType ?>
-<FormTemplates xmlns="http://schemas.microsoft.com/sharepoint/v3/contenttype/forms">
-  <Display>DocumentLibraryForm</Display>
-  <Edit>DocumentLibraryForm</Edit>
-  <New>DocumentLibraryForm</New>
-</FormTemplates>
-</file>
-
-<file path=customXml/item2.xml><?xml version="1.0" encoding="utf-8"?>
 <ct:contentTypeSchema xmlns:ct="http://schemas.microsoft.com/office/2006/metadata/contentType" xmlns:ma="http://schemas.microsoft.com/office/2006/metadata/properties/metaAttributes" ct:_="" ma:_="" ma:contentTypeName="Document" ma:contentTypeID="0x010100DDC35857A0665D488E68595D3D89591C" ma:contentTypeVersion="11" ma:contentTypeDescription="Create a new document." ma:contentTypeScope="" ma:versionID="6e05207ba9c49a300a9eb94dfae4f2bf">
   <xsd:schema xmlns:xsd="http://www.w3.org/2001/XMLSchema" xmlns:xs="http://www.w3.org/2001/XMLSchema" xmlns:p="http://schemas.microsoft.com/office/2006/metadata/properties" xmlns:ns2="ce7f6fe9-b62b-4a37-8d3b-f44a412d52a9" xmlns:ns3="fcb356bc-7cea-4082-8da6-372e09df0f59" targetNamespace="http://schemas.microsoft.com/office/2006/metadata/properties" ma:root="true" ma:fieldsID="d239aef0a964a08be8a524371b42374e" ns2:_="" ns3:_="">
     <xsd:import namespace="ce7f6fe9-b62b-4a37-8d3b-f44a412d52a9"/>
@@ -20582,21 +26053,22 @@
 </ct:contentTypeSchema>
 </file>
 
-<file path=customXml/item3.xml><?xml version="1.0" encoding="utf-8"?>
+<file path=customXml/item2.xml><?xml version="1.0" encoding="utf-8"?>
 <p:properties xmlns:p="http://schemas.microsoft.com/office/2006/metadata/properties" xmlns:xsi="http://www.w3.org/2001/XMLSchema-instance" xmlns:pc="http://schemas.microsoft.com/office/infopath/2007/PartnerControls">
   <documentManagement/>
 </p:properties>
 </file>
 
-<file path=customXml/itemProps1.xml><?xml version="1.0" encoding="utf-8"?>
-<ds:datastoreItem xmlns:ds="http://schemas.openxmlformats.org/officeDocument/2006/customXml" ds:itemID="{A41B17E1-62C7-4D6D-87AF-D5673F9F4724}">
-  <ds:schemaRefs>
-    <ds:schemaRef ds:uri="http://schemas.microsoft.com/sharepoint/v3/contenttype/forms"/>
-  </ds:schemaRefs>
-</ds:datastoreItem>
+<file path=customXml/item3.xml><?xml version="1.0" encoding="utf-8"?>
+<?mso-contentType ?>
+<FormTemplates xmlns="http://schemas.microsoft.com/sharepoint/v3/contenttype/forms">
+  <Display>DocumentLibraryForm</Display>
+  <Edit>DocumentLibraryForm</Edit>
+  <New>DocumentLibraryForm</New>
+</FormTemplates>
 </file>
 
-<file path=customXml/itemProps2.xml><?xml version="1.0" encoding="utf-8"?>
+<file path=customXml/itemProps1.xml><?xml version="1.0" encoding="utf-8"?>
 <ds:datastoreItem xmlns:ds="http://schemas.openxmlformats.org/officeDocument/2006/customXml" ds:itemID="{0E295AA3-EF4A-48C0-BE76-FB11DD8C2272}">
   <ds:schemaRefs>
     <ds:schemaRef ds:uri="http://schemas.microsoft.com/office/2006/metadata/contentType"/>
@@ -20615,11 +26087,19 @@
 </ds:datastoreItem>
 </file>
 
-<file path=customXml/itemProps3.xml><?xml version="1.0" encoding="utf-8"?>
+<file path=customXml/itemProps2.xml><?xml version="1.0" encoding="utf-8"?>
 <ds:datastoreItem xmlns:ds="http://schemas.openxmlformats.org/officeDocument/2006/customXml" ds:itemID="{17E0D847-45A6-421A-8AD0-A48196E11387}">
   <ds:schemaRefs>
     <ds:schemaRef ds:uri="http://schemas.microsoft.com/office/2006/metadata/properties"/>
     <ds:schemaRef ds:uri="http://schemas.microsoft.com/office/infopath/2007/PartnerControls"/>
   </ds:schemaRefs>
 </ds:datastoreItem>
+</file>
+
+<file path=customXml/itemProps3.xml><?xml version="1.0" encoding="utf-8"?>
+<ds:datastoreItem xmlns:ds="http://schemas.openxmlformats.org/officeDocument/2006/customXml" ds:itemID="{A41B17E1-62C7-4D6D-87AF-D5673F9F4724}">
+  <ds:schemaRefs>
+    <ds:schemaRef ds:uri="http://schemas.microsoft.com/sharepoint/v3/contenttype/forms"/>
+  </ds:schemaRefs>
+</ds:datastoreItem>
 </file>